--- a/Predicting Recidivism in Released Prisoner in Iowa_v2.pptx
+++ b/Predicting Recidivism in Released Prisoner in Iowa_v2.pptx
@@ -9,9 +9,9 @@
     <p:sldId id="261" r:id="rId3"/>
     <p:sldId id="257" r:id="rId4"/>
     <p:sldId id="258" r:id="rId5"/>
-    <p:sldId id="263" r:id="rId6"/>
-    <p:sldId id="264" r:id="rId7"/>
-    <p:sldId id="259" r:id="rId8"/>
+    <p:sldId id="259" r:id="rId6"/>
+    <p:sldId id="263" r:id="rId7"/>
+    <p:sldId id="264" r:id="rId8"/>
     <p:sldId id="260" r:id="rId9"/>
     <p:sldId id="262" r:id="rId10"/>
   </p:sldIdLst>
@@ -267,7 +267,7 @@
           <a:p>
             <a:fld id="{9F368D5F-B914-41C5-B897-CC7F5F914261}" type="datetimeFigureOut">
               <a:rPr lang="en-US" smtClean="0"/>
-              <a:t>5/18/2019</a:t>
+              <a:t>5/20/2019</a:t>
             </a:fld>
             <a:endParaRPr lang="en-US"/>
           </a:p>
@@ -465,7 +465,7 @@
           <a:p>
             <a:fld id="{9F368D5F-B914-41C5-B897-CC7F5F914261}" type="datetimeFigureOut">
               <a:rPr lang="en-US" smtClean="0"/>
-              <a:t>5/18/2019</a:t>
+              <a:t>5/20/2019</a:t>
             </a:fld>
             <a:endParaRPr lang="en-US"/>
           </a:p>
@@ -673,7 +673,7 @@
           <a:p>
             <a:fld id="{9F368D5F-B914-41C5-B897-CC7F5F914261}" type="datetimeFigureOut">
               <a:rPr lang="en-US" smtClean="0"/>
-              <a:t>5/18/2019</a:t>
+              <a:t>5/20/2019</a:t>
             </a:fld>
             <a:endParaRPr lang="en-US"/>
           </a:p>
@@ -871,7 +871,7 @@
           <a:p>
             <a:fld id="{9F368D5F-B914-41C5-B897-CC7F5F914261}" type="datetimeFigureOut">
               <a:rPr lang="en-US" smtClean="0"/>
-              <a:t>5/18/2019</a:t>
+              <a:t>5/20/2019</a:t>
             </a:fld>
             <a:endParaRPr lang="en-US"/>
           </a:p>
@@ -1146,7 +1146,7 @@
           <a:p>
             <a:fld id="{9F368D5F-B914-41C5-B897-CC7F5F914261}" type="datetimeFigureOut">
               <a:rPr lang="en-US" smtClean="0"/>
-              <a:t>5/18/2019</a:t>
+              <a:t>5/20/2019</a:t>
             </a:fld>
             <a:endParaRPr lang="en-US"/>
           </a:p>
@@ -1411,7 +1411,7 @@
           <a:p>
             <a:fld id="{9F368D5F-B914-41C5-B897-CC7F5F914261}" type="datetimeFigureOut">
               <a:rPr lang="en-US" smtClean="0"/>
-              <a:t>5/18/2019</a:t>
+              <a:t>5/20/2019</a:t>
             </a:fld>
             <a:endParaRPr lang="en-US"/>
           </a:p>
@@ -1823,7 +1823,7 @@
           <a:p>
             <a:fld id="{9F368D5F-B914-41C5-B897-CC7F5F914261}" type="datetimeFigureOut">
               <a:rPr lang="en-US" smtClean="0"/>
-              <a:t>5/18/2019</a:t>
+              <a:t>5/20/2019</a:t>
             </a:fld>
             <a:endParaRPr lang="en-US"/>
           </a:p>
@@ -1964,7 +1964,7 @@
           <a:p>
             <a:fld id="{9F368D5F-B914-41C5-B897-CC7F5F914261}" type="datetimeFigureOut">
               <a:rPr lang="en-US" smtClean="0"/>
-              <a:t>5/18/2019</a:t>
+              <a:t>5/20/2019</a:t>
             </a:fld>
             <a:endParaRPr lang="en-US"/>
           </a:p>
@@ -2077,7 +2077,7 @@
           <a:p>
             <a:fld id="{9F368D5F-B914-41C5-B897-CC7F5F914261}" type="datetimeFigureOut">
               <a:rPr lang="en-US" smtClean="0"/>
-              <a:t>5/18/2019</a:t>
+              <a:t>5/20/2019</a:t>
             </a:fld>
             <a:endParaRPr lang="en-US"/>
           </a:p>
@@ -2388,7 +2388,7 @@
           <a:p>
             <a:fld id="{9F368D5F-B914-41C5-B897-CC7F5F914261}" type="datetimeFigureOut">
               <a:rPr lang="en-US" smtClean="0"/>
-              <a:t>5/18/2019</a:t>
+              <a:t>5/20/2019</a:t>
             </a:fld>
             <a:endParaRPr lang="en-US"/>
           </a:p>
@@ -2676,7 +2676,7 @@
           <a:p>
             <a:fld id="{9F368D5F-B914-41C5-B897-CC7F5F914261}" type="datetimeFigureOut">
               <a:rPr lang="en-US" smtClean="0"/>
-              <a:t>5/18/2019</a:t>
+              <a:t>5/20/2019</a:t>
             </a:fld>
             <a:endParaRPr lang="en-US"/>
           </a:p>
@@ -2917,7 +2917,7 @@
           <a:p>
             <a:fld id="{9F368D5F-B914-41C5-B897-CC7F5F914261}" type="datetimeFigureOut">
               <a:rPr lang="en-US" smtClean="0"/>
-              <a:t>5/18/2019</a:t>
+              <a:t>5/20/2019</a:t>
             </a:fld>
             <a:endParaRPr lang="en-US"/>
           </a:p>
@@ -4780,10 +4780,10 @@
       </p:grpSpPr>
       <p:sp>
         <p:nvSpPr>
-          <p:cNvPr id="27" name="Rectangle 26">
-            <a:extLst>
-              <a:ext uri="{FF2B5EF4-FFF2-40B4-BE49-F238E27FC236}">
-                <a16:creationId xmlns:a16="http://schemas.microsoft.com/office/drawing/2014/main" id="{59969067-2717-4833-829D-EF331732704F}"/>
+          <p:cNvPr id="12" name="Rectangle 11">
+            <a:extLst>
+              <a:ext uri="{FF2B5EF4-FFF2-40B4-BE49-F238E27FC236}">
+                <a16:creationId xmlns:a16="http://schemas.microsoft.com/office/drawing/2014/main" id="{7438C053-8F02-4CE9-994D-F233D6D745BF}"/>
               </a:ext>
             </a:extLst>
           </p:cNvPr>
@@ -4792,7 +4792,7 @@
         </p:nvSpPr>
         <p:spPr>
           <a:xfrm>
-            <a:off x="304800" y="117580"/>
+            <a:off x="304800" y="230188"/>
             <a:ext cx="11582400" cy="1073045"/>
           </a:xfrm>
           <a:prstGeom prst="rect">
@@ -4840,10 +4840,10 @@
       </p:sp>
       <p:sp>
         <p:nvSpPr>
-          <p:cNvPr id="16" name="Title 15">
-            <a:extLst>
-              <a:ext uri="{FF2B5EF4-FFF2-40B4-BE49-F238E27FC236}">
-                <a16:creationId xmlns:a16="http://schemas.microsoft.com/office/drawing/2014/main" id="{BC43B110-D6A9-43B6-905D-DB403774E2FC}"/>
+          <p:cNvPr id="2" name="Title 1">
+            <a:extLst>
+              <a:ext uri="{FF2B5EF4-FFF2-40B4-BE49-F238E27FC236}">
+                <a16:creationId xmlns:a16="http://schemas.microsoft.com/office/drawing/2014/main" id="{6D68BEC9-51A3-41D0-B106-455D50898E30}"/>
               </a:ext>
             </a:extLst>
           </p:cNvPr>
@@ -4856,8 +4856,8 @@
         </p:nvSpPr>
         <p:spPr>
           <a:xfrm>
-            <a:off x="304800" y="117580"/>
-            <a:ext cx="11582400" cy="990251"/>
+            <a:off x="838200" y="270118"/>
+            <a:ext cx="10515600" cy="821837"/>
           </a:xfrm>
         </p:spPr>
         <p:txBody>
@@ -4871,17 +4871,17 @@
                   <a:schemeClr val="bg1"/>
                 </a:solidFill>
               </a:rPr>
-              <a:t>#1) Age at Release 		#2) Judicial District</a:t>
+              <a:t>Classification Model Performance</a:t>
             </a:r>
           </a:p>
         </p:txBody>
       </p:sp>
       <p:pic>
         <p:nvPicPr>
-          <p:cNvPr id="22" name="Content Placeholder 21" descr="A screenshot of a cell phone&#10;&#10;Description automatically generated">
-            <a:extLst>
-              <a:ext uri="{FF2B5EF4-FFF2-40B4-BE49-F238E27FC236}">
-                <a16:creationId xmlns:a16="http://schemas.microsoft.com/office/drawing/2014/main" id="{7DBC0DB9-5EB1-46C5-95CD-FF027F355148}"/>
+          <p:cNvPr id="21" name="Content Placeholder 5" descr="A screenshot of a cell phone&#10;&#10;Description automatically generated">
+            <a:extLst>
+              <a:ext uri="{FF2B5EF4-FFF2-40B4-BE49-F238E27FC236}">
+                <a16:creationId xmlns:a16="http://schemas.microsoft.com/office/drawing/2014/main" id="{37A1243E-E46A-4531-8FD2-5AD40E9600BB}"/>
               </a:ext>
             </a:extLst>
           </p:cNvPr>
@@ -4889,10 +4889,10 @@
             <a:picLocks noGrp="1" noChangeAspect="1"/>
           </p:cNvPicPr>
           <p:nvPr>
-            <p:ph sz="half" idx="2"/>
+            <p:ph sz="half" idx="1"/>
           </p:nvPr>
         </p:nvPicPr>
-        <p:blipFill rotWithShape="1">
+        <p:blipFill>
           <a:blip r:embed="rId2">
             <a:extLst>
               <a:ext uri="{28A0092B-C50C-407E-A947-70E740481C1C}">
@@ -4900,85 +4900,202 @@
               </a:ext>
             </a:extLst>
           </a:blip>
-          <a:srcRect r="14290"/>
-          <a:stretch/>
-        </p:blipFill>
-        <p:spPr>
-          <a:xfrm>
-            <a:off x="5582175" y="1690688"/>
-            <a:ext cx="5962126" cy="4843052"/>
-          </a:xfrm>
-        </p:spPr>
-      </p:pic>
-      <p:pic>
-        <p:nvPicPr>
-          <p:cNvPr id="23" name="Content Placeholder 19" descr="A screenshot of a cell phone&#10;&#10;Description automatically generated">
-            <a:extLst>
-              <a:ext uri="{FF2B5EF4-FFF2-40B4-BE49-F238E27FC236}">
-                <a16:creationId xmlns:a16="http://schemas.microsoft.com/office/drawing/2014/main" id="{26CE598A-DC61-4334-9F99-48A3F1F4E68F}"/>
-              </a:ext>
-            </a:extLst>
-          </p:cNvPr>
-          <p:cNvPicPr>
-            <a:picLocks noChangeAspect="1"/>
-          </p:cNvPicPr>
-          <p:nvPr/>
-        </p:nvPicPr>
-        <p:blipFill rotWithShape="1">
-          <a:blip r:embed="rId3">
-            <a:extLst>
-              <a:ext uri="{28A0092B-C50C-407E-A947-70E740481C1C}">
-                <a14:useLocalDpi xmlns:a14="http://schemas.microsoft.com/office/drawing/2010/main" val="0"/>
-              </a:ext>
-            </a:extLst>
-          </a:blip>
-          <a:srcRect l="79106" b="85697"/>
-          <a:stretch/>
-        </p:blipFill>
-        <p:spPr>
-          <a:xfrm>
-            <a:off x="5391562" y="1289947"/>
-            <a:ext cx="1185084" cy="801482"/>
-          </a:xfrm>
-          <a:prstGeom prst="rect">
-            <a:avLst/>
-          </a:prstGeom>
-        </p:spPr>
-      </p:pic>
-      <p:pic>
-        <p:nvPicPr>
-          <p:cNvPr id="26" name="Picture 25">
-            <a:extLst>
-              <a:ext uri="{FF2B5EF4-FFF2-40B4-BE49-F238E27FC236}">
-                <a16:creationId xmlns:a16="http://schemas.microsoft.com/office/drawing/2014/main" id="{ABE89E76-ABE7-472E-8F69-FB69EC379FCA}"/>
-              </a:ext>
-            </a:extLst>
-          </p:cNvPr>
-          <p:cNvPicPr>
-            <a:picLocks noChangeAspect="1"/>
-          </p:cNvPicPr>
-          <p:nvPr/>
-        </p:nvPicPr>
-        <p:blipFill>
-          <a:blip r:embed="rId4"/>
           <a:stretch>
             <a:fillRect/>
           </a:stretch>
         </p:blipFill>
         <p:spPr>
           <a:xfrm>
-            <a:off x="770893" y="1771650"/>
-            <a:ext cx="4375500" cy="4762090"/>
+            <a:off x="357763" y="1617733"/>
+            <a:ext cx="5500751" cy="4888585"/>
+          </a:xfrm>
+        </p:spPr>
+      </p:pic>
+      <p:pic>
+        <p:nvPicPr>
+          <p:cNvPr id="8" name="Content Placeholder 7" descr="A close up of a map&#10;&#10;Description automatically generated">
+            <a:extLst>
+              <a:ext uri="{FF2B5EF4-FFF2-40B4-BE49-F238E27FC236}">
+                <a16:creationId xmlns:a16="http://schemas.microsoft.com/office/drawing/2014/main" id="{5B5DE6F4-ECBC-40F7-8CE7-0036284CE8F5}"/>
+              </a:ext>
+            </a:extLst>
+          </p:cNvPr>
+          <p:cNvPicPr>
+            <a:picLocks noGrp="1" noChangeAspect="1"/>
+          </p:cNvPicPr>
+          <p:nvPr>
+            <p:ph sz="half" idx="2"/>
+          </p:nvPr>
+        </p:nvPicPr>
+        <p:blipFill>
+          <a:blip r:embed="rId3">
+            <a:extLst>
+              <a:ext uri="{28A0092B-C50C-407E-A947-70E740481C1C}">
+                <a14:useLocalDpi xmlns:a14="http://schemas.microsoft.com/office/drawing/2010/main" val="0"/>
+              </a:ext>
+            </a:extLst>
+          </a:blip>
+          <a:stretch>
+            <a:fillRect/>
+          </a:stretch>
+        </p:blipFill>
+        <p:spPr>
+          <a:xfrm>
+            <a:off x="6333487" y="1847117"/>
+            <a:ext cx="5658488" cy="4105019"/>
+          </a:xfrm>
+        </p:spPr>
+      </p:pic>
+      <p:sp>
+        <p:nvSpPr>
+          <p:cNvPr id="9" name="Rectangle 8">
+            <a:extLst>
+              <a:ext uri="{FF2B5EF4-FFF2-40B4-BE49-F238E27FC236}">
+                <a16:creationId xmlns:a16="http://schemas.microsoft.com/office/drawing/2014/main" id="{86A7E74D-84DF-49D0-A36B-6A9C5AAB1153}"/>
+              </a:ext>
+            </a:extLst>
+          </p:cNvPr>
+          <p:cNvSpPr/>
+          <p:nvPr/>
+        </p:nvSpPr>
+        <p:spPr>
+          <a:xfrm>
+            <a:off x="838199" y="3736782"/>
+            <a:ext cx="4238625" cy="1844867"/>
           </a:xfrm>
           <a:prstGeom prst="rect">
             <a:avLst/>
           </a:prstGeom>
-        </p:spPr>
-      </p:pic>
+          <a:noFill/>
+          <a:ln w="38100">
+            <a:solidFill>
+              <a:schemeClr val="accent6">
+                <a:lumMod val="75000"/>
+              </a:schemeClr>
+            </a:solidFill>
+          </a:ln>
+        </p:spPr>
+        <p:style>
+          <a:lnRef idx="2">
+            <a:schemeClr val="accent1">
+              <a:shade val="50000"/>
+            </a:schemeClr>
+          </a:lnRef>
+          <a:fillRef idx="1">
+            <a:schemeClr val="accent1"/>
+          </a:fillRef>
+          <a:effectRef idx="0">
+            <a:schemeClr val="accent1"/>
+          </a:effectRef>
+          <a:fontRef idx="minor">
+            <a:schemeClr val="lt1"/>
+          </a:fontRef>
+        </p:style>
+        <p:txBody>
+          <a:bodyPr rtlCol="0" anchor="ctr"/>
+          <a:lstStyle/>
+          <a:p>
+            <a:pPr algn="ctr"/>
+            <a:endParaRPr lang="en-US"/>
+          </a:p>
+        </p:txBody>
+      </p:sp>
+      <p:sp>
+        <p:nvSpPr>
+          <p:cNvPr id="22" name="Rectangle 21">
+            <a:extLst>
+              <a:ext uri="{FF2B5EF4-FFF2-40B4-BE49-F238E27FC236}">
+                <a16:creationId xmlns:a16="http://schemas.microsoft.com/office/drawing/2014/main" id="{894F1DCE-6E11-4383-80CE-A794776FE6E8}"/>
+              </a:ext>
+            </a:extLst>
+          </p:cNvPr>
+          <p:cNvSpPr/>
+          <p:nvPr/>
+        </p:nvSpPr>
+        <p:spPr>
+          <a:xfrm>
+            <a:off x="9983665" y="5107597"/>
+            <a:ext cx="1769656" cy="354797"/>
+          </a:xfrm>
+          <a:prstGeom prst="rect">
+            <a:avLst/>
+          </a:prstGeom>
+          <a:noFill/>
+          <a:ln w="38100">
+            <a:solidFill>
+              <a:schemeClr val="accent6">
+                <a:lumMod val="75000"/>
+              </a:schemeClr>
+            </a:solidFill>
+          </a:ln>
+        </p:spPr>
+        <p:style>
+          <a:lnRef idx="2">
+            <a:schemeClr val="accent1">
+              <a:shade val="50000"/>
+            </a:schemeClr>
+          </a:lnRef>
+          <a:fillRef idx="1">
+            <a:schemeClr val="accent1"/>
+          </a:fillRef>
+          <a:effectRef idx="0">
+            <a:schemeClr val="accent1"/>
+          </a:effectRef>
+          <a:fontRef idx="minor">
+            <a:schemeClr val="lt1"/>
+          </a:fontRef>
+        </p:style>
+        <p:txBody>
+          <a:bodyPr rtlCol="0" anchor="ctr"/>
+          <a:lstStyle/>
+          <a:p>
+            <a:pPr algn="ctr"/>
+            <a:endParaRPr lang="en-US"/>
+          </a:p>
+        </p:txBody>
+      </p:sp>
+      <p:cxnSp>
+        <p:nvCxnSpPr>
+          <p:cNvPr id="20" name="Straight Connector 19">
+            <a:extLst>
+              <a:ext uri="{FF2B5EF4-FFF2-40B4-BE49-F238E27FC236}">
+                <a16:creationId xmlns:a16="http://schemas.microsoft.com/office/drawing/2014/main" id="{5A0F4DFE-F999-41EC-B87C-D8D98A35F7C8}"/>
+              </a:ext>
+            </a:extLst>
+          </p:cNvPr>
+          <p:cNvCxnSpPr>
+            <a:cxnSpLocks/>
+          </p:cNvCxnSpPr>
+          <p:nvPr/>
+        </p:nvCxnSpPr>
+        <p:spPr>
+          <a:xfrm flipH="1">
+            <a:off x="3283745" y="1025280"/>
+            <a:ext cx="5624511" cy="0"/>
+          </a:xfrm>
+          <a:prstGeom prst="line">
+            <a:avLst/>
+          </a:prstGeom>
+        </p:spPr>
+        <p:style>
+          <a:lnRef idx="1">
+            <a:schemeClr val="accent1"/>
+          </a:lnRef>
+          <a:fillRef idx="0">
+            <a:schemeClr val="accent1"/>
+          </a:fillRef>
+          <a:effectRef idx="0">
+            <a:schemeClr val="accent1"/>
+          </a:effectRef>
+          <a:fontRef idx="minor">
+            <a:schemeClr val="tx1"/>
+          </a:fontRef>
+        </p:style>
+      </p:cxnSp>
     </p:spTree>
     <p:extLst>
       <p:ext uri="{BB962C8B-B14F-4D97-AF65-F5344CB8AC3E}">
-        <p14:creationId xmlns:p14="http://schemas.microsoft.com/office/powerpoint/2010/main" val="2657209460"/>
+        <p14:creationId xmlns:p14="http://schemas.microsoft.com/office/powerpoint/2010/main" val="879329863"/>
       </p:ext>
     </p:extLst>
   </p:cSld>
@@ -5007,10 +5124,10 @@
       </p:grpSpPr>
       <p:sp>
         <p:nvSpPr>
-          <p:cNvPr id="21" name="Rectangle 20">
-            <a:extLst>
-              <a:ext uri="{FF2B5EF4-FFF2-40B4-BE49-F238E27FC236}">
-                <a16:creationId xmlns:a16="http://schemas.microsoft.com/office/drawing/2014/main" id="{A908F8A5-3734-4943-AF82-E7688B33910F}"/>
+          <p:cNvPr id="27" name="Rectangle 26">
+            <a:extLst>
+              <a:ext uri="{FF2B5EF4-FFF2-40B4-BE49-F238E27FC236}">
+                <a16:creationId xmlns:a16="http://schemas.microsoft.com/office/drawing/2014/main" id="{59969067-2717-4833-829D-EF331732704F}"/>
               </a:ext>
             </a:extLst>
           </p:cNvPr>
@@ -5061,16 +5178,16 @@
           <a:lstStyle/>
           <a:p>
             <a:pPr algn="ctr"/>
-            <a:endParaRPr lang="en-US" sz="1400" dirty="0"/>
-          </a:p>
-        </p:txBody>
-      </p:sp>
-      <p:sp>
-        <p:nvSpPr>
-          <p:cNvPr id="2" name="Title 1">
-            <a:extLst>
-              <a:ext uri="{FF2B5EF4-FFF2-40B4-BE49-F238E27FC236}">
-                <a16:creationId xmlns:a16="http://schemas.microsoft.com/office/drawing/2014/main" id="{5AA86BCB-8D80-4C57-8FBF-587866BDC26F}"/>
+            <a:endParaRPr lang="en-US" sz="1400"/>
+          </a:p>
+        </p:txBody>
+      </p:sp>
+      <p:sp>
+        <p:nvSpPr>
+          <p:cNvPr id="16" name="Title 15">
+            <a:extLst>
+              <a:ext uri="{FF2B5EF4-FFF2-40B4-BE49-F238E27FC236}">
+                <a16:creationId xmlns:a16="http://schemas.microsoft.com/office/drawing/2014/main" id="{BC43B110-D6A9-43B6-905D-DB403774E2FC}"/>
               </a:ext>
             </a:extLst>
           </p:cNvPr>
@@ -5083,14 +5200,12 @@
         </p:nvSpPr>
         <p:spPr>
           <a:xfrm>
-            <a:off x="838200" y="304730"/>
-            <a:ext cx="10515600" cy="698744"/>
-          </a:xfrm>
-        </p:spPr>
-        <p:txBody>
-          <a:bodyPr>
-            <a:normAutofit fontScale="90000"/>
-          </a:bodyPr>
+            <a:off x="304800" y="117580"/>
+            <a:ext cx="11582400" cy="990251"/>
+          </a:xfrm>
+        </p:spPr>
+        <p:txBody>
+          <a:bodyPr/>
           <a:lstStyle/>
           <a:p>
             <a:pPr algn="ctr"/>
@@ -5100,17 +5215,17 @@
                   <a:schemeClr val="bg1"/>
                 </a:solidFill>
               </a:rPr>
-              <a:t>#3) Release Type 		#4) Crime Type-Subtypes</a:t>
+              <a:t>#1) Age at Release 		#2) Judicial District</a:t>
             </a:r>
           </a:p>
         </p:txBody>
       </p:sp>
       <p:pic>
         <p:nvPicPr>
-          <p:cNvPr id="14" name="Content Placeholder 13" descr="A screenshot of a cell phone&#10;&#10;Description automatically generated">
-            <a:extLst>
-              <a:ext uri="{FF2B5EF4-FFF2-40B4-BE49-F238E27FC236}">
-                <a16:creationId xmlns:a16="http://schemas.microsoft.com/office/drawing/2014/main" id="{341C4115-D390-46E4-8F71-6E1DB79A3BF3}"/>
+          <p:cNvPr id="22" name="Content Placeholder 21" descr="A screenshot of a cell phone&#10;&#10;Description automatically generated">
+            <a:extLst>
+              <a:ext uri="{FF2B5EF4-FFF2-40B4-BE49-F238E27FC236}">
+                <a16:creationId xmlns:a16="http://schemas.microsoft.com/office/drawing/2014/main" id="{7DBC0DB9-5EB1-46C5-95CD-FF027F355148}"/>
               </a:ext>
             </a:extLst>
           </p:cNvPr>
@@ -5118,7 +5233,7 @@
             <a:picLocks noGrp="1" noChangeAspect="1"/>
           </p:cNvPicPr>
           <p:nvPr>
-            <p:ph sz="half" idx="1"/>
+            <p:ph sz="half" idx="2"/>
           </p:nvPr>
         </p:nvPicPr>
         <p:blipFill rotWithShape="1">
@@ -5129,56 +5244,22 @@
               </a:ext>
             </a:extLst>
           </a:blip>
-          <a:srcRect r="13924"/>
+          <a:srcRect r="14290"/>
           <a:stretch/>
         </p:blipFill>
         <p:spPr>
           <a:xfrm>
-            <a:off x="12573" y="1226616"/>
-            <a:ext cx="6105849" cy="5395363"/>
+            <a:off x="5582175" y="1690688"/>
+            <a:ext cx="5962126" cy="4843052"/>
           </a:xfrm>
         </p:spPr>
       </p:pic>
       <p:pic>
         <p:nvPicPr>
-          <p:cNvPr id="16" name="Content Placeholder 15" descr="A screenshot of a cell phone&#10;&#10;Description automatically generated">
-            <a:extLst>
-              <a:ext uri="{FF2B5EF4-FFF2-40B4-BE49-F238E27FC236}">
-                <a16:creationId xmlns:a16="http://schemas.microsoft.com/office/drawing/2014/main" id="{2B83CA0E-B057-4A52-A9C1-A2178096F66E}"/>
-              </a:ext>
-            </a:extLst>
-          </p:cNvPr>
-          <p:cNvPicPr>
-            <a:picLocks noGrp="1" noChangeAspect="1"/>
-          </p:cNvPicPr>
-          <p:nvPr>
-            <p:ph sz="half" idx="2"/>
-          </p:nvPr>
-        </p:nvPicPr>
-        <p:blipFill rotWithShape="1">
-          <a:blip r:embed="rId3">
-            <a:extLst>
-              <a:ext uri="{28A0092B-C50C-407E-A947-70E740481C1C}">
-                <a14:useLocalDpi xmlns:a14="http://schemas.microsoft.com/office/drawing/2010/main" val="0"/>
-              </a:ext>
-            </a:extLst>
-          </a:blip>
-          <a:srcRect r="15073"/>
-          <a:stretch/>
-        </p:blipFill>
-        <p:spPr>
-          <a:xfrm>
-            <a:off x="6336120" y="1238249"/>
-            <a:ext cx="5770156" cy="5640909"/>
-          </a:xfrm>
-        </p:spPr>
-      </p:pic>
-      <p:pic>
-        <p:nvPicPr>
-          <p:cNvPr id="17" name="Content Placeholder 19" descr="A screenshot of a cell phone&#10;&#10;Description automatically generated">
-            <a:extLst>
-              <a:ext uri="{FF2B5EF4-FFF2-40B4-BE49-F238E27FC236}">
-                <a16:creationId xmlns:a16="http://schemas.microsoft.com/office/drawing/2014/main" id="{6B1B4479-E5C0-44F6-8EBB-7EE65CD69BE6}"/>
+          <p:cNvPr id="23" name="Content Placeholder 19" descr="A screenshot of a cell phone&#10;&#10;Description automatically generated">
+            <a:extLst>
+              <a:ext uri="{FF2B5EF4-FFF2-40B4-BE49-F238E27FC236}">
+                <a16:creationId xmlns:a16="http://schemas.microsoft.com/office/drawing/2014/main" id="{26CE598A-DC61-4334-9F99-48A3F1F4E68F}"/>
               </a:ext>
             </a:extLst>
           </p:cNvPr>
@@ -5188,7 +5269,7 @@
           <p:nvPr/>
         </p:nvPicPr>
         <p:blipFill rotWithShape="1">
-          <a:blip r:embed="rId4">
+          <a:blip r:embed="rId3">
             <a:extLst>
               <a:ext uri="{28A0092B-C50C-407E-A947-70E740481C1C}">
                 <a14:useLocalDpi xmlns:a14="http://schemas.microsoft.com/office/drawing/2010/main" val="0"/>
@@ -5200,8 +5281,38 @@
         </p:blipFill>
         <p:spPr>
           <a:xfrm>
-            <a:off x="4836711" y="2216960"/>
+            <a:off x="5391562" y="1289947"/>
             <a:ext cx="1185084" cy="801482"/>
+          </a:xfrm>
+          <a:prstGeom prst="rect">
+            <a:avLst/>
+          </a:prstGeom>
+        </p:spPr>
+      </p:pic>
+      <p:pic>
+        <p:nvPicPr>
+          <p:cNvPr id="26" name="Picture 25">
+            <a:extLst>
+              <a:ext uri="{FF2B5EF4-FFF2-40B4-BE49-F238E27FC236}">
+                <a16:creationId xmlns:a16="http://schemas.microsoft.com/office/drawing/2014/main" id="{ABE89E76-ABE7-472E-8F69-FB69EC379FCA}"/>
+              </a:ext>
+            </a:extLst>
+          </p:cNvPr>
+          <p:cNvPicPr>
+            <a:picLocks noChangeAspect="1"/>
+          </p:cNvPicPr>
+          <p:nvPr/>
+        </p:nvPicPr>
+        <p:blipFill>
+          <a:blip r:embed="rId4"/>
+          <a:stretch>
+            <a:fillRect/>
+          </a:stretch>
+        </p:blipFill>
+        <p:spPr>
+          <a:xfrm>
+            <a:off x="770893" y="1771650"/>
+            <a:ext cx="4375500" cy="4762090"/>
           </a:xfrm>
           <a:prstGeom prst="rect">
             <a:avLst/>
@@ -5211,7 +5322,7 @@
     </p:spTree>
     <p:extLst>
       <p:ext uri="{BB962C8B-B14F-4D97-AF65-F5344CB8AC3E}">
-        <p14:creationId xmlns:p14="http://schemas.microsoft.com/office/powerpoint/2010/main" val="543213359"/>
+        <p14:creationId xmlns:p14="http://schemas.microsoft.com/office/powerpoint/2010/main" val="2657209460"/>
       </p:ext>
     </p:extLst>
   </p:cSld>
@@ -5240,10 +5351,10 @@
       </p:grpSpPr>
       <p:sp>
         <p:nvSpPr>
-          <p:cNvPr id="12" name="Rectangle 11">
-            <a:extLst>
-              <a:ext uri="{FF2B5EF4-FFF2-40B4-BE49-F238E27FC236}">
-                <a16:creationId xmlns:a16="http://schemas.microsoft.com/office/drawing/2014/main" id="{7438C053-8F02-4CE9-994D-F233D6D745BF}"/>
+          <p:cNvPr id="21" name="Rectangle 20">
+            <a:extLst>
+              <a:ext uri="{FF2B5EF4-FFF2-40B4-BE49-F238E27FC236}">
+                <a16:creationId xmlns:a16="http://schemas.microsoft.com/office/drawing/2014/main" id="{A908F8A5-3734-4943-AF82-E7688B33910F}"/>
               </a:ext>
             </a:extLst>
           </p:cNvPr>
@@ -5252,7 +5363,7 @@
         </p:nvSpPr>
         <p:spPr>
           <a:xfrm>
-            <a:off x="304800" y="230188"/>
+            <a:off x="304800" y="117580"/>
             <a:ext cx="11582400" cy="1073045"/>
           </a:xfrm>
           <a:prstGeom prst="rect">
@@ -5294,7 +5405,7 @@
           <a:lstStyle/>
           <a:p>
             <a:pPr algn="ctr"/>
-            <a:endParaRPr lang="en-US" sz="1400"/>
+            <a:endParaRPr lang="en-US" sz="1400" dirty="0"/>
           </a:p>
         </p:txBody>
       </p:sp>
@@ -5303,7 +5414,7 @@
           <p:cNvPr id="2" name="Title 1">
             <a:extLst>
               <a:ext uri="{FF2B5EF4-FFF2-40B4-BE49-F238E27FC236}">
-                <a16:creationId xmlns:a16="http://schemas.microsoft.com/office/drawing/2014/main" id="{6D68BEC9-51A3-41D0-B106-455D50898E30}"/>
+                <a16:creationId xmlns:a16="http://schemas.microsoft.com/office/drawing/2014/main" id="{5AA86BCB-8D80-4C57-8FBF-587866BDC26F}"/>
               </a:ext>
             </a:extLst>
           </p:cNvPr>
@@ -5316,12 +5427,14 @@
         </p:nvSpPr>
         <p:spPr>
           <a:xfrm>
-            <a:off x="838200" y="270118"/>
-            <a:ext cx="10515600" cy="821837"/>
-          </a:xfrm>
-        </p:spPr>
-        <p:txBody>
-          <a:bodyPr/>
+            <a:off x="838200" y="304730"/>
+            <a:ext cx="10515600" cy="698744"/>
+          </a:xfrm>
+        </p:spPr>
+        <p:txBody>
+          <a:bodyPr>
+            <a:normAutofit fontScale="90000"/>
+          </a:bodyPr>
           <a:lstStyle/>
           <a:p>
             <a:pPr algn="ctr"/>
@@ -5331,17 +5444,17 @@
                   <a:schemeClr val="bg1"/>
                 </a:solidFill>
               </a:rPr>
-              <a:t>Classification Model Performance</a:t>
+              <a:t>#3) Release Type 		#4) Crime Type-Subtypes</a:t>
             </a:r>
           </a:p>
         </p:txBody>
       </p:sp>
       <p:pic>
         <p:nvPicPr>
-          <p:cNvPr id="21" name="Content Placeholder 5" descr="A screenshot of a cell phone&#10;&#10;Description automatically generated">
-            <a:extLst>
-              <a:ext uri="{FF2B5EF4-FFF2-40B4-BE49-F238E27FC236}">
-                <a16:creationId xmlns:a16="http://schemas.microsoft.com/office/drawing/2014/main" id="{37A1243E-E46A-4531-8FD2-5AD40E9600BB}"/>
+          <p:cNvPr id="14" name="Content Placeholder 13" descr="A screenshot of a cell phone&#10;&#10;Description automatically generated">
+            <a:extLst>
+              <a:ext uri="{FF2B5EF4-FFF2-40B4-BE49-F238E27FC236}">
+                <a16:creationId xmlns:a16="http://schemas.microsoft.com/office/drawing/2014/main" id="{341C4115-D390-46E4-8F71-6E1DB79A3BF3}"/>
               </a:ext>
             </a:extLst>
           </p:cNvPr>
@@ -5352,7 +5465,7 @@
             <p:ph sz="half" idx="1"/>
           </p:nvPr>
         </p:nvPicPr>
-        <p:blipFill>
+        <p:blipFill rotWithShape="1">
           <a:blip r:embed="rId2">
             <a:extLst>
               <a:ext uri="{28A0092B-C50C-407E-A947-70E740481C1C}">
@@ -5360,23 +5473,22 @@
               </a:ext>
             </a:extLst>
           </a:blip>
-          <a:stretch>
-            <a:fillRect/>
-          </a:stretch>
+          <a:srcRect r="13924"/>
+          <a:stretch/>
         </p:blipFill>
         <p:spPr>
           <a:xfrm>
-            <a:off x="357763" y="1617733"/>
-            <a:ext cx="5500751" cy="4888585"/>
+            <a:off x="12573" y="1226616"/>
+            <a:ext cx="6105849" cy="5395363"/>
           </a:xfrm>
         </p:spPr>
       </p:pic>
       <p:pic>
         <p:nvPicPr>
-          <p:cNvPr id="8" name="Content Placeholder 7" descr="A close up of a map&#10;&#10;Description automatically generated">
-            <a:extLst>
-              <a:ext uri="{FF2B5EF4-FFF2-40B4-BE49-F238E27FC236}">
-                <a16:creationId xmlns:a16="http://schemas.microsoft.com/office/drawing/2014/main" id="{5B5DE6F4-ECBC-40F7-8CE7-0036284CE8F5}"/>
+          <p:cNvPr id="16" name="Content Placeholder 15" descr="A screenshot of a cell phone&#10;&#10;Description automatically generated">
+            <a:extLst>
+              <a:ext uri="{FF2B5EF4-FFF2-40B4-BE49-F238E27FC236}">
+                <a16:creationId xmlns:a16="http://schemas.microsoft.com/office/drawing/2014/main" id="{2B83CA0E-B057-4A52-A9C1-A2178096F66E}"/>
               </a:ext>
             </a:extLst>
           </p:cNvPr>
@@ -5387,7 +5499,7 @@
             <p:ph sz="half" idx="2"/>
           </p:nvPr>
         </p:nvPicPr>
-        <p:blipFill>
+        <p:blipFill rotWithShape="1">
           <a:blip r:embed="rId3">
             <a:extLst>
               <a:ext uri="{28A0092B-C50C-407E-A947-70E740481C1C}">
@@ -5395,167 +5507,55 @@
               </a:ext>
             </a:extLst>
           </a:blip>
-          <a:stretch>
-            <a:fillRect/>
-          </a:stretch>
+          <a:srcRect r="15073"/>
+          <a:stretch/>
         </p:blipFill>
         <p:spPr>
           <a:xfrm>
-            <a:off x="6333487" y="1847117"/>
-            <a:ext cx="5658488" cy="4105019"/>
+            <a:off x="6336120" y="1238249"/>
+            <a:ext cx="5770156" cy="5640909"/>
           </a:xfrm>
         </p:spPr>
       </p:pic>
-      <p:sp>
-        <p:nvSpPr>
-          <p:cNvPr id="9" name="Rectangle 8">
-            <a:extLst>
-              <a:ext uri="{FF2B5EF4-FFF2-40B4-BE49-F238E27FC236}">
-                <a16:creationId xmlns:a16="http://schemas.microsoft.com/office/drawing/2014/main" id="{86A7E74D-84DF-49D0-A36B-6A9C5AAB1153}"/>
-              </a:ext>
-            </a:extLst>
-          </p:cNvPr>
-          <p:cNvSpPr/>
+      <p:pic>
+        <p:nvPicPr>
+          <p:cNvPr id="17" name="Content Placeholder 19" descr="A screenshot of a cell phone&#10;&#10;Description automatically generated">
+            <a:extLst>
+              <a:ext uri="{FF2B5EF4-FFF2-40B4-BE49-F238E27FC236}">
+                <a16:creationId xmlns:a16="http://schemas.microsoft.com/office/drawing/2014/main" id="{6B1B4479-E5C0-44F6-8EBB-7EE65CD69BE6}"/>
+              </a:ext>
+            </a:extLst>
+          </p:cNvPr>
+          <p:cNvPicPr>
+            <a:picLocks noChangeAspect="1"/>
+          </p:cNvPicPr>
           <p:nvPr/>
-        </p:nvSpPr>
+        </p:nvPicPr>
+        <p:blipFill rotWithShape="1">
+          <a:blip r:embed="rId4">
+            <a:extLst>
+              <a:ext uri="{28A0092B-C50C-407E-A947-70E740481C1C}">
+                <a14:useLocalDpi xmlns:a14="http://schemas.microsoft.com/office/drawing/2010/main" val="0"/>
+              </a:ext>
+            </a:extLst>
+          </a:blip>
+          <a:srcRect l="79106" b="85697"/>
+          <a:stretch/>
+        </p:blipFill>
         <p:spPr>
           <a:xfrm>
-            <a:off x="838199" y="3736782"/>
-            <a:ext cx="4238625" cy="1844867"/>
+            <a:off x="4836711" y="2216960"/>
+            <a:ext cx="1185084" cy="801482"/>
           </a:xfrm>
           <a:prstGeom prst="rect">
             <a:avLst/>
           </a:prstGeom>
-          <a:noFill/>
-          <a:ln w="38100">
-            <a:solidFill>
-              <a:schemeClr val="accent6">
-                <a:lumMod val="75000"/>
-              </a:schemeClr>
-            </a:solidFill>
-          </a:ln>
-        </p:spPr>
-        <p:style>
-          <a:lnRef idx="2">
-            <a:schemeClr val="accent1">
-              <a:shade val="50000"/>
-            </a:schemeClr>
-          </a:lnRef>
-          <a:fillRef idx="1">
-            <a:schemeClr val="accent1"/>
-          </a:fillRef>
-          <a:effectRef idx="0">
-            <a:schemeClr val="accent1"/>
-          </a:effectRef>
-          <a:fontRef idx="minor">
-            <a:schemeClr val="lt1"/>
-          </a:fontRef>
-        </p:style>
-        <p:txBody>
-          <a:bodyPr rtlCol="0" anchor="ctr"/>
-          <a:lstStyle/>
-          <a:p>
-            <a:pPr algn="ctr"/>
-            <a:endParaRPr lang="en-US"/>
-          </a:p>
-        </p:txBody>
-      </p:sp>
-      <p:sp>
-        <p:nvSpPr>
-          <p:cNvPr id="22" name="Rectangle 21">
-            <a:extLst>
-              <a:ext uri="{FF2B5EF4-FFF2-40B4-BE49-F238E27FC236}">
-                <a16:creationId xmlns:a16="http://schemas.microsoft.com/office/drawing/2014/main" id="{894F1DCE-6E11-4383-80CE-A794776FE6E8}"/>
-              </a:ext>
-            </a:extLst>
-          </p:cNvPr>
-          <p:cNvSpPr/>
-          <p:nvPr/>
-        </p:nvSpPr>
-        <p:spPr>
-          <a:xfrm>
-            <a:off x="9983665" y="5107597"/>
-            <a:ext cx="1769656" cy="354797"/>
-          </a:xfrm>
-          <a:prstGeom prst="rect">
-            <a:avLst/>
-          </a:prstGeom>
-          <a:noFill/>
-          <a:ln w="38100">
-            <a:solidFill>
-              <a:schemeClr val="accent6">
-                <a:lumMod val="75000"/>
-              </a:schemeClr>
-            </a:solidFill>
-          </a:ln>
-        </p:spPr>
-        <p:style>
-          <a:lnRef idx="2">
-            <a:schemeClr val="accent1">
-              <a:shade val="50000"/>
-            </a:schemeClr>
-          </a:lnRef>
-          <a:fillRef idx="1">
-            <a:schemeClr val="accent1"/>
-          </a:fillRef>
-          <a:effectRef idx="0">
-            <a:schemeClr val="accent1"/>
-          </a:effectRef>
-          <a:fontRef idx="minor">
-            <a:schemeClr val="lt1"/>
-          </a:fontRef>
-        </p:style>
-        <p:txBody>
-          <a:bodyPr rtlCol="0" anchor="ctr"/>
-          <a:lstStyle/>
-          <a:p>
-            <a:pPr algn="ctr"/>
-            <a:endParaRPr lang="en-US"/>
-          </a:p>
-        </p:txBody>
-      </p:sp>
-      <p:cxnSp>
-        <p:nvCxnSpPr>
-          <p:cNvPr id="20" name="Straight Connector 19">
-            <a:extLst>
-              <a:ext uri="{FF2B5EF4-FFF2-40B4-BE49-F238E27FC236}">
-                <a16:creationId xmlns:a16="http://schemas.microsoft.com/office/drawing/2014/main" id="{5A0F4DFE-F999-41EC-B87C-D8D98A35F7C8}"/>
-              </a:ext>
-            </a:extLst>
-          </p:cNvPr>
-          <p:cNvCxnSpPr>
-            <a:cxnSpLocks/>
-          </p:cNvCxnSpPr>
-          <p:nvPr/>
-        </p:nvCxnSpPr>
-        <p:spPr>
-          <a:xfrm flipH="1">
-            <a:off x="3283745" y="1025280"/>
-            <a:ext cx="5624511" cy="0"/>
-          </a:xfrm>
-          <a:prstGeom prst="line">
-            <a:avLst/>
-          </a:prstGeom>
-        </p:spPr>
-        <p:style>
-          <a:lnRef idx="1">
-            <a:schemeClr val="accent1"/>
-          </a:lnRef>
-          <a:fillRef idx="0">
-            <a:schemeClr val="accent1"/>
-          </a:fillRef>
-          <a:effectRef idx="0">
-            <a:schemeClr val="accent1"/>
-          </a:effectRef>
-          <a:fontRef idx="minor">
-            <a:schemeClr val="tx1"/>
-          </a:fontRef>
-        </p:style>
-      </p:cxnSp>
+        </p:spPr>
+      </p:pic>
     </p:spTree>
     <p:extLst>
       <p:ext uri="{BB962C8B-B14F-4D97-AF65-F5344CB8AC3E}">
-        <p14:creationId xmlns:p14="http://schemas.microsoft.com/office/powerpoint/2010/main" val="879329863"/>
+        <p14:creationId xmlns:p14="http://schemas.microsoft.com/office/powerpoint/2010/main" val="543213359"/>
       </p:ext>
     </p:extLst>
   </p:cSld>

--- a/Predicting Recidivism in Released Prisoner in Iowa_v2.pptx
+++ b/Predicting Recidivism in Released Prisoner in Iowa_v2.pptx
@@ -6,14 +6,16 @@
   </p:sldMasterIdLst>
   <p:sldIdLst>
     <p:sldId id="256" r:id="rId2"/>
-    <p:sldId id="261" r:id="rId3"/>
-    <p:sldId id="257" r:id="rId4"/>
-    <p:sldId id="258" r:id="rId5"/>
-    <p:sldId id="259" r:id="rId6"/>
-    <p:sldId id="263" r:id="rId7"/>
-    <p:sldId id="264" r:id="rId8"/>
-    <p:sldId id="260" r:id="rId9"/>
-    <p:sldId id="262" r:id="rId10"/>
+    <p:sldId id="266" r:id="rId3"/>
+    <p:sldId id="261" r:id="rId4"/>
+    <p:sldId id="257" r:id="rId5"/>
+    <p:sldId id="268" r:id="rId6"/>
+    <p:sldId id="259" r:id="rId7"/>
+    <p:sldId id="258" r:id="rId8"/>
+    <p:sldId id="263" r:id="rId9"/>
+    <p:sldId id="264" r:id="rId10"/>
+    <p:sldId id="260" r:id="rId11"/>
+    <p:sldId id="262" r:id="rId12"/>
   </p:sldIdLst>
   <p:sldSz cx="12192000" cy="6858000"/>
   <p:notesSz cx="6858000" cy="9144000"/>
@@ -120,6 +122,18 @@
 </p:presentation>
 </file>
 
+<file path=ppt/commentAuthors.xml><?xml version="1.0" encoding="utf-8"?>
+<p:cmAuthorLst xmlns:a="http://schemas.openxmlformats.org/drawingml/2006/main" xmlns:r="http://schemas.openxmlformats.org/officeDocument/2006/relationships" xmlns:p="http://schemas.openxmlformats.org/presentationml/2006/main">
+  <p:cmAuthor id="1" name="James Irving" initials="JI" lastIdx="1" clrIdx="0">
+    <p:extLst>
+      <p:ext uri="{19B8F6BF-5375-455C-9EA6-DF929625EA0E}">
+        <p15:presenceInfo xmlns:p15="http://schemas.microsoft.com/office/powerpoint/2012/main" userId="da1539a57ca961cd" providerId="Windows Live"/>
+      </p:ext>
+    </p:extLst>
+  </p:cmAuthor>
+</p:cmAuthorLst>
+</file>
+
 <file path=ppt/slideLayouts/slideLayout1.xml><?xml version="1.0" encoding="utf-8"?>
 <p:sldLayout xmlns:a="http://schemas.openxmlformats.org/drawingml/2006/main" xmlns:r="http://schemas.openxmlformats.org/officeDocument/2006/relationships" xmlns:p="http://schemas.openxmlformats.org/presentationml/2006/main" type="title" preserve="1">
   <p:cSld name="Title Slide">
@@ -267,7 +281,7 @@
           <a:p>
             <a:fld id="{9F368D5F-B914-41C5-B897-CC7F5F914261}" type="datetimeFigureOut">
               <a:rPr lang="en-US" smtClean="0"/>
-              <a:t>5/20/2019</a:t>
+              <a:t>5/23/2019</a:t>
             </a:fld>
             <a:endParaRPr lang="en-US"/>
           </a:p>
@@ -465,7 +479,7 @@
           <a:p>
             <a:fld id="{9F368D5F-B914-41C5-B897-CC7F5F914261}" type="datetimeFigureOut">
               <a:rPr lang="en-US" smtClean="0"/>
-              <a:t>5/20/2019</a:t>
+              <a:t>5/23/2019</a:t>
             </a:fld>
             <a:endParaRPr lang="en-US"/>
           </a:p>
@@ -673,7 +687,7 @@
           <a:p>
             <a:fld id="{9F368D5F-B914-41C5-B897-CC7F5F914261}" type="datetimeFigureOut">
               <a:rPr lang="en-US" smtClean="0"/>
-              <a:t>5/20/2019</a:t>
+              <a:t>5/23/2019</a:t>
             </a:fld>
             <a:endParaRPr lang="en-US"/>
           </a:p>
@@ -871,7 +885,7 @@
           <a:p>
             <a:fld id="{9F368D5F-B914-41C5-B897-CC7F5F914261}" type="datetimeFigureOut">
               <a:rPr lang="en-US" smtClean="0"/>
-              <a:t>5/20/2019</a:t>
+              <a:t>5/23/2019</a:t>
             </a:fld>
             <a:endParaRPr lang="en-US"/>
           </a:p>
@@ -1146,7 +1160,7 @@
           <a:p>
             <a:fld id="{9F368D5F-B914-41C5-B897-CC7F5F914261}" type="datetimeFigureOut">
               <a:rPr lang="en-US" smtClean="0"/>
-              <a:t>5/20/2019</a:t>
+              <a:t>5/23/2019</a:t>
             </a:fld>
             <a:endParaRPr lang="en-US"/>
           </a:p>
@@ -1411,7 +1425,7 @@
           <a:p>
             <a:fld id="{9F368D5F-B914-41C5-B897-CC7F5F914261}" type="datetimeFigureOut">
               <a:rPr lang="en-US" smtClean="0"/>
-              <a:t>5/20/2019</a:t>
+              <a:t>5/23/2019</a:t>
             </a:fld>
             <a:endParaRPr lang="en-US"/>
           </a:p>
@@ -1823,7 +1837,7 @@
           <a:p>
             <a:fld id="{9F368D5F-B914-41C5-B897-CC7F5F914261}" type="datetimeFigureOut">
               <a:rPr lang="en-US" smtClean="0"/>
-              <a:t>5/20/2019</a:t>
+              <a:t>5/23/2019</a:t>
             </a:fld>
             <a:endParaRPr lang="en-US"/>
           </a:p>
@@ -1964,7 +1978,7 @@
           <a:p>
             <a:fld id="{9F368D5F-B914-41C5-B897-CC7F5F914261}" type="datetimeFigureOut">
               <a:rPr lang="en-US" smtClean="0"/>
-              <a:t>5/20/2019</a:t>
+              <a:t>5/23/2019</a:t>
             </a:fld>
             <a:endParaRPr lang="en-US"/>
           </a:p>
@@ -2077,7 +2091,7 @@
           <a:p>
             <a:fld id="{9F368D5F-B914-41C5-B897-CC7F5F914261}" type="datetimeFigureOut">
               <a:rPr lang="en-US" smtClean="0"/>
-              <a:t>5/20/2019</a:t>
+              <a:t>5/23/2019</a:t>
             </a:fld>
             <a:endParaRPr lang="en-US"/>
           </a:p>
@@ -2388,7 +2402,7 @@
           <a:p>
             <a:fld id="{9F368D5F-B914-41C5-B897-CC7F5F914261}" type="datetimeFigureOut">
               <a:rPr lang="en-US" smtClean="0"/>
-              <a:t>5/20/2019</a:t>
+              <a:t>5/23/2019</a:t>
             </a:fld>
             <a:endParaRPr lang="en-US"/>
           </a:p>
@@ -2676,7 +2690,7 @@
           <a:p>
             <a:fld id="{9F368D5F-B914-41C5-B897-CC7F5F914261}" type="datetimeFigureOut">
               <a:rPr lang="en-US" smtClean="0"/>
-              <a:t>5/20/2019</a:t>
+              <a:t>5/23/2019</a:t>
             </a:fld>
             <a:endParaRPr lang="en-US"/>
           </a:p>
@@ -2917,7 +2931,7 @@
           <a:p>
             <a:fld id="{9F368D5F-B914-41C5-B897-CC7F5F914261}" type="datetimeFigureOut">
               <a:rPr lang="en-US" smtClean="0"/>
-              <a:t>5/20/2019</a:t>
+              <a:t>5/23/2019</a:t>
             </a:fld>
             <a:endParaRPr lang="en-US"/>
           </a:p>
@@ -3363,8 +3377,8 @@
         </p:nvSpPr>
         <p:spPr>
           <a:xfrm>
-            <a:off x="254976" y="965198"/>
-            <a:ext cx="7864893" cy="4927601"/>
+            <a:off x="254977" y="965198"/>
+            <a:ext cx="7690144" cy="4927601"/>
           </a:xfrm>
         </p:spPr>
         <p:txBody>
@@ -3376,14 +3390,14 @@
             <a:pPr algn="r"/>
             <a:r>
               <a:rPr lang="en-US" dirty="0"/>
-              <a:t>Predicting Recidivism in Released Prisoners in </a:t>
+              <a:t>Using Machine Learning to Predict Which of</a:t>
             </a:r>
             <a:br>
               <a:rPr lang="en-US" dirty="0"/>
             </a:br>
             <a:r>
               <a:rPr lang="en-US" dirty="0"/>
-              <a:t>the State of  Iowa</a:t>
+              <a:t>Iowa’s Prisoners Will Return to Crime?</a:t>
             </a:r>
           </a:p>
         </p:txBody>
@@ -3483,7 +3497,7 @@
           <a:p>
             <a:pPr algn="l"/>
             <a:r>
-              <a:rPr lang="en-US" dirty="0">
+              <a:rPr lang="en-US" sz="2800" dirty="0">
                 <a:solidFill>
                   <a:srgbClr val="FFFFFF"/>
                 </a:solidFill>
@@ -3506,13 +3520,13 @@
 </p:sld>
 </file>
 
-<file path=ppt/slides/slide2.xml><?xml version="1.0" encoding="utf-8"?>
+<file path=ppt/slides/slide10.xml><?xml version="1.0" encoding="utf-8"?>
 <p:sld xmlns:a="http://schemas.openxmlformats.org/drawingml/2006/main" xmlns:r="http://schemas.openxmlformats.org/officeDocument/2006/relationships" xmlns:p="http://schemas.openxmlformats.org/presentationml/2006/main">
   <p:cSld>
     <p:bg>
       <p:bgPr>
         <a:solidFill>
-          <a:schemeClr val="tx1"/>
+          <a:schemeClr val="bg1"/>
         </a:solidFill>
         <a:effectLst/>
       </p:bgPr>
@@ -3533,10 +3547,116 @@
       </p:grpSpPr>
       <p:sp>
         <p:nvSpPr>
-          <p:cNvPr id="11" name="Rectangle 10">
-            <a:extLst>
-              <a:ext uri="{FF2B5EF4-FFF2-40B4-BE49-F238E27FC236}">
-                <a16:creationId xmlns:a16="http://schemas.microsoft.com/office/drawing/2014/main" id="{2A8AA5BC-4F7A-4226-8F99-6D824B226A97}"/>
+          <p:cNvPr id="2" name="Title 1">
+            <a:extLst>
+              <a:ext uri="{FF2B5EF4-FFF2-40B4-BE49-F238E27FC236}">
+                <a16:creationId xmlns:a16="http://schemas.microsoft.com/office/drawing/2014/main" id="{10352341-E53D-4501-ACD1-CE6F881A0CD4}"/>
+              </a:ext>
+            </a:extLst>
+          </p:cNvPr>
+          <p:cNvSpPr>
+            <a:spLocks noGrp="1"/>
+          </p:cNvSpPr>
+          <p:nvPr>
+            <p:ph type="title"/>
+          </p:nvPr>
+        </p:nvSpPr>
+        <p:spPr>
+          <a:xfrm>
+            <a:off x="1571811" y="1573586"/>
+            <a:ext cx="9122584" cy="1325563"/>
+          </a:xfrm>
+        </p:spPr>
+        <p:txBody>
+          <a:bodyPr>
+            <a:normAutofit/>
+          </a:bodyPr>
+          <a:lstStyle/>
+          <a:p>
+            <a:r>
+              <a:rPr lang="en-US" dirty="0"/>
+              <a:t>Conclusions &amp; Recommendations</a:t>
+            </a:r>
+          </a:p>
+        </p:txBody>
+      </p:sp>
+      <p:sp>
+        <p:nvSpPr>
+          <p:cNvPr id="3" name="Content Placeholder 2">
+            <a:extLst>
+              <a:ext uri="{FF2B5EF4-FFF2-40B4-BE49-F238E27FC236}">
+                <a16:creationId xmlns:a16="http://schemas.microsoft.com/office/drawing/2014/main" id="{DE892EAF-AB86-4240-9A13-49A026CDBB55}"/>
+              </a:ext>
+            </a:extLst>
+          </p:cNvPr>
+          <p:cNvSpPr>
+            <a:spLocks noGrp="1"/>
+          </p:cNvSpPr>
+          <p:nvPr>
+            <p:ph idx="1"/>
+          </p:nvPr>
+        </p:nvSpPr>
+        <p:spPr>
+          <a:xfrm>
+            <a:off x="1571811" y="3060017"/>
+            <a:ext cx="6066118" cy="2438546"/>
+          </a:xfrm>
+        </p:spPr>
+        <p:txBody>
+          <a:bodyPr>
+            <a:normAutofit lnSpcReduction="10000"/>
+          </a:bodyPr>
+          <a:lstStyle/>
+          <a:p>
+            <a:r>
+              <a:rPr lang="en-IN" sz="2000" dirty="0"/>
+              <a:t>Using our model,</a:t>
+            </a:r>
+            <a:br>
+              <a:rPr lang="en-IN" sz="2000" dirty="0"/>
+            </a:br>
+            <a:r>
+              <a:rPr lang="en-IN" sz="2000" b="1" dirty="0"/>
+              <a:t>Iowa Department of corrections can predict which prisoners may become recidivist.</a:t>
+            </a:r>
+          </a:p>
+          <a:p>
+            <a:r>
+              <a:rPr lang="en-IN" sz="2000" dirty="0"/>
+              <a:t>Using this information, Iowa can </a:t>
+            </a:r>
+            <a:r>
+              <a:rPr lang="en-IN" sz="2000" b="1" dirty="0"/>
+              <a:t>implement pre-release educational programs</a:t>
+            </a:r>
+            <a:r>
+              <a:rPr lang="en-IN" sz="2000" dirty="0"/>
+              <a:t> to target at-risk prisoners.</a:t>
+            </a:r>
+          </a:p>
+          <a:p>
+            <a:r>
+              <a:rPr lang="en-IN" sz="2000" dirty="0"/>
+              <a:t>Following release, Iowa could also </a:t>
+            </a:r>
+            <a:r>
+              <a:rPr lang="en-IN" sz="2000" b="1" dirty="0"/>
+              <a:t>provide  post-release support and intervention </a:t>
+            </a:r>
+            <a:r>
+              <a:rPr lang="en-IN" sz="2000" dirty="0"/>
+              <a:t>to at-risk prisoners. </a:t>
+            </a:r>
+            <a:endParaRPr lang="en-US" sz="2000" dirty="0"/>
+          </a:p>
+        </p:txBody>
+      </p:sp>
+      <p:sp>
+        <p:nvSpPr>
+          <p:cNvPr id="17" name="Freeform 6">
+            <a:extLst>
+              <a:ext uri="{FF2B5EF4-FFF2-40B4-BE49-F238E27FC236}">
+                <a16:creationId xmlns:a16="http://schemas.microsoft.com/office/drawing/2014/main" id="{A9616D99-AEFB-4C95-84EF-5DEC698D92A7}"/>
               </a:ext>
               <a:ext uri="{C183D7F6-B498-43B3-948B-1728B52AA6E4}">
                 <adec:decorative xmlns:adec="http://schemas.microsoft.com/office/drawing/2017/decorative" val="1"/>
@@ -3554,52 +3674,64 @@
             </p:extLst>
           </p:nvPr>
         </p:nvSpPr>
-        <p:spPr>
-          <a:xfrm>
-            <a:off x="0" y="-3324"/>
-            <a:ext cx="12192000" cy="6861324"/>
+        <p:spPr bwMode="auto">
+          <a:xfrm flipH="1" flipV="1">
+            <a:off x="752858" y="744469"/>
+            <a:ext cx="3275668" cy="4408488"/>
           </a:xfrm>
-          <a:prstGeom prst="rect">
+          <a:custGeom>
             <a:avLst/>
-          </a:prstGeom>
+            <a:gdLst/>
+            <a:ahLst/>
+            <a:cxnLst/>
+            <a:rect l="l" t="t" r="r" b="b"/>
+            <a:pathLst>
+              <a:path w="10002" h="10000">
+                <a:moveTo>
+                  <a:pt x="8763" y="0"/>
+                </a:moveTo>
+                <a:lnTo>
+                  <a:pt x="10002" y="0"/>
+                </a:lnTo>
+                <a:lnTo>
+                  <a:pt x="10002" y="10000"/>
+                </a:lnTo>
+                <a:lnTo>
+                  <a:pt x="2" y="10000"/>
+                </a:lnTo>
+                <a:cubicBezTo>
+                  <a:pt x="-2" y="9698"/>
+                  <a:pt x="4" y="9427"/>
+                  <a:pt x="0" y="9125"/>
+                </a:cubicBezTo>
+                <a:lnTo>
+                  <a:pt x="8763" y="9128"/>
+                </a:lnTo>
+                <a:lnTo>
+                  <a:pt x="8763" y="0"/>
+                </a:lnTo>
+                <a:close/>
+              </a:path>
+            </a:pathLst>
+          </a:custGeom>
           <a:solidFill>
-            <a:schemeClr val="tx1"/>
+            <a:srgbClr val="4C4C4C"/>
           </a:solidFill>
-          <a:ln>
+          <a:ln w="0">
             <a:noFill/>
+            <a:prstDash val="solid"/>
+            <a:round/>
+            <a:headEnd/>
+            <a:tailEnd/>
           </a:ln>
         </p:spPr>
-        <p:style>
-          <a:lnRef idx="2">
-            <a:schemeClr val="accent1">
-              <a:shade val="50000"/>
-            </a:schemeClr>
-          </a:lnRef>
-          <a:fillRef idx="1">
-            <a:schemeClr val="accent1"/>
-          </a:fillRef>
-          <a:effectRef idx="0">
-            <a:schemeClr val="accent1"/>
-          </a:effectRef>
-          <a:fontRef idx="minor">
-            <a:schemeClr val="lt1"/>
-          </a:fontRef>
-        </p:style>
-        <p:txBody>
-          <a:bodyPr rtlCol="0" anchor="ctr"/>
-          <a:lstStyle/>
-          <a:p>
-            <a:pPr algn="ctr"/>
-            <a:endParaRPr lang="en-US"/>
-          </a:p>
-        </p:txBody>
-      </p:sp>
-      <p:sp>
-        <p:nvSpPr>
-          <p:cNvPr id="13" name="Rectangle 12">
-            <a:extLst>
-              <a:ext uri="{FF2B5EF4-FFF2-40B4-BE49-F238E27FC236}">
-                <a16:creationId xmlns:a16="http://schemas.microsoft.com/office/drawing/2014/main" id="{3E5445C6-DD42-4979-86FF-03730E8C6DB0}"/>
+      </p:sp>
+      <p:sp>
+        <p:nvSpPr>
+          <p:cNvPr id="19" name="Freeform 6">
+            <a:extLst>
+              <a:ext uri="{FF2B5EF4-FFF2-40B4-BE49-F238E27FC236}">
+                <a16:creationId xmlns:a16="http://schemas.microsoft.com/office/drawing/2014/main" id="{D0F97023-F626-4FC5-8C2D-753B5C7F4606}"/>
               </a:ext>
               <a:ext uri="{C183D7F6-B498-43B3-948B-1728B52AA6E4}">
                 <adec:decorative xmlns:adec="http://schemas.microsoft.com/office/drawing/2017/decorative" val="1"/>
@@ -3617,209 +3749,109 @@
             </p:extLst>
           </p:nvPr>
         </p:nvSpPr>
-        <p:spPr bwMode="ltGray">
+        <p:spPr bwMode="auto">
           <a:xfrm>
-            <a:off x="321734" y="321733"/>
-            <a:ext cx="11573488" cy="6214534"/>
+            <a:off x="8151962" y="1685652"/>
+            <a:ext cx="3275013" cy="4408488"/>
+          </a:xfrm>
+          <a:custGeom>
+            <a:avLst/>
+            <a:gdLst/>
+            <a:ahLst/>
+            <a:cxnLst/>
+            <a:rect l="l" t="t" r="r" b="b"/>
+            <a:pathLst>
+              <a:path w="10000" h="10000">
+                <a:moveTo>
+                  <a:pt x="8761" y="0"/>
+                </a:moveTo>
+                <a:lnTo>
+                  <a:pt x="10000" y="0"/>
+                </a:lnTo>
+                <a:lnTo>
+                  <a:pt x="10000" y="10000"/>
+                </a:lnTo>
+                <a:lnTo>
+                  <a:pt x="0" y="10000"/>
+                </a:lnTo>
+                <a:lnTo>
+                  <a:pt x="0" y="9126"/>
+                </a:lnTo>
+                <a:lnTo>
+                  <a:pt x="8761" y="9127"/>
+                </a:lnTo>
+                <a:lnTo>
+                  <a:pt x="8761" y="0"/>
+                </a:lnTo>
+                <a:close/>
+              </a:path>
+            </a:pathLst>
+          </a:custGeom>
+          <a:solidFill>
+            <a:srgbClr val="4C4C4C"/>
+          </a:solidFill>
+          <a:ln w="0">
+            <a:noFill/>
+            <a:prstDash val="solid"/>
+            <a:round/>
+            <a:headEnd/>
+            <a:tailEnd/>
+          </a:ln>
+        </p:spPr>
+      </p:sp>
+      <p:pic>
+        <p:nvPicPr>
+          <p:cNvPr id="7" name="Graphic 6" descr="Checkmark">
+            <a:extLst>
+              <a:ext uri="{FF2B5EF4-FFF2-40B4-BE49-F238E27FC236}">
+                <a16:creationId xmlns:a16="http://schemas.microsoft.com/office/drawing/2014/main" id="{9D33B5D0-5BA6-4C7F-BE71-744A5DFBAF69}"/>
+              </a:ext>
+            </a:extLst>
+          </p:cNvPr>
+          <p:cNvPicPr>
+            <a:picLocks noChangeAspect="1"/>
+          </p:cNvPicPr>
+          <p:nvPr/>
+        </p:nvPicPr>
+        <p:blipFill>
+          <a:blip r:embed="rId2">
+            <a:extLst>
+              <a:ext uri="{28A0092B-C50C-407E-A947-70E740481C1C}">
+                <a14:useLocalDpi xmlns:a14="http://schemas.microsoft.com/office/drawing/2010/main" val="0"/>
+              </a:ext>
+              <a:ext uri="{96DAC541-7B7A-43D3-8B79-37D633B846F1}">
+                <asvg:svgBlip xmlns:asvg="http://schemas.microsoft.com/office/drawing/2016/SVG/main" r:embed="rId3"/>
+              </a:ext>
+            </a:extLst>
+          </a:blip>
+          <a:stretch>
+            <a:fillRect/>
+          </a:stretch>
+        </p:blipFill>
+        <p:spPr>
+          <a:xfrm>
+            <a:off x="8325899" y="3191551"/>
+            <a:ext cx="2194559" cy="2194559"/>
           </a:xfrm>
           <a:prstGeom prst="rect">
             <a:avLst/>
           </a:prstGeom>
-          <a:solidFill>
-            <a:schemeClr val="bg1">
-              <a:lumMod val="75000"/>
-              <a:lumOff val="25000"/>
-            </a:schemeClr>
-          </a:solidFill>
-          <a:ln w="127000" cap="sq" cmpd="thinThick">
-            <a:solidFill>
-              <a:schemeClr val="bg1">
-                <a:lumMod val="75000"/>
-                <a:lumOff val="25000"/>
-              </a:schemeClr>
-            </a:solidFill>
-          </a:ln>
         </p:spPr>
-        <p:style>
-          <a:lnRef idx="2">
-            <a:schemeClr val="accent1">
-              <a:shade val="50000"/>
-            </a:schemeClr>
-          </a:lnRef>
-          <a:fillRef idx="1">
-            <a:schemeClr val="accent1"/>
-          </a:fillRef>
-          <a:effectRef idx="0">
-            <a:schemeClr val="accent1"/>
-          </a:effectRef>
-          <a:fontRef idx="minor">
-            <a:schemeClr val="lt1"/>
-          </a:fontRef>
-        </p:style>
-        <p:txBody>
-          <a:bodyPr rtlCol="0" anchor="ctr"/>
-          <a:lstStyle/>
-          <a:p>
-            <a:pPr algn="ctr"/>
-            <a:endParaRPr lang="en-US"/>
-          </a:p>
-        </p:txBody>
-      </p:sp>
-      <p:sp>
-        <p:nvSpPr>
-          <p:cNvPr id="5" name="Title 4">
-            <a:extLst>
-              <a:ext uri="{FF2B5EF4-FFF2-40B4-BE49-F238E27FC236}">
-                <a16:creationId xmlns:a16="http://schemas.microsoft.com/office/drawing/2014/main" id="{7D0A3495-2352-40A8-BC46-9DFF34FA195E}"/>
-              </a:ext>
-            </a:extLst>
-          </p:cNvPr>
-          <p:cNvSpPr>
-            <a:spLocks noGrp="1"/>
-          </p:cNvSpPr>
-          <p:nvPr>
-            <p:ph type="title"/>
-          </p:nvPr>
-        </p:nvSpPr>
-        <p:spPr>
-          <a:xfrm>
-            <a:off x="1524000" y="807500"/>
-            <a:ext cx="9144000" cy="2991123"/>
-          </a:xfrm>
-        </p:spPr>
-        <p:txBody>
-          <a:bodyPr vert="horz" lIns="91440" tIns="45720" rIns="91440" bIns="45720" rtlCol="0" anchor="b">
-            <a:normAutofit fontScale="90000"/>
-          </a:bodyPr>
-          <a:lstStyle/>
-          <a:p>
-            <a:pPr algn="ctr"/>
-            <a:r>
-              <a:rPr lang="en-US" sz="5800" dirty="0"/>
-              <a:t>Can Iowa State use data on released prisoners to predict which prisoners will return to a life of crime?</a:t>
-            </a:r>
-          </a:p>
-        </p:txBody>
-      </p:sp>
-      <p:sp>
-        <p:nvSpPr>
-          <p:cNvPr id="6" name="Text Placeholder 5">
-            <a:extLst>
-              <a:ext uri="{FF2B5EF4-FFF2-40B4-BE49-F238E27FC236}">
-                <a16:creationId xmlns:a16="http://schemas.microsoft.com/office/drawing/2014/main" id="{E4BA91B1-1050-4982-93E7-2BC0AFBB9C06}"/>
-              </a:ext>
-            </a:extLst>
-          </p:cNvPr>
-          <p:cNvSpPr>
-            <a:spLocks noGrp="1"/>
-          </p:cNvSpPr>
-          <p:nvPr>
-            <p:ph type="body" idx="1"/>
-          </p:nvPr>
-        </p:nvSpPr>
-        <p:spPr>
-          <a:xfrm>
-            <a:off x="409575" y="4550387"/>
-            <a:ext cx="11372850" cy="1544910"/>
-          </a:xfrm>
-        </p:spPr>
-        <p:txBody>
-          <a:bodyPr vert="horz" lIns="91440" tIns="45720" rIns="91440" bIns="45720" rtlCol="0">
-            <a:normAutofit/>
-          </a:bodyPr>
-          <a:lstStyle/>
-          <a:p>
-            <a:pPr algn="ctr"/>
-            <a:r>
-              <a:rPr lang="en-IN" sz="4400" b="1" kern="1200" dirty="0">
-                <a:solidFill>
-                  <a:schemeClr val="accent1"/>
-                </a:solidFill>
-                <a:latin typeface="+mn-lt"/>
-                <a:ea typeface="+mn-ea"/>
-                <a:cs typeface="+mn-cs"/>
-              </a:rPr>
-              <a:t>FUNDAMENTAL QUESTION</a:t>
-            </a:r>
-            <a:endParaRPr lang="en-US" sz="4400" b="1" kern="1200" dirty="0">
-              <a:solidFill>
-                <a:schemeClr val="accent1"/>
-              </a:solidFill>
-              <a:latin typeface="+mn-lt"/>
-              <a:ea typeface="+mn-ea"/>
-              <a:cs typeface="+mn-cs"/>
-            </a:endParaRPr>
-          </a:p>
-        </p:txBody>
-      </p:sp>
-      <p:cxnSp>
-        <p:nvCxnSpPr>
-          <p:cNvPr id="15" name="Straight Connector 14">
-            <a:extLst>
-              <a:ext uri="{FF2B5EF4-FFF2-40B4-BE49-F238E27FC236}">
-                <a16:creationId xmlns:a16="http://schemas.microsoft.com/office/drawing/2014/main" id="{45000665-DFC7-417E-8FD7-516A0F15C975}"/>
-              </a:ext>
-              <a:ext uri="{C183D7F6-B498-43B3-948B-1728B52AA6E4}">
-                <adec:decorative xmlns:adec="http://schemas.microsoft.com/office/drawing/2017/decorative" val="1"/>
-              </a:ext>
-            </a:extLst>
-          </p:cNvPr>
-          <p:cNvCxnSpPr>
-            <a:cxnSpLocks noGrp="1" noRot="1" noChangeAspect="1" noMove="1" noResize="1" noEditPoints="1" noAdjustHandles="1" noChangeArrowheads="1" noChangeShapeType="1"/>
-          </p:cNvCxnSpPr>
-          <p:nvPr>
-            <p:extLst>
-              <p:ext uri="{386F3935-93C4-4BCD-93E2-E3B085C9AB24}">
-                <p16:designElem xmlns:p16="http://schemas.microsoft.com/office/powerpoint/2015/main" val="1"/>
-              </p:ext>
-            </p:extLst>
-          </p:nvPr>
-        </p:nvCxnSpPr>
-        <p:spPr>
-          <a:xfrm>
-            <a:off x="4724400" y="4109417"/>
-            <a:ext cx="2743200" cy="0"/>
-          </a:xfrm>
-          <a:prstGeom prst="line">
-            <a:avLst/>
-          </a:prstGeom>
-          <a:ln w="12700">
-            <a:solidFill>
-              <a:schemeClr val="tx1">
-                <a:lumMod val="85000"/>
-              </a:schemeClr>
-            </a:solidFill>
-          </a:ln>
-        </p:spPr>
-        <p:style>
-          <a:lnRef idx="1">
-            <a:schemeClr val="accent1"/>
-          </a:lnRef>
-          <a:fillRef idx="0">
-            <a:schemeClr val="accent1"/>
-          </a:fillRef>
-          <a:effectRef idx="0">
-            <a:schemeClr val="accent1"/>
-          </a:effectRef>
-          <a:fontRef idx="minor">
-            <a:schemeClr val="tx1"/>
-          </a:fontRef>
-        </p:style>
-      </p:cxnSp>
+      </p:pic>
     </p:spTree>
     <p:extLst>
       <p:ext uri="{BB962C8B-B14F-4D97-AF65-F5344CB8AC3E}">
-        <p14:creationId xmlns:p14="http://schemas.microsoft.com/office/powerpoint/2010/main" val="3658807690"/>
+        <p14:creationId xmlns:p14="http://schemas.microsoft.com/office/powerpoint/2010/main" val="3633795809"/>
       </p:ext>
     </p:extLst>
   </p:cSld>
   <p:clrMapOvr>
-    <a:overrideClrMapping bg1="dk1" tx1="lt1" bg2="dk2" tx2="lt2" accent1="accent1" accent2="accent2" accent3="accent3" accent4="accent4" accent5="accent5" accent6="accent6" hlink="hlink" folHlink="folHlink"/>
+    <a:masterClrMapping/>
   </p:clrMapOvr>
 </p:sld>
 </file>
 
-<file path=ppt/slides/slide3.xml><?xml version="1.0" encoding="utf-8"?>
+<file path=ppt/slides/slide11.xml><?xml version="1.0" encoding="utf-8"?>
 <p:sld xmlns:a="http://schemas.openxmlformats.org/drawingml/2006/main" xmlns:r="http://schemas.openxmlformats.org/officeDocument/2006/relationships" xmlns:p="http://schemas.openxmlformats.org/presentationml/2006/main">
   <p:cSld>
     <p:bg>
@@ -3849,10 +3881,10 @@
       </p:grpSpPr>
       <p:sp>
         <p:nvSpPr>
-          <p:cNvPr id="6" name="Title 5">
-            <a:extLst>
-              <a:ext uri="{FF2B5EF4-FFF2-40B4-BE49-F238E27FC236}">
-                <a16:creationId xmlns:a16="http://schemas.microsoft.com/office/drawing/2014/main" id="{E40B5BFA-F5E8-4CC1-B268-0DAD20115406}"/>
+          <p:cNvPr id="2" name="Title 1">
+            <a:extLst>
+              <a:ext uri="{FF2B5EF4-FFF2-40B4-BE49-F238E27FC236}">
+                <a16:creationId xmlns:a16="http://schemas.microsoft.com/office/drawing/2014/main" id="{4A26AD3D-A272-4B13-BE34-EEF81C082C49}"/>
               </a:ext>
             </a:extLst>
           </p:cNvPr>
@@ -3865,57 +3897,30 @@
         </p:nvSpPr>
         <p:spPr>
           <a:xfrm>
-            <a:off x="131885" y="356948"/>
-            <a:ext cx="6618256" cy="1325563"/>
+            <a:off x="762001" y="803325"/>
+            <a:ext cx="5314536" cy="1325563"/>
           </a:xfrm>
         </p:spPr>
         <p:txBody>
-          <a:bodyPr vert="horz" lIns="91440" tIns="45720" rIns="91440" bIns="45720" rtlCol="0" anchor="ctr">
+          <a:bodyPr>
             <a:normAutofit/>
           </a:bodyPr>
           <a:lstStyle/>
           <a:p>
             <a:r>
-              <a:rPr lang="en-US" u="sng" kern="1200" dirty="0">
-                <a:solidFill>
-                  <a:schemeClr val="tx1"/>
-                </a:solidFill>
-                <a:latin typeface="+mj-lt"/>
-                <a:ea typeface="+mj-ea"/>
-                <a:cs typeface="+mj-cs"/>
-              </a:rPr>
-              <a:t>Data Source: </a:t>
-            </a:r>
-            <a:br>
-              <a:rPr lang="en-US" kern="1200" dirty="0">
-                <a:solidFill>
-                  <a:schemeClr val="tx1"/>
-                </a:solidFill>
-                <a:latin typeface="+mj-lt"/>
-                <a:ea typeface="+mj-ea"/>
-                <a:cs typeface="+mj-cs"/>
-              </a:rPr>
-            </a:br>
-            <a:r>
-              <a:rPr lang="en-US" kern="1200" dirty="0">
-                <a:solidFill>
-                  <a:schemeClr val="tx1"/>
-                </a:solidFill>
-                <a:latin typeface="+mj-lt"/>
-                <a:ea typeface="+mj-ea"/>
-                <a:cs typeface="+mj-cs"/>
-              </a:rPr>
-              <a:t>Iowa Dept. of Corrections</a:t>
-            </a:r>
-          </a:p>
-        </p:txBody>
-      </p:sp>
-      <p:sp>
-        <p:nvSpPr>
-          <p:cNvPr id="7" name="Content Placeholder 6">
-            <a:extLst>
-              <a:ext uri="{FF2B5EF4-FFF2-40B4-BE49-F238E27FC236}">
-                <a16:creationId xmlns:a16="http://schemas.microsoft.com/office/drawing/2014/main" id="{F936B939-A8FA-44CC-9A2F-64AA70DEE3FB}"/>
+              <a:rPr lang="en-IN" dirty="0"/>
+              <a:t>THANK YOU</a:t>
+            </a:r>
+            <a:endParaRPr lang="en-US" dirty="0"/>
+          </a:p>
+        </p:txBody>
+      </p:sp>
+      <p:sp>
+        <p:nvSpPr>
+          <p:cNvPr id="3" name="Content Placeholder 2">
+            <a:extLst>
+              <a:ext uri="{FF2B5EF4-FFF2-40B4-BE49-F238E27FC236}">
+                <a16:creationId xmlns:a16="http://schemas.microsoft.com/office/drawing/2014/main" id="{E7E228F6-B9EC-4ACD-B289-E7B7F2E4E32C}"/>
               </a:ext>
             </a:extLst>
           </p:cNvPr>
@@ -3923,98 +3928,85 @@
             <a:spLocks noGrp="1"/>
           </p:cNvSpPr>
           <p:nvPr>
-            <p:ph sz="half" idx="2"/>
+            <p:ph idx="1"/>
           </p:nvPr>
         </p:nvSpPr>
         <p:spPr>
           <a:xfrm>
-            <a:off x="467324" y="2039461"/>
-            <a:ext cx="7023722" cy="4461591"/>
+            <a:off x="104775" y="2279017"/>
+            <a:ext cx="6478005" cy="4474207"/>
           </a:xfrm>
         </p:spPr>
         <p:txBody>
-          <a:bodyPr vert="horz" lIns="91440" tIns="45720" rIns="91440" bIns="45720" rtlCol="0" anchor="t">
-            <a:normAutofit fontScale="92500" lnSpcReduction="20000"/>
+          <a:bodyPr anchor="t">
+            <a:normAutofit/>
           </a:bodyPr>
           <a:lstStyle/>
           <a:p>
-            <a:pPr marL="0" indent="0">
-              <a:buNone/>
-            </a:pPr>
-            <a:br>
-              <a:rPr lang="en-US" sz="1100" u="sng" dirty="0"/>
-            </a:br>
-            <a:r>
-              <a:rPr lang="en-US" sz="4100" u="sng" dirty="0"/>
-              <a:t>Features Analyzed:</a:t>
-            </a:r>
-            <a:endParaRPr lang="en-US" sz="1800" u="sng" dirty="0"/>
-          </a:p>
-          <a:p>
-            <a:r>
-              <a:rPr lang="en-US" sz="2600" dirty="0"/>
-              <a:t>Fiscal Year Released </a:t>
-            </a:r>
-          </a:p>
-          <a:p>
-            <a:r>
-              <a:rPr lang="en-US" sz="2600" dirty="0"/>
-              <a:t>Recidivism Reporting Year </a:t>
-            </a:r>
-          </a:p>
-          <a:p>
-            <a:r>
-              <a:rPr lang="en-US" sz="2600" dirty="0"/>
-              <a:t>Race - Ethnicity </a:t>
-            </a:r>
-          </a:p>
-          <a:p>
-            <a:r>
-              <a:rPr lang="en-US" sz="2600" dirty="0"/>
-              <a:t>Convicting Offense Classification </a:t>
-            </a:r>
-          </a:p>
-          <a:p>
-            <a:r>
-              <a:rPr lang="en-US" sz="2600" dirty="0"/>
-              <a:t>Convicting Offense Type </a:t>
-            </a:r>
-          </a:p>
-          <a:p>
-            <a:r>
-              <a:rPr lang="en-US" sz="2600" dirty="0"/>
-              <a:t>Convicting Offense Subtype </a:t>
-            </a:r>
-          </a:p>
-          <a:p>
-            <a:r>
-              <a:rPr lang="en-US" sz="2600" dirty="0"/>
-              <a:t>Release Type </a:t>
-            </a:r>
-          </a:p>
-          <a:p>
-            <a:r>
-              <a:rPr lang="en-US" sz="2600" dirty="0"/>
-              <a:t>Main Supervising District </a:t>
-            </a:r>
-          </a:p>
-          <a:p>
-            <a:r>
-              <a:rPr lang="en-US" sz="2600" dirty="0"/>
-              <a:t>Recidivism - Return to Prison </a:t>
-            </a:r>
-          </a:p>
-          <a:p>
-            <a:r>
-              <a:rPr lang="en-US" sz="2600" dirty="0"/>
-              <a:t>Part of Target Population </a:t>
-            </a:r>
-          </a:p>
-        </p:txBody>
-      </p:sp>
-      <p:sp>
-        <p:nvSpPr>
-          <p:cNvPr id="26" name="Freeform: Shape 25">
+            <a:r>
+              <a:rPr lang="en-IN" sz="2400" dirty="0"/>
+              <a:t>Michael </a:t>
+            </a:r>
+            <a:r>
+              <a:rPr lang="en-IN" sz="2400" dirty="0" err="1"/>
+              <a:t>Moravetz</a:t>
+            </a:r>
+            <a:r>
+              <a:rPr lang="en-IN" sz="2400" dirty="0"/>
+              <a:t> – </a:t>
+            </a:r>
+            <a:r>
+              <a:rPr lang="en-US" sz="2400" dirty="0"/>
+              <a:t> Collaborator</a:t>
+            </a:r>
+          </a:p>
+          <a:p>
+            <a:r>
+              <a:rPr lang="en-US" sz="2400" u="sng" dirty="0"/>
+              <a:t>Flatiron School – Data Science Bootcamp </a:t>
+            </a:r>
+          </a:p>
+          <a:p>
+            <a:pPr lvl="1"/>
+            <a:r>
+              <a:rPr lang="en-US" sz="2000" dirty="0"/>
+              <a:t>Brandon Lewis – Instructor </a:t>
+            </a:r>
+          </a:p>
+          <a:p>
+            <a:pPr lvl="1"/>
+            <a:r>
+              <a:rPr lang="en-US" sz="2000" dirty="0"/>
+              <a:t>Jeff Herman – Advisor</a:t>
+            </a:r>
+          </a:p>
+          <a:p>
+            <a:r>
+              <a:rPr lang="en-US" sz="2400" dirty="0" err="1"/>
+              <a:t>CatBoost</a:t>
+            </a:r>
+            <a:r>
+              <a:rPr lang="en-US" sz="2400" dirty="0"/>
+              <a:t> Machine Learning Package</a:t>
+            </a:r>
+            <a:endParaRPr lang="en-US" sz="2400" b="1" dirty="0"/>
+          </a:p>
+          <a:p>
+            <a:pPr lvl="2"/>
+            <a:r>
+              <a:rPr lang="en-US" dirty="0"/>
+              <a:t>Superior Modeling with categorical data.</a:t>
+            </a:r>
+          </a:p>
+          <a:p>
+            <a:pPr lvl="1"/>
+            <a:endParaRPr lang="en-IN" dirty="0"/>
+          </a:p>
+        </p:txBody>
+      </p:sp>
+      <p:sp>
+        <p:nvSpPr>
+          <p:cNvPr id="10" name="Freeform: Shape 9">
             <a:extLst>
               <a:ext uri="{FF2B5EF4-FFF2-40B4-BE49-F238E27FC236}">
                 <a16:creationId xmlns:a16="http://schemas.microsoft.com/office/drawing/2014/main" id="{CF62D2A7-8207-488C-9F46-316BA81A16C8}"/>
@@ -4181,7 +4173,7 @@
       </p:sp>
       <p:sp>
         <p:nvSpPr>
-          <p:cNvPr id="31" name="Freeform: Shape 27">
+          <p:cNvPr id="12" name="Freeform: Shape 11">
             <a:extLst>
               <a:ext uri="{FF2B5EF4-FFF2-40B4-BE49-F238E27FC236}">
                 <a16:creationId xmlns:a16="http://schemas.microsoft.com/office/drawing/2014/main" id="{52AC6D7F-F068-4E11-BB06-F601D89BB980}"/>
@@ -4346,37 +4338,37 @@
       </p:sp>
       <p:pic>
         <p:nvPicPr>
-          <p:cNvPr id="5" name="Content Placeholder 4">
-            <a:extLst>
-              <a:ext uri="{FF2B5EF4-FFF2-40B4-BE49-F238E27FC236}">
-                <a16:creationId xmlns:a16="http://schemas.microsoft.com/office/drawing/2014/main" id="{5B4AE1B0-4A95-46EF-81F1-ABD1F4C96FEE}"/>
+          <p:cNvPr id="7" name="Graphic 6" descr="Star">
+            <a:extLst>
+              <a:ext uri="{FF2B5EF4-FFF2-40B4-BE49-F238E27FC236}">
+                <a16:creationId xmlns:a16="http://schemas.microsoft.com/office/drawing/2014/main" id="{78C8DEE5-A90A-49C8-B9DF-B8DC6137626A}"/>
               </a:ext>
             </a:extLst>
           </p:cNvPr>
           <p:cNvPicPr>
-            <a:picLocks noGrp="1" noChangeAspect="1"/>
+            <a:picLocks noChangeAspect="1"/>
           </p:cNvPicPr>
-          <p:nvPr>
-            <p:ph sz="half" idx="1"/>
-          </p:nvPr>
+          <p:nvPr/>
         </p:nvPicPr>
-        <p:blipFill rotWithShape="1">
+        <p:blipFill>
           <a:blip r:embed="rId2">
             <a:extLst>
               <a:ext uri="{28A0092B-C50C-407E-A947-70E740481C1C}">
                 <a14:useLocalDpi xmlns:a14="http://schemas.microsoft.com/office/drawing/2010/main" val="0"/>
               </a:ext>
+              <a:ext uri="{96DAC541-7B7A-43D3-8B79-37D633B846F1}">
+                <asvg:svgBlip xmlns:asvg="http://schemas.microsoft.com/office/drawing/2016/SVG/main" r:embed="rId3"/>
+              </a:ext>
             </a:extLst>
           </a:blip>
-          <a:srcRect l="21904" r="10492" b="-2"/>
           <a:stretch>
             <a:fillRect/>
           </a:stretch>
         </p:blipFill>
         <p:spPr>
           <a:xfrm>
-            <a:off x="7491046" y="544867"/>
-            <a:ext cx="4544056" cy="3983171"/>
+            <a:off x="7884057" y="643002"/>
+            <a:ext cx="3796790" cy="3796790"/>
           </a:xfrm>
           <a:prstGeom prst="rect">
             <a:avLst/>
@@ -4386,7 +4378,7 @@
     </p:spTree>
     <p:extLst>
       <p:ext uri="{BB962C8B-B14F-4D97-AF65-F5344CB8AC3E}">
-        <p14:creationId xmlns:p14="http://schemas.microsoft.com/office/powerpoint/2010/main" val="1703616229"/>
+        <p14:creationId xmlns:p14="http://schemas.microsoft.com/office/powerpoint/2010/main" val="3850931023"/>
       </p:ext>
     </p:extLst>
   </p:cSld>
@@ -4396,7 +4388,7 @@
 </p:sld>
 </file>
 
-<file path=ppt/slides/slide4.xml><?xml version="1.0" encoding="utf-8"?>
+<file path=ppt/slides/slide2.xml><?xml version="1.0" encoding="utf-8"?>
 <p:sld xmlns:a="http://schemas.openxmlformats.org/drawingml/2006/main" xmlns:r="http://schemas.openxmlformats.org/officeDocument/2006/relationships" xmlns:p="http://schemas.openxmlformats.org/presentationml/2006/main">
   <p:cSld>
     <p:bg>
@@ -4423,7 +4415,7 @@
       </p:grpSpPr>
       <p:sp>
         <p:nvSpPr>
-          <p:cNvPr id="11" name="Rectangle 10">
+          <p:cNvPr id="16" name="Rectangle 15">
             <a:extLst>
               <a:ext uri="{FF2B5EF4-FFF2-40B4-BE49-F238E27FC236}">
                 <a16:creationId xmlns:a16="http://schemas.microsoft.com/office/drawing/2014/main" id="{867D4867-5BA7-4462-B2F6-A23F4A622AA7}"/>
@@ -4490,7 +4482,7 @@
           <p:cNvPr id="2" name="Title 1">
             <a:extLst>
               <a:ext uri="{FF2B5EF4-FFF2-40B4-BE49-F238E27FC236}">
-                <a16:creationId xmlns:a16="http://schemas.microsoft.com/office/drawing/2014/main" id="{4CFDBC83-6CE0-4B30-8654-3764C2C9DBDF}"/>
+                <a16:creationId xmlns:a16="http://schemas.microsoft.com/office/drawing/2014/main" id="{3228AC77-01A4-42B5-B7B0-7D210A0AFC4A}"/>
               </a:ext>
             </a:extLst>
           </p:cNvPr>
@@ -4503,64 +4495,39 @@
         </p:nvSpPr>
         <p:spPr>
           <a:xfrm>
-            <a:off x="643467" y="643467"/>
-            <a:ext cx="3363974" cy="1597315"/>
+            <a:off x="4967568" y="184737"/>
+            <a:ext cx="6919632" cy="756557"/>
           </a:xfrm>
           <a:noFill/>
           <a:ln w="19050">
             <a:solidFill>
-              <a:schemeClr val="bg1"/>
+              <a:schemeClr val="tx1">
+                <a:lumMod val="65000"/>
+                <a:lumOff val="35000"/>
+              </a:schemeClr>
             </a:solidFill>
           </a:ln>
         </p:spPr>
         <p:txBody>
-          <a:bodyPr vert="horz" wrap="square" lIns="91440" tIns="45720" rIns="91440" bIns="45720" rtlCol="0" anchor="ctr">
+          <a:bodyPr wrap="square">
             <a:normAutofit/>
           </a:bodyPr>
           <a:lstStyle/>
           <a:p>
             <a:pPr algn="ctr"/>
             <a:r>
-              <a:rPr lang="en-US" sz="2800" kern="1200" dirty="0">
-                <a:solidFill>
-                  <a:schemeClr val="bg1"/>
-                </a:solidFill>
-                <a:latin typeface="+mj-lt"/>
-                <a:ea typeface="+mj-ea"/>
-                <a:cs typeface="+mj-cs"/>
-              </a:rPr>
-              <a:t>Important Features</a:t>
-            </a:r>
-            <a:br>
-              <a:rPr lang="en-US" sz="2800" kern="1200" dirty="0">
-                <a:solidFill>
-                  <a:schemeClr val="bg1"/>
-                </a:solidFill>
-                <a:latin typeface="+mj-lt"/>
-                <a:ea typeface="+mj-ea"/>
-                <a:cs typeface="+mj-cs"/>
-              </a:rPr>
-            </a:br>
-            <a:r>
-              <a:rPr lang="en-US" sz="2800" kern="1200" dirty="0">
-                <a:solidFill>
-                  <a:schemeClr val="bg1"/>
-                </a:solidFill>
-                <a:latin typeface="+mj-lt"/>
-                <a:ea typeface="+mj-ea"/>
-                <a:cs typeface="+mj-cs"/>
-              </a:rPr>
-              <a:t>in Predicting Recidivism</a:t>
-            </a:r>
-          </a:p>
-        </p:txBody>
-      </p:sp>
-      <p:sp>
-        <p:nvSpPr>
-          <p:cNvPr id="4" name="Content Placeholder 3">
-            <a:extLst>
-              <a:ext uri="{FF2B5EF4-FFF2-40B4-BE49-F238E27FC236}">
-                <a16:creationId xmlns:a16="http://schemas.microsoft.com/office/drawing/2014/main" id="{04CC3BF9-8B70-4A40-99D2-806B625D03CB}"/>
+              <a:rPr lang="en-US" sz="3600" b="1" dirty="0"/>
+              <a:t>IOWA’S RECIDIVISM PROBLEM</a:t>
+            </a:r>
+          </a:p>
+        </p:txBody>
+      </p:sp>
+      <p:sp>
+        <p:nvSpPr>
+          <p:cNvPr id="3" name="Content Placeholder 2">
+            <a:extLst>
+              <a:ext uri="{FF2B5EF4-FFF2-40B4-BE49-F238E27FC236}">
+                <a16:creationId xmlns:a16="http://schemas.microsoft.com/office/drawing/2014/main" id="{D2D4B300-0023-4AC1-9C14-F74BCD4EC61B}"/>
               </a:ext>
             </a:extLst>
           </p:cNvPr>
@@ -4568,202 +4535,454 @@
             <a:spLocks noGrp="1"/>
           </p:cNvSpPr>
           <p:nvPr>
-            <p:ph sz="half" idx="2"/>
+            <p:ph idx="1"/>
           </p:nvPr>
         </p:nvSpPr>
         <p:spPr>
           <a:xfrm>
-            <a:off x="643468" y="2638044"/>
-            <a:ext cx="4010828" cy="3415622"/>
+            <a:off x="643468" y="2241176"/>
+            <a:ext cx="3363974" cy="4114800"/>
           </a:xfrm>
         </p:spPr>
         <p:txBody>
-          <a:bodyPr vert="horz" lIns="91440" tIns="45720" rIns="91440" bIns="45720" rtlCol="0">
-            <a:normAutofit/>
+          <a:bodyPr>
+            <a:normAutofit fontScale="85000" lnSpcReduction="20000"/>
           </a:bodyPr>
           <a:lstStyle/>
           <a:p>
-            <a:pPr marL="457200" indent="-457200">
-              <a:buFont typeface="+mj-lt"/>
-              <a:buAutoNum type="arabicPeriod"/>
-            </a:pPr>
-            <a:r>
-              <a:rPr lang="en-US" sz="2000" dirty="0">
+            <a:r>
+              <a:rPr lang="en-US" dirty="0">
                 <a:solidFill>
                   <a:schemeClr val="bg1"/>
                 </a:solidFill>
               </a:rPr>
-              <a:t>Age-At-Release </a:t>
-            </a:r>
-          </a:p>
-          <a:p>
-            <a:pPr marL="457200" indent="-457200">
-              <a:buFont typeface="+mj-lt"/>
-              <a:buAutoNum type="arabicPeriod"/>
-            </a:pPr>
-            <a:r>
-              <a:rPr lang="en-US" sz="2000" dirty="0">
+              <a:t>By 2015, nearly 1/3 of all released prisoners from Iowa were returning to crime.</a:t>
+            </a:r>
+          </a:p>
+          <a:p>
+            <a:endParaRPr lang="en-US" dirty="0">
+              <a:solidFill>
+                <a:schemeClr val="bg1"/>
+              </a:solidFill>
+            </a:endParaRPr>
+          </a:p>
+          <a:p>
+            <a:r>
+              <a:rPr lang="en-US" dirty="0">
                 <a:solidFill>
                   <a:schemeClr val="bg1"/>
                 </a:solidFill>
               </a:rPr>
-              <a:t>Supervising Judicial District </a:t>
-            </a:r>
-          </a:p>
-          <a:p>
-            <a:pPr marL="457200" indent="-457200">
-              <a:buFont typeface="+mj-lt"/>
-              <a:buAutoNum type="arabicPeriod"/>
-            </a:pPr>
-            <a:r>
-              <a:rPr lang="en-US" sz="2000" dirty="0">
+              <a:t>In 2015, US Dept. of Justice gave Iowa $3M Grant to help reduce</a:t>
+            </a:r>
+          </a:p>
+          <a:p>
+            <a:endParaRPr lang="en-US" dirty="0">
+              <a:solidFill>
+                <a:schemeClr val="bg1"/>
+              </a:solidFill>
+            </a:endParaRPr>
+          </a:p>
+          <a:p>
+            <a:r>
+              <a:rPr lang="en-US" dirty="0">
                 <a:solidFill>
                   <a:schemeClr val="bg1"/>
                 </a:solidFill>
               </a:rPr>
-              <a:t> Type of Release</a:t>
-            </a:r>
-          </a:p>
-          <a:p>
-            <a:pPr marL="457200" indent="-457200">
-              <a:buFont typeface="+mj-lt"/>
-              <a:buAutoNum type="arabicPeriod"/>
-            </a:pPr>
-            <a:r>
-              <a:rPr lang="en-US" sz="2000" dirty="0">
-                <a:solidFill>
-                  <a:schemeClr val="bg1"/>
-                </a:solidFill>
-              </a:rPr>
-              <a:t>Crime Subtypes</a:t>
+              <a:t>However recidivism rates continue to climb (36% 2018). </a:t>
             </a:r>
           </a:p>
         </p:txBody>
       </p:sp>
       <p:pic>
         <p:nvPicPr>
-          <p:cNvPr id="6" name="Content Placeholder 5" descr="A screenshot of a cell phone&#10;&#10;Description automatically generated">
-            <a:extLst>
-              <a:ext uri="{FF2B5EF4-FFF2-40B4-BE49-F238E27FC236}">
-                <a16:creationId xmlns:a16="http://schemas.microsoft.com/office/drawing/2014/main" id="{244D33CB-DAD1-4815-A7A9-B24FAEFA9967}"/>
+          <p:cNvPr id="4" name="Picture 3">
+            <a:extLst>
+              <a:ext uri="{FF2B5EF4-FFF2-40B4-BE49-F238E27FC236}">
+                <a16:creationId xmlns:a16="http://schemas.microsoft.com/office/drawing/2014/main" id="{7B4A0361-516E-4DF2-A2B5-DAF95AE8624D}"/>
               </a:ext>
             </a:extLst>
           </p:cNvPr>
           <p:cNvPicPr>
-            <a:picLocks noGrp="1" noChangeAspect="1"/>
+            <a:picLocks noChangeAspect="1"/>
           </p:cNvPicPr>
-          <p:nvPr>
-            <p:ph sz="half" idx="1"/>
-          </p:nvPr>
+          <p:nvPr/>
         </p:nvPicPr>
-        <p:blipFill>
-          <a:blip r:embed="rId2">
-            <a:extLst>
-              <a:ext uri="{28A0092B-C50C-407E-A947-70E740481C1C}">
-                <a14:useLocalDpi xmlns:a14="http://schemas.microsoft.com/office/drawing/2010/main" val="0"/>
-              </a:ext>
-            </a:extLst>
-          </a:blip>
-          <a:stretch>
-            <a:fillRect/>
-          </a:stretch>
+        <p:blipFill rotWithShape="1">
+          <a:blip r:embed="rId2"/>
+          <a:srcRect t="444" r="1" b="12703"/>
+          <a:stretch/>
         </p:blipFill>
         <p:spPr>
           <a:xfrm>
-            <a:off x="5297763" y="1120259"/>
-            <a:ext cx="6902736" cy="4365981"/>
+            <a:off x="864625" y="184737"/>
+            <a:ext cx="2921660" cy="1700176"/>
           </a:xfrm>
           <a:prstGeom prst="rect">
             <a:avLst/>
           </a:prstGeom>
+          <a:ln w="28575">
+            <a:solidFill>
+              <a:schemeClr val="tx1"/>
+            </a:solidFill>
+          </a:ln>
         </p:spPr>
       </p:pic>
-      <p:sp>
-        <p:nvSpPr>
-          <p:cNvPr id="7" name="TextBox 6">
-            <a:extLst>
-              <a:ext uri="{FF2B5EF4-FFF2-40B4-BE49-F238E27FC236}">
-                <a16:creationId xmlns:a16="http://schemas.microsoft.com/office/drawing/2014/main" id="{4EFC16D5-9417-43FE-8C09-14696204C46E}"/>
-              </a:ext>
-            </a:extLst>
-          </p:cNvPr>
-          <p:cNvSpPr txBox="1"/>
+      <p:grpSp>
+        <p:nvGrpSpPr>
+          <p:cNvPr id="9" name="Group 8">
+            <a:extLst>
+              <a:ext uri="{FF2B5EF4-FFF2-40B4-BE49-F238E27FC236}">
+                <a16:creationId xmlns:a16="http://schemas.microsoft.com/office/drawing/2014/main" id="{0CE54843-DB08-4D7C-9D2F-791035C06C62}"/>
+              </a:ext>
+            </a:extLst>
+          </p:cNvPr>
+          <p:cNvGrpSpPr/>
           <p:nvPr/>
-        </p:nvSpPr>
-        <p:spPr>
+        </p:nvGrpSpPr>
+        <p:grpSpPr>
           <a:xfrm>
-            <a:off x="8156098" y="5368409"/>
-            <a:ext cx="2040815" cy="369332"/>
+            <a:off x="5964354" y="3907435"/>
+            <a:ext cx="4510594" cy="2368674"/>
+            <a:chOff x="5709171" y="2116976"/>
+            <a:chExt cx="5021582" cy="2637012"/>
           </a:xfrm>
-          <a:prstGeom prst="rect">
-            <a:avLst/>
-          </a:prstGeom>
-          <a:noFill/>
-        </p:spPr>
-        <p:txBody>
-          <a:bodyPr wrap="none" rtlCol="0">
-            <a:spAutoFit/>
-          </a:bodyPr>
-          <a:lstStyle/>
-          <a:p>
-            <a:r>
-              <a:rPr lang="en-US" dirty="0"/>
-              <a:t>Feature Importance</a:t>
-            </a:r>
-          </a:p>
-        </p:txBody>
-      </p:sp>
-      <p:sp>
-        <p:nvSpPr>
-          <p:cNvPr id="9" name="TextBox 8">
-            <a:extLst>
-              <a:ext uri="{FF2B5EF4-FFF2-40B4-BE49-F238E27FC236}">
-                <a16:creationId xmlns:a16="http://schemas.microsoft.com/office/drawing/2014/main" id="{65B69289-A3DA-4FA0-A28F-EDC42D4A7005}"/>
-              </a:ext>
-            </a:extLst>
-          </p:cNvPr>
-          <p:cNvSpPr txBox="1"/>
+        </p:grpSpPr>
+        <p:pic>
+          <p:nvPicPr>
+            <p:cNvPr id="5" name="Picture 4">
+              <a:extLst>
+                <a:ext uri="{FF2B5EF4-FFF2-40B4-BE49-F238E27FC236}">
+                  <a16:creationId xmlns:a16="http://schemas.microsoft.com/office/drawing/2014/main" id="{35F64664-B5E3-4884-8F4D-CC54AC342A02}"/>
+                </a:ext>
+              </a:extLst>
+            </p:cNvPr>
+            <p:cNvPicPr>
+              <a:picLocks noChangeAspect="1"/>
+            </p:cNvPicPr>
+            <p:nvPr/>
+          </p:nvPicPr>
+          <p:blipFill rotWithShape="1">
+            <a:blip r:embed="rId3"/>
+            <a:srcRect l="1435" t="792" r="1627" b="1534"/>
+            <a:stretch/>
+          </p:blipFill>
+          <p:spPr>
+            <a:xfrm>
+              <a:off x="5709171" y="2116976"/>
+              <a:ext cx="5021582" cy="2329235"/>
+            </a:xfrm>
+            <a:prstGeom prst="rect">
+              <a:avLst/>
+            </a:prstGeom>
+          </p:spPr>
+        </p:pic>
+        <p:sp>
+          <p:nvSpPr>
+            <p:cNvPr id="6" name="TextBox 5">
+              <a:extLst>
+                <a:ext uri="{FF2B5EF4-FFF2-40B4-BE49-F238E27FC236}">
+                  <a16:creationId xmlns:a16="http://schemas.microsoft.com/office/drawing/2014/main" id="{9F1A61D0-F31F-4C70-8880-40791EA2B7A4}"/>
+                </a:ext>
+              </a:extLst>
+            </p:cNvPr>
+            <p:cNvSpPr txBox="1"/>
+            <p:nvPr/>
+          </p:nvSpPr>
+          <p:spPr>
+            <a:xfrm>
+              <a:off x="5901507" y="4446211"/>
+              <a:ext cx="4636910" cy="307777"/>
+            </a:xfrm>
+            <a:prstGeom prst="rect">
+              <a:avLst/>
+            </a:prstGeom>
+            <a:noFill/>
+          </p:spPr>
+          <p:txBody>
+            <a:bodyPr wrap="none" rtlCol="0">
+              <a:spAutoFit/>
+            </a:bodyPr>
+            <a:lstStyle/>
+            <a:p>
+              <a:r>
+                <a:rPr lang="en-US" sz="1400" dirty="0"/>
+                <a:t>Excerpt form IOWA Dept of Corrections Annual Report - 2018</a:t>
+              </a:r>
+            </a:p>
+          </p:txBody>
+        </p:sp>
+      </p:grpSp>
+      <p:grpSp>
+        <p:nvGrpSpPr>
+          <p:cNvPr id="11" name="Group 10">
+            <a:extLst>
+              <a:ext uri="{FF2B5EF4-FFF2-40B4-BE49-F238E27FC236}">
+                <a16:creationId xmlns:a16="http://schemas.microsoft.com/office/drawing/2014/main" id="{97D49417-F839-4A78-B2E7-46BBC1C748C8}"/>
+              </a:ext>
+            </a:extLst>
+          </p:cNvPr>
+          <p:cNvGrpSpPr/>
           <p:nvPr/>
-        </p:nvSpPr>
-        <p:spPr>
-          <a:xfrm rot="16200000">
-            <a:off x="4355775" y="2939374"/>
-            <a:ext cx="1514645" cy="369332"/>
+        </p:nvGrpSpPr>
+        <p:grpSpPr>
+          <a:xfrm>
+            <a:off x="6181491" y="998013"/>
+            <a:ext cx="4201829" cy="2909422"/>
+            <a:chOff x="6181491" y="998013"/>
+            <a:chExt cx="4201829" cy="2909422"/>
           </a:xfrm>
-          <a:prstGeom prst="rect">
-            <a:avLst/>
-          </a:prstGeom>
-          <a:noFill/>
-        </p:spPr>
-        <p:txBody>
-          <a:bodyPr wrap="none" rtlCol="0">
-            <a:spAutoFit/>
-          </a:bodyPr>
-          <a:lstStyle/>
-          <a:p>
-            <a:r>
-              <a:rPr lang="en-US" dirty="0"/>
-              <a:t>Feature Name</a:t>
-            </a:r>
-          </a:p>
-        </p:txBody>
-      </p:sp>
+        </p:grpSpPr>
+        <p:pic>
+          <p:nvPicPr>
+            <p:cNvPr id="8" name="Picture 7" descr="A screenshot of a cell phone&#10;&#10;Description automatically generated">
+              <a:extLst>
+                <a:ext uri="{FF2B5EF4-FFF2-40B4-BE49-F238E27FC236}">
+                  <a16:creationId xmlns:a16="http://schemas.microsoft.com/office/drawing/2014/main" id="{07B5503E-CAA0-4BCE-A86A-229E06E86A8B}"/>
+                </a:ext>
+              </a:extLst>
+            </p:cNvPr>
+            <p:cNvPicPr>
+              <a:picLocks noChangeAspect="1"/>
+            </p:cNvPicPr>
+            <p:nvPr/>
+          </p:nvPicPr>
+          <p:blipFill rotWithShape="1">
+            <a:blip r:embed="rId4">
+              <a:extLst>
+                <a:ext uri="{28A0092B-C50C-407E-A947-70E740481C1C}">
+                  <a14:useLocalDpi xmlns:a14="http://schemas.microsoft.com/office/drawing/2010/main" val="0"/>
+                </a:ext>
+              </a:extLst>
+            </a:blip>
+            <a:srcRect l="9027" t="24711" r="39675" b="46667"/>
+            <a:stretch/>
+          </p:blipFill>
+          <p:spPr>
+            <a:xfrm>
+              <a:off x="6181491" y="998013"/>
+              <a:ext cx="4201829" cy="2632693"/>
+            </a:xfrm>
+            <a:prstGeom prst="rect">
+              <a:avLst/>
+            </a:prstGeom>
+          </p:spPr>
+        </p:pic>
+        <p:sp>
+          <p:nvSpPr>
+            <p:cNvPr id="10" name="Rectangle 9">
+              <a:extLst>
+                <a:ext uri="{FF2B5EF4-FFF2-40B4-BE49-F238E27FC236}">
+                  <a16:creationId xmlns:a16="http://schemas.microsoft.com/office/drawing/2014/main" id="{B8442B6E-DA7E-419C-8667-CD8C067EC9F3}"/>
+                </a:ext>
+              </a:extLst>
+            </p:cNvPr>
+            <p:cNvSpPr/>
+            <p:nvPr/>
+          </p:nvSpPr>
+          <p:spPr>
+            <a:xfrm>
+              <a:off x="6301979" y="3630436"/>
+              <a:ext cx="3835345" cy="276999"/>
+            </a:xfrm>
+            <a:prstGeom prst="rect">
+              <a:avLst/>
+            </a:prstGeom>
+          </p:spPr>
+          <p:txBody>
+            <a:bodyPr wrap="none">
+              <a:spAutoFit/>
+            </a:bodyPr>
+            <a:lstStyle/>
+            <a:p>
+              <a:r>
+                <a:rPr lang="en-US" sz="1200" dirty="0"/>
+                <a:t>From: https://doc.iowa.gov/data/prison-recidivism-fy2016</a:t>
+              </a:r>
+            </a:p>
+          </p:txBody>
+        </p:sp>
+      </p:grpSp>
     </p:spTree>
     <p:extLst>
       <p:ext uri="{BB962C8B-B14F-4D97-AF65-F5344CB8AC3E}">
-        <p14:creationId xmlns:p14="http://schemas.microsoft.com/office/powerpoint/2010/main" val="2202832989"/>
+        <p14:creationId xmlns:p14="http://schemas.microsoft.com/office/powerpoint/2010/main" val="252219586"/>
       </p:ext>
     </p:extLst>
   </p:cSld>
   <p:clrMapOvr>
     <a:masterClrMapping/>
   </p:clrMapOvr>
+  <p:timing>
+    <p:tnLst>
+      <p:par>
+        <p:cTn id="1" dur="indefinite" restart="never" nodeType="tmRoot">
+          <p:childTnLst>
+            <p:seq concurrent="1" nextAc="seek">
+              <p:cTn id="2" dur="indefinite" nodeType="mainSeq">
+                <p:childTnLst>
+                  <p:par>
+                    <p:cTn id="3" fill="hold">
+                      <p:stCondLst>
+                        <p:cond delay="indefinite"/>
+                      </p:stCondLst>
+                      <p:childTnLst>
+                        <p:par>
+                          <p:cTn id="4" fill="hold">
+                            <p:stCondLst>
+                              <p:cond delay="0"/>
+                            </p:stCondLst>
+                            <p:childTnLst>
+                              <p:par>
+                                <p:cTn id="5" presetID="1" presetClass="entr" presetSubtype="0" fill="hold" nodeType="clickEffect">
+                                  <p:stCondLst>
+                                    <p:cond delay="0"/>
+                                  </p:stCondLst>
+                                  <p:childTnLst>
+                                    <p:set>
+                                      <p:cBhvr>
+                                        <p:cTn id="6" dur="1" fill="hold">
+                                          <p:stCondLst>
+                                            <p:cond delay="0"/>
+                                          </p:stCondLst>
+                                        </p:cTn>
+                                        <p:tgtEl>
+                                          <p:spTgt spid="3">
+                                            <p:txEl>
+                                              <p:pRg st="2" end="2"/>
+                                            </p:txEl>
+                                          </p:spTgt>
+                                        </p:tgtEl>
+                                        <p:attrNameLst>
+                                          <p:attrName>style.visibility</p:attrName>
+                                        </p:attrNameLst>
+                                      </p:cBhvr>
+                                      <p:to>
+                                        <p:strVal val="visible"/>
+                                      </p:to>
+                                    </p:set>
+                                  </p:childTnLst>
+                                </p:cTn>
+                              </p:par>
+                            </p:childTnLst>
+                          </p:cTn>
+                        </p:par>
+                      </p:childTnLst>
+                    </p:cTn>
+                  </p:par>
+                  <p:par>
+                    <p:cTn id="7" fill="hold">
+                      <p:stCondLst>
+                        <p:cond delay="indefinite"/>
+                      </p:stCondLst>
+                      <p:childTnLst>
+                        <p:par>
+                          <p:cTn id="8" fill="hold">
+                            <p:stCondLst>
+                              <p:cond delay="0"/>
+                            </p:stCondLst>
+                            <p:childTnLst>
+                              <p:par>
+                                <p:cTn id="9" presetID="1" presetClass="entr" presetSubtype="0" fill="hold" nodeType="clickEffect">
+                                  <p:stCondLst>
+                                    <p:cond delay="0"/>
+                                  </p:stCondLst>
+                                  <p:childTnLst>
+                                    <p:set>
+                                      <p:cBhvr>
+                                        <p:cTn id="10" dur="1" fill="hold">
+                                          <p:stCondLst>
+                                            <p:cond delay="0"/>
+                                          </p:stCondLst>
+                                        </p:cTn>
+                                        <p:tgtEl>
+                                          <p:spTgt spid="3">
+                                            <p:txEl>
+                                              <p:pRg st="4" end="4"/>
+                                            </p:txEl>
+                                          </p:spTgt>
+                                        </p:tgtEl>
+                                        <p:attrNameLst>
+                                          <p:attrName>style.visibility</p:attrName>
+                                        </p:attrNameLst>
+                                      </p:cBhvr>
+                                      <p:to>
+                                        <p:strVal val="visible"/>
+                                      </p:to>
+                                    </p:set>
+                                  </p:childTnLst>
+                                </p:cTn>
+                              </p:par>
+                              <p:par>
+                                <p:cTn id="11" presetID="1" presetClass="entr" presetSubtype="0" fill="hold" nodeType="withEffect">
+                                  <p:stCondLst>
+                                    <p:cond delay="0"/>
+                                  </p:stCondLst>
+                                  <p:childTnLst>
+                                    <p:set>
+                                      <p:cBhvr>
+                                        <p:cTn id="12" dur="1" fill="hold">
+                                          <p:stCondLst>
+                                            <p:cond delay="0"/>
+                                          </p:stCondLst>
+                                        </p:cTn>
+                                        <p:tgtEl>
+                                          <p:spTgt spid="9"/>
+                                        </p:tgtEl>
+                                        <p:attrNameLst>
+                                          <p:attrName>style.visibility</p:attrName>
+                                        </p:attrNameLst>
+                                      </p:cBhvr>
+                                      <p:to>
+                                        <p:strVal val="visible"/>
+                                      </p:to>
+                                    </p:set>
+                                  </p:childTnLst>
+                                </p:cTn>
+                              </p:par>
+                            </p:childTnLst>
+                          </p:cTn>
+                        </p:par>
+                      </p:childTnLst>
+                    </p:cTn>
+                  </p:par>
+                </p:childTnLst>
+              </p:cTn>
+              <p:prevCondLst>
+                <p:cond evt="onPrev" delay="0">
+                  <p:tgtEl>
+                    <p:sldTgt/>
+                  </p:tgtEl>
+                </p:cond>
+              </p:prevCondLst>
+              <p:nextCondLst>
+                <p:cond evt="onNext" delay="0">
+                  <p:tgtEl>
+                    <p:sldTgt/>
+                  </p:tgtEl>
+                </p:cond>
+              </p:nextCondLst>
+            </p:seq>
+          </p:childTnLst>
+        </p:cTn>
+      </p:par>
+    </p:tnLst>
+  </p:timing>
 </p:sld>
 </file>
 
-<file path=ppt/slides/slide5.xml><?xml version="1.0" encoding="utf-8"?>
+<file path=ppt/slides/slide3.xml><?xml version="1.0" encoding="utf-8"?>
 <p:sld xmlns:a="http://schemas.openxmlformats.org/drawingml/2006/main" xmlns:r="http://schemas.openxmlformats.org/officeDocument/2006/relationships" xmlns:p="http://schemas.openxmlformats.org/presentationml/2006/main">
   <p:cSld>
+    <p:bg>
+      <p:bgPr>
+        <a:solidFill>
+          <a:schemeClr val="tx1"/>
+        </a:solidFill>
+        <a:effectLst/>
+      </p:bgPr>
+    </p:bg>
     <p:spTree>
       <p:nvGrpSpPr>
         <p:cNvPr id="1" name=""/>
@@ -4780,50 +4999,53 @@
       </p:grpSpPr>
       <p:sp>
         <p:nvSpPr>
-          <p:cNvPr id="12" name="Rectangle 11">
-            <a:extLst>
-              <a:ext uri="{FF2B5EF4-FFF2-40B4-BE49-F238E27FC236}">
-                <a16:creationId xmlns:a16="http://schemas.microsoft.com/office/drawing/2014/main" id="{7438C053-8F02-4CE9-994D-F233D6D745BF}"/>
-              </a:ext>
-            </a:extLst>
-          </p:cNvPr>
-          <p:cNvSpPr/>
-          <p:nvPr/>
+          <p:cNvPr id="11" name="Rectangle 10">
+            <a:extLst>
+              <a:ext uri="{FF2B5EF4-FFF2-40B4-BE49-F238E27FC236}">
+                <a16:creationId xmlns:a16="http://schemas.microsoft.com/office/drawing/2014/main" id="{2A8AA5BC-4F7A-4226-8F99-6D824B226A97}"/>
+              </a:ext>
+              <a:ext uri="{C183D7F6-B498-43B3-948B-1728B52AA6E4}">
+                <adec:decorative xmlns:adec="http://schemas.microsoft.com/office/drawing/2017/decorative" val="1"/>
+              </a:ext>
+            </a:extLst>
+          </p:cNvPr>
+          <p:cNvSpPr>
+            <a:spLocks noGrp="1" noRot="1" noChangeAspect="1" noMove="1" noResize="1" noEditPoints="1" noAdjustHandles="1" noChangeArrowheads="1" noChangeShapeType="1" noTextEdit="1"/>
+          </p:cNvSpPr>
+          <p:nvPr>
+            <p:extLst>
+              <p:ext uri="{386F3935-93C4-4BCD-93E2-E3B085C9AB24}">
+                <p16:designElem xmlns:p16="http://schemas.microsoft.com/office/powerpoint/2015/main" val="1"/>
+              </p:ext>
+            </p:extLst>
+          </p:nvPr>
         </p:nvSpPr>
         <p:spPr>
           <a:xfrm>
-            <a:off x="304800" y="230188"/>
-            <a:ext cx="11582400" cy="1073045"/>
+            <a:off x="0" y="-3324"/>
+            <a:ext cx="12192000" cy="6861324"/>
           </a:xfrm>
           <a:prstGeom prst="rect">
             <a:avLst/>
           </a:prstGeom>
           <a:solidFill>
-            <a:schemeClr val="tx1">
-              <a:lumMod val="75000"/>
-              <a:lumOff val="25000"/>
-            </a:schemeClr>
+            <a:schemeClr val="tx1"/>
           </a:solidFill>
-          <a:ln w="63500" cmpd="thinThick">
-            <a:solidFill>
-              <a:schemeClr val="tx1">
-                <a:lumMod val="75000"/>
-                <a:lumOff val="25000"/>
-              </a:schemeClr>
-            </a:solidFill>
+          <a:ln>
+            <a:noFill/>
           </a:ln>
         </p:spPr>
         <p:style>
           <a:lnRef idx="2">
-            <a:schemeClr val="dk1">
+            <a:schemeClr val="accent1">
               <a:shade val="50000"/>
             </a:schemeClr>
           </a:lnRef>
           <a:fillRef idx="1">
-            <a:schemeClr val="dk1"/>
+            <a:schemeClr val="accent1"/>
           </a:fillRef>
           <a:effectRef idx="0">
-            <a:schemeClr val="dk1"/>
+            <a:schemeClr val="accent1"/>
           </a:effectRef>
           <a:fontRef idx="minor">
             <a:schemeClr val="lt1"/>
@@ -4834,143 +5056,52 @@
           <a:lstStyle/>
           <a:p>
             <a:pPr algn="ctr"/>
-            <a:endParaRPr lang="en-US" sz="1400"/>
-          </a:p>
-        </p:txBody>
-      </p:sp>
-      <p:sp>
-        <p:nvSpPr>
-          <p:cNvPr id="2" name="Title 1">
-            <a:extLst>
-              <a:ext uri="{FF2B5EF4-FFF2-40B4-BE49-F238E27FC236}">
-                <a16:creationId xmlns:a16="http://schemas.microsoft.com/office/drawing/2014/main" id="{6D68BEC9-51A3-41D0-B106-455D50898E30}"/>
-              </a:ext>
-            </a:extLst>
-          </p:cNvPr>
-          <p:cNvSpPr>
-            <a:spLocks noGrp="1"/>
-          </p:cNvSpPr>
-          <p:nvPr>
-            <p:ph type="title"/>
-          </p:nvPr>
-        </p:nvSpPr>
-        <p:spPr>
+            <a:endParaRPr lang="en-US"/>
+          </a:p>
+        </p:txBody>
+      </p:sp>
+      <p:sp>
+        <p:nvSpPr>
+          <p:cNvPr id="13" name="Rectangle 12">
+            <a:extLst>
+              <a:ext uri="{FF2B5EF4-FFF2-40B4-BE49-F238E27FC236}">
+                <a16:creationId xmlns:a16="http://schemas.microsoft.com/office/drawing/2014/main" id="{3E5445C6-DD42-4979-86FF-03730E8C6DB0}"/>
+              </a:ext>
+              <a:ext uri="{C183D7F6-B498-43B3-948B-1728B52AA6E4}">
+                <adec:decorative xmlns:adec="http://schemas.microsoft.com/office/drawing/2017/decorative" val="1"/>
+              </a:ext>
+            </a:extLst>
+          </p:cNvPr>
+          <p:cNvSpPr>
+            <a:spLocks noGrp="1" noRot="1" noChangeAspect="1" noMove="1" noResize="1" noEditPoints="1" noAdjustHandles="1" noChangeArrowheads="1" noChangeShapeType="1" noTextEdit="1"/>
+          </p:cNvSpPr>
+          <p:nvPr>
+            <p:extLst>
+              <p:ext uri="{386F3935-93C4-4BCD-93E2-E3B085C9AB24}">
+                <p16:designElem xmlns:p16="http://schemas.microsoft.com/office/powerpoint/2015/main" val="1"/>
+              </p:ext>
+            </p:extLst>
+          </p:nvPr>
+        </p:nvSpPr>
+        <p:spPr bwMode="ltGray">
           <a:xfrm>
-            <a:off x="838200" y="270118"/>
-            <a:ext cx="10515600" cy="821837"/>
-          </a:xfrm>
-        </p:spPr>
-        <p:txBody>
-          <a:bodyPr/>
-          <a:lstStyle/>
-          <a:p>
-            <a:pPr algn="ctr"/>
-            <a:r>
-              <a:rPr lang="en-US" dirty="0">
-                <a:solidFill>
-                  <a:schemeClr val="bg1"/>
-                </a:solidFill>
-              </a:rPr>
-              <a:t>Classification Model Performance</a:t>
-            </a:r>
-          </a:p>
-        </p:txBody>
-      </p:sp>
-      <p:pic>
-        <p:nvPicPr>
-          <p:cNvPr id="21" name="Content Placeholder 5" descr="A screenshot of a cell phone&#10;&#10;Description automatically generated">
-            <a:extLst>
-              <a:ext uri="{FF2B5EF4-FFF2-40B4-BE49-F238E27FC236}">
-                <a16:creationId xmlns:a16="http://schemas.microsoft.com/office/drawing/2014/main" id="{37A1243E-E46A-4531-8FD2-5AD40E9600BB}"/>
-              </a:ext>
-            </a:extLst>
-          </p:cNvPr>
-          <p:cNvPicPr>
-            <a:picLocks noGrp="1" noChangeAspect="1"/>
-          </p:cNvPicPr>
-          <p:nvPr>
-            <p:ph sz="half" idx="1"/>
-          </p:nvPr>
-        </p:nvPicPr>
-        <p:blipFill>
-          <a:blip r:embed="rId2">
-            <a:extLst>
-              <a:ext uri="{28A0092B-C50C-407E-A947-70E740481C1C}">
-                <a14:useLocalDpi xmlns:a14="http://schemas.microsoft.com/office/drawing/2010/main" val="0"/>
-              </a:ext>
-            </a:extLst>
-          </a:blip>
-          <a:stretch>
-            <a:fillRect/>
-          </a:stretch>
-        </p:blipFill>
-        <p:spPr>
-          <a:xfrm>
-            <a:off x="357763" y="1617733"/>
-            <a:ext cx="5500751" cy="4888585"/>
-          </a:xfrm>
-        </p:spPr>
-      </p:pic>
-      <p:pic>
-        <p:nvPicPr>
-          <p:cNvPr id="8" name="Content Placeholder 7" descr="A close up of a map&#10;&#10;Description automatically generated">
-            <a:extLst>
-              <a:ext uri="{FF2B5EF4-FFF2-40B4-BE49-F238E27FC236}">
-                <a16:creationId xmlns:a16="http://schemas.microsoft.com/office/drawing/2014/main" id="{5B5DE6F4-ECBC-40F7-8CE7-0036284CE8F5}"/>
-              </a:ext>
-            </a:extLst>
-          </p:cNvPr>
-          <p:cNvPicPr>
-            <a:picLocks noGrp="1" noChangeAspect="1"/>
-          </p:cNvPicPr>
-          <p:nvPr>
-            <p:ph sz="half" idx="2"/>
-          </p:nvPr>
-        </p:nvPicPr>
-        <p:blipFill>
-          <a:blip r:embed="rId3">
-            <a:extLst>
-              <a:ext uri="{28A0092B-C50C-407E-A947-70E740481C1C}">
-                <a14:useLocalDpi xmlns:a14="http://schemas.microsoft.com/office/drawing/2010/main" val="0"/>
-              </a:ext>
-            </a:extLst>
-          </a:blip>
-          <a:stretch>
-            <a:fillRect/>
-          </a:stretch>
-        </p:blipFill>
-        <p:spPr>
-          <a:xfrm>
-            <a:off x="6333487" y="1847117"/>
-            <a:ext cx="5658488" cy="4105019"/>
-          </a:xfrm>
-        </p:spPr>
-      </p:pic>
-      <p:sp>
-        <p:nvSpPr>
-          <p:cNvPr id="9" name="Rectangle 8">
-            <a:extLst>
-              <a:ext uri="{FF2B5EF4-FFF2-40B4-BE49-F238E27FC236}">
-                <a16:creationId xmlns:a16="http://schemas.microsoft.com/office/drawing/2014/main" id="{86A7E74D-84DF-49D0-A36B-6A9C5AAB1153}"/>
-              </a:ext>
-            </a:extLst>
-          </p:cNvPr>
-          <p:cNvSpPr/>
-          <p:nvPr/>
-        </p:nvSpPr>
-        <p:spPr>
-          <a:xfrm>
-            <a:off x="838199" y="3736782"/>
-            <a:ext cx="4238625" cy="1844867"/>
+            <a:off x="321734" y="321733"/>
+            <a:ext cx="11573488" cy="6214534"/>
           </a:xfrm>
           <a:prstGeom prst="rect">
             <a:avLst/>
           </a:prstGeom>
-          <a:noFill/>
-          <a:ln w="38100">
+          <a:solidFill>
+            <a:schemeClr val="bg1">
+              <a:lumMod val="75000"/>
+              <a:lumOff val="25000"/>
+            </a:schemeClr>
+          </a:solidFill>
+          <a:ln w="127000" cap="sq" cmpd="thinThick">
             <a:solidFill>
-              <a:schemeClr val="accent6">
+              <a:schemeClr val="bg1">
                 <a:lumMod val="75000"/>
+                <a:lumOff val="25000"/>
               </a:schemeClr>
             </a:solidFill>
           </a:ln>
@@ -5002,80 +5133,137 @@
       </p:sp>
       <p:sp>
         <p:nvSpPr>
-          <p:cNvPr id="22" name="Rectangle 21">
-            <a:extLst>
-              <a:ext uri="{FF2B5EF4-FFF2-40B4-BE49-F238E27FC236}">
-                <a16:creationId xmlns:a16="http://schemas.microsoft.com/office/drawing/2014/main" id="{894F1DCE-6E11-4383-80CE-A794776FE6E8}"/>
-              </a:ext>
-            </a:extLst>
-          </p:cNvPr>
-          <p:cNvSpPr/>
-          <p:nvPr/>
+          <p:cNvPr id="5" name="Title 4">
+            <a:extLst>
+              <a:ext uri="{FF2B5EF4-FFF2-40B4-BE49-F238E27FC236}">
+                <a16:creationId xmlns:a16="http://schemas.microsoft.com/office/drawing/2014/main" id="{7D0A3495-2352-40A8-BC46-9DFF34FA195E}"/>
+              </a:ext>
+            </a:extLst>
+          </p:cNvPr>
+          <p:cNvSpPr>
+            <a:spLocks noGrp="1"/>
+          </p:cNvSpPr>
+          <p:nvPr>
+            <p:ph type="title"/>
+          </p:nvPr>
         </p:nvSpPr>
         <p:spPr>
           <a:xfrm>
-            <a:off x="9983665" y="5107597"/>
-            <a:ext cx="1769656" cy="354797"/>
+            <a:off x="1524000" y="807500"/>
+            <a:ext cx="9144000" cy="2991123"/>
           </a:xfrm>
-          <a:prstGeom prst="rect">
-            <a:avLst/>
-          </a:prstGeom>
-          <a:noFill/>
-          <a:ln w="38100">
-            <a:solidFill>
-              <a:schemeClr val="accent6">
-                <a:lumMod val="75000"/>
-              </a:schemeClr>
-            </a:solidFill>
-          </a:ln>
         </p:spPr>
-        <p:style>
-          <a:lnRef idx="2">
-            <a:schemeClr val="accent1">
-              <a:shade val="50000"/>
-            </a:schemeClr>
-          </a:lnRef>
-          <a:fillRef idx="1">
-            <a:schemeClr val="accent1"/>
-          </a:fillRef>
-          <a:effectRef idx="0">
-            <a:schemeClr val="accent1"/>
-          </a:effectRef>
-          <a:fontRef idx="minor">
-            <a:schemeClr val="lt1"/>
-          </a:fontRef>
-        </p:style>
-        <p:txBody>
-          <a:bodyPr rtlCol="0" anchor="ctr"/>
+        <p:txBody>
+          <a:bodyPr vert="horz" lIns="91440" tIns="45720" rIns="91440" bIns="45720" rtlCol="0" anchor="b">
+            <a:normAutofit fontScale="90000"/>
+          </a:bodyPr>
           <a:lstStyle/>
           <a:p>
             <a:pPr algn="ctr"/>
-            <a:endParaRPr lang="en-US"/>
+            <a:r>
+              <a:rPr lang="en-US" sz="5800" dirty="0"/>
+              <a:t>Can we use data describing Iowa’s released prisoners to predict </a:t>
+            </a:r>
+            <a:r>
+              <a:rPr lang="en-US" sz="5800" b="1" i="1" dirty="0"/>
+              <a:t>which</a:t>
+            </a:r>
+            <a:r>
+              <a:rPr lang="en-US" sz="5800" dirty="0"/>
+              <a:t> prisoners will return to a life of crime?</a:t>
+            </a:r>
+          </a:p>
+        </p:txBody>
+      </p:sp>
+      <p:sp>
+        <p:nvSpPr>
+          <p:cNvPr id="6" name="Text Placeholder 5">
+            <a:extLst>
+              <a:ext uri="{FF2B5EF4-FFF2-40B4-BE49-F238E27FC236}">
+                <a16:creationId xmlns:a16="http://schemas.microsoft.com/office/drawing/2014/main" id="{E4BA91B1-1050-4982-93E7-2BC0AFBB9C06}"/>
+              </a:ext>
+            </a:extLst>
+          </p:cNvPr>
+          <p:cNvSpPr>
+            <a:spLocks noGrp="1"/>
+          </p:cNvSpPr>
+          <p:nvPr>
+            <p:ph type="body" idx="1"/>
+          </p:nvPr>
+        </p:nvSpPr>
+        <p:spPr>
+          <a:xfrm>
+            <a:off x="409575" y="4550387"/>
+            <a:ext cx="11372850" cy="1544910"/>
+          </a:xfrm>
+        </p:spPr>
+        <p:txBody>
+          <a:bodyPr vert="horz" lIns="91440" tIns="45720" rIns="91440" bIns="45720" rtlCol="0">
+            <a:normAutofit/>
+          </a:bodyPr>
+          <a:lstStyle/>
+          <a:p>
+            <a:pPr algn="ctr"/>
+            <a:r>
+              <a:rPr lang="en-IN" sz="4400" b="1" kern="1200" dirty="0">
+                <a:solidFill>
+                  <a:schemeClr val="accent1"/>
+                </a:solidFill>
+                <a:latin typeface="+mn-lt"/>
+                <a:ea typeface="+mn-ea"/>
+                <a:cs typeface="+mn-cs"/>
+              </a:rPr>
+              <a:t>FUNDAMENTAL QUESTION</a:t>
+            </a:r>
+            <a:endParaRPr lang="en-US" sz="4400" b="1" kern="1200" dirty="0">
+              <a:solidFill>
+                <a:schemeClr val="accent1"/>
+              </a:solidFill>
+              <a:latin typeface="+mn-lt"/>
+              <a:ea typeface="+mn-ea"/>
+              <a:cs typeface="+mn-cs"/>
+            </a:endParaRPr>
           </a:p>
         </p:txBody>
       </p:sp>
       <p:cxnSp>
         <p:nvCxnSpPr>
-          <p:cNvPr id="20" name="Straight Connector 19">
-            <a:extLst>
-              <a:ext uri="{FF2B5EF4-FFF2-40B4-BE49-F238E27FC236}">
-                <a16:creationId xmlns:a16="http://schemas.microsoft.com/office/drawing/2014/main" id="{5A0F4DFE-F999-41EC-B87C-D8D98A35F7C8}"/>
+          <p:cNvPr id="15" name="Straight Connector 14">
+            <a:extLst>
+              <a:ext uri="{FF2B5EF4-FFF2-40B4-BE49-F238E27FC236}">
+                <a16:creationId xmlns:a16="http://schemas.microsoft.com/office/drawing/2014/main" id="{45000665-DFC7-417E-8FD7-516A0F15C975}"/>
+              </a:ext>
+              <a:ext uri="{C183D7F6-B498-43B3-948B-1728B52AA6E4}">
+                <adec:decorative xmlns:adec="http://schemas.microsoft.com/office/drawing/2017/decorative" val="1"/>
               </a:ext>
             </a:extLst>
           </p:cNvPr>
           <p:cNvCxnSpPr>
-            <a:cxnSpLocks/>
+            <a:cxnSpLocks noGrp="1" noRot="1" noChangeAspect="1" noMove="1" noResize="1" noEditPoints="1" noAdjustHandles="1" noChangeArrowheads="1" noChangeShapeType="1"/>
           </p:cNvCxnSpPr>
-          <p:nvPr/>
+          <p:nvPr>
+            <p:extLst>
+              <p:ext uri="{386F3935-93C4-4BCD-93E2-E3B085C9AB24}">
+                <p16:designElem xmlns:p16="http://schemas.microsoft.com/office/powerpoint/2015/main" val="1"/>
+              </p:ext>
+            </p:extLst>
+          </p:nvPr>
         </p:nvCxnSpPr>
         <p:spPr>
-          <a:xfrm flipH="1">
-            <a:off x="3283745" y="1025280"/>
-            <a:ext cx="5624511" cy="0"/>
+          <a:xfrm>
+            <a:off x="4724400" y="4109417"/>
+            <a:ext cx="2743200" cy="0"/>
           </a:xfrm>
           <a:prstGeom prst="line">
             <a:avLst/>
           </a:prstGeom>
+          <a:ln w="12700">
+            <a:solidFill>
+              <a:schemeClr val="tx1">
+                <a:lumMod val="85000"/>
+              </a:schemeClr>
+            </a:solidFill>
+          </a:ln>
         </p:spPr>
         <p:style>
           <a:lnRef idx="1">
@@ -5095,808 +5283,17 @@
     </p:spTree>
     <p:extLst>
       <p:ext uri="{BB962C8B-B14F-4D97-AF65-F5344CB8AC3E}">
-        <p14:creationId xmlns:p14="http://schemas.microsoft.com/office/powerpoint/2010/main" val="879329863"/>
+        <p14:creationId xmlns:p14="http://schemas.microsoft.com/office/powerpoint/2010/main" val="3658807690"/>
       </p:ext>
     </p:extLst>
   </p:cSld>
   <p:clrMapOvr>
-    <a:masterClrMapping/>
+    <a:overrideClrMapping bg1="dk1" tx1="lt1" bg2="dk2" tx2="lt2" accent1="accent1" accent2="accent2" accent3="accent3" accent4="accent4" accent5="accent5" accent6="accent6" hlink="hlink" folHlink="folHlink"/>
   </p:clrMapOvr>
 </p:sld>
 </file>
 
-<file path=ppt/slides/slide6.xml><?xml version="1.0" encoding="utf-8"?>
-<p:sld xmlns:a="http://schemas.openxmlformats.org/drawingml/2006/main" xmlns:r="http://schemas.openxmlformats.org/officeDocument/2006/relationships" xmlns:p="http://schemas.openxmlformats.org/presentationml/2006/main">
-  <p:cSld>
-    <p:spTree>
-      <p:nvGrpSpPr>
-        <p:cNvPr id="1" name=""/>
-        <p:cNvGrpSpPr/>
-        <p:nvPr/>
-      </p:nvGrpSpPr>
-      <p:grpSpPr>
-        <a:xfrm>
-          <a:off x="0" y="0"/>
-          <a:ext cx="0" cy="0"/>
-          <a:chOff x="0" y="0"/>
-          <a:chExt cx="0" cy="0"/>
-        </a:xfrm>
-      </p:grpSpPr>
-      <p:sp>
-        <p:nvSpPr>
-          <p:cNvPr id="27" name="Rectangle 26">
-            <a:extLst>
-              <a:ext uri="{FF2B5EF4-FFF2-40B4-BE49-F238E27FC236}">
-                <a16:creationId xmlns:a16="http://schemas.microsoft.com/office/drawing/2014/main" id="{59969067-2717-4833-829D-EF331732704F}"/>
-              </a:ext>
-            </a:extLst>
-          </p:cNvPr>
-          <p:cNvSpPr/>
-          <p:nvPr/>
-        </p:nvSpPr>
-        <p:spPr>
-          <a:xfrm>
-            <a:off x="304800" y="117580"/>
-            <a:ext cx="11582400" cy="1073045"/>
-          </a:xfrm>
-          <a:prstGeom prst="rect">
-            <a:avLst/>
-          </a:prstGeom>
-          <a:solidFill>
-            <a:schemeClr val="tx1">
-              <a:lumMod val="75000"/>
-              <a:lumOff val="25000"/>
-            </a:schemeClr>
-          </a:solidFill>
-          <a:ln w="63500" cmpd="thinThick">
-            <a:solidFill>
-              <a:schemeClr val="tx1">
-                <a:lumMod val="75000"/>
-                <a:lumOff val="25000"/>
-              </a:schemeClr>
-            </a:solidFill>
-          </a:ln>
-        </p:spPr>
-        <p:style>
-          <a:lnRef idx="2">
-            <a:schemeClr val="dk1">
-              <a:shade val="50000"/>
-            </a:schemeClr>
-          </a:lnRef>
-          <a:fillRef idx="1">
-            <a:schemeClr val="dk1"/>
-          </a:fillRef>
-          <a:effectRef idx="0">
-            <a:schemeClr val="dk1"/>
-          </a:effectRef>
-          <a:fontRef idx="minor">
-            <a:schemeClr val="lt1"/>
-          </a:fontRef>
-        </p:style>
-        <p:txBody>
-          <a:bodyPr rtlCol="0" anchor="ctr"/>
-          <a:lstStyle/>
-          <a:p>
-            <a:pPr algn="ctr"/>
-            <a:endParaRPr lang="en-US" sz="1400"/>
-          </a:p>
-        </p:txBody>
-      </p:sp>
-      <p:sp>
-        <p:nvSpPr>
-          <p:cNvPr id="16" name="Title 15">
-            <a:extLst>
-              <a:ext uri="{FF2B5EF4-FFF2-40B4-BE49-F238E27FC236}">
-                <a16:creationId xmlns:a16="http://schemas.microsoft.com/office/drawing/2014/main" id="{BC43B110-D6A9-43B6-905D-DB403774E2FC}"/>
-              </a:ext>
-            </a:extLst>
-          </p:cNvPr>
-          <p:cNvSpPr>
-            <a:spLocks noGrp="1"/>
-          </p:cNvSpPr>
-          <p:nvPr>
-            <p:ph type="title"/>
-          </p:nvPr>
-        </p:nvSpPr>
-        <p:spPr>
-          <a:xfrm>
-            <a:off x="304800" y="117580"/>
-            <a:ext cx="11582400" cy="990251"/>
-          </a:xfrm>
-        </p:spPr>
-        <p:txBody>
-          <a:bodyPr/>
-          <a:lstStyle/>
-          <a:p>
-            <a:pPr algn="ctr"/>
-            <a:r>
-              <a:rPr lang="en-US" dirty="0">
-                <a:solidFill>
-                  <a:schemeClr val="bg1"/>
-                </a:solidFill>
-              </a:rPr>
-              <a:t>#1) Age at Release 		#2) Judicial District</a:t>
-            </a:r>
-          </a:p>
-        </p:txBody>
-      </p:sp>
-      <p:pic>
-        <p:nvPicPr>
-          <p:cNvPr id="22" name="Content Placeholder 21" descr="A screenshot of a cell phone&#10;&#10;Description automatically generated">
-            <a:extLst>
-              <a:ext uri="{FF2B5EF4-FFF2-40B4-BE49-F238E27FC236}">
-                <a16:creationId xmlns:a16="http://schemas.microsoft.com/office/drawing/2014/main" id="{7DBC0DB9-5EB1-46C5-95CD-FF027F355148}"/>
-              </a:ext>
-            </a:extLst>
-          </p:cNvPr>
-          <p:cNvPicPr>
-            <a:picLocks noGrp="1" noChangeAspect="1"/>
-          </p:cNvPicPr>
-          <p:nvPr>
-            <p:ph sz="half" idx="2"/>
-          </p:nvPr>
-        </p:nvPicPr>
-        <p:blipFill rotWithShape="1">
-          <a:blip r:embed="rId2">
-            <a:extLst>
-              <a:ext uri="{28A0092B-C50C-407E-A947-70E740481C1C}">
-                <a14:useLocalDpi xmlns:a14="http://schemas.microsoft.com/office/drawing/2010/main" val="0"/>
-              </a:ext>
-            </a:extLst>
-          </a:blip>
-          <a:srcRect r="14290"/>
-          <a:stretch/>
-        </p:blipFill>
-        <p:spPr>
-          <a:xfrm>
-            <a:off x="5582175" y="1690688"/>
-            <a:ext cx="5962126" cy="4843052"/>
-          </a:xfrm>
-        </p:spPr>
-      </p:pic>
-      <p:pic>
-        <p:nvPicPr>
-          <p:cNvPr id="23" name="Content Placeholder 19" descr="A screenshot of a cell phone&#10;&#10;Description automatically generated">
-            <a:extLst>
-              <a:ext uri="{FF2B5EF4-FFF2-40B4-BE49-F238E27FC236}">
-                <a16:creationId xmlns:a16="http://schemas.microsoft.com/office/drawing/2014/main" id="{26CE598A-DC61-4334-9F99-48A3F1F4E68F}"/>
-              </a:ext>
-            </a:extLst>
-          </p:cNvPr>
-          <p:cNvPicPr>
-            <a:picLocks noChangeAspect="1"/>
-          </p:cNvPicPr>
-          <p:nvPr/>
-        </p:nvPicPr>
-        <p:blipFill rotWithShape="1">
-          <a:blip r:embed="rId3">
-            <a:extLst>
-              <a:ext uri="{28A0092B-C50C-407E-A947-70E740481C1C}">
-                <a14:useLocalDpi xmlns:a14="http://schemas.microsoft.com/office/drawing/2010/main" val="0"/>
-              </a:ext>
-            </a:extLst>
-          </a:blip>
-          <a:srcRect l="79106" b="85697"/>
-          <a:stretch/>
-        </p:blipFill>
-        <p:spPr>
-          <a:xfrm>
-            <a:off x="5391562" y="1289947"/>
-            <a:ext cx="1185084" cy="801482"/>
-          </a:xfrm>
-          <a:prstGeom prst="rect">
-            <a:avLst/>
-          </a:prstGeom>
-        </p:spPr>
-      </p:pic>
-      <p:pic>
-        <p:nvPicPr>
-          <p:cNvPr id="26" name="Picture 25">
-            <a:extLst>
-              <a:ext uri="{FF2B5EF4-FFF2-40B4-BE49-F238E27FC236}">
-                <a16:creationId xmlns:a16="http://schemas.microsoft.com/office/drawing/2014/main" id="{ABE89E76-ABE7-472E-8F69-FB69EC379FCA}"/>
-              </a:ext>
-            </a:extLst>
-          </p:cNvPr>
-          <p:cNvPicPr>
-            <a:picLocks noChangeAspect="1"/>
-          </p:cNvPicPr>
-          <p:nvPr/>
-        </p:nvPicPr>
-        <p:blipFill>
-          <a:blip r:embed="rId4"/>
-          <a:stretch>
-            <a:fillRect/>
-          </a:stretch>
-        </p:blipFill>
-        <p:spPr>
-          <a:xfrm>
-            <a:off x="770893" y="1771650"/>
-            <a:ext cx="4375500" cy="4762090"/>
-          </a:xfrm>
-          <a:prstGeom prst="rect">
-            <a:avLst/>
-          </a:prstGeom>
-        </p:spPr>
-      </p:pic>
-    </p:spTree>
-    <p:extLst>
-      <p:ext uri="{BB962C8B-B14F-4D97-AF65-F5344CB8AC3E}">
-        <p14:creationId xmlns:p14="http://schemas.microsoft.com/office/powerpoint/2010/main" val="2657209460"/>
-      </p:ext>
-    </p:extLst>
-  </p:cSld>
-  <p:clrMapOvr>
-    <a:masterClrMapping/>
-  </p:clrMapOvr>
-</p:sld>
-</file>
-
-<file path=ppt/slides/slide7.xml><?xml version="1.0" encoding="utf-8"?>
-<p:sld xmlns:a="http://schemas.openxmlformats.org/drawingml/2006/main" xmlns:r="http://schemas.openxmlformats.org/officeDocument/2006/relationships" xmlns:p="http://schemas.openxmlformats.org/presentationml/2006/main">
-  <p:cSld>
-    <p:spTree>
-      <p:nvGrpSpPr>
-        <p:cNvPr id="1" name=""/>
-        <p:cNvGrpSpPr/>
-        <p:nvPr/>
-      </p:nvGrpSpPr>
-      <p:grpSpPr>
-        <a:xfrm>
-          <a:off x="0" y="0"/>
-          <a:ext cx="0" cy="0"/>
-          <a:chOff x="0" y="0"/>
-          <a:chExt cx="0" cy="0"/>
-        </a:xfrm>
-      </p:grpSpPr>
-      <p:sp>
-        <p:nvSpPr>
-          <p:cNvPr id="21" name="Rectangle 20">
-            <a:extLst>
-              <a:ext uri="{FF2B5EF4-FFF2-40B4-BE49-F238E27FC236}">
-                <a16:creationId xmlns:a16="http://schemas.microsoft.com/office/drawing/2014/main" id="{A908F8A5-3734-4943-AF82-E7688B33910F}"/>
-              </a:ext>
-            </a:extLst>
-          </p:cNvPr>
-          <p:cNvSpPr/>
-          <p:nvPr/>
-        </p:nvSpPr>
-        <p:spPr>
-          <a:xfrm>
-            <a:off x="304800" y="117580"/>
-            <a:ext cx="11582400" cy="1073045"/>
-          </a:xfrm>
-          <a:prstGeom prst="rect">
-            <a:avLst/>
-          </a:prstGeom>
-          <a:solidFill>
-            <a:schemeClr val="tx1">
-              <a:lumMod val="75000"/>
-              <a:lumOff val="25000"/>
-            </a:schemeClr>
-          </a:solidFill>
-          <a:ln w="63500" cmpd="thinThick">
-            <a:solidFill>
-              <a:schemeClr val="tx1">
-                <a:lumMod val="75000"/>
-                <a:lumOff val="25000"/>
-              </a:schemeClr>
-            </a:solidFill>
-          </a:ln>
-        </p:spPr>
-        <p:style>
-          <a:lnRef idx="2">
-            <a:schemeClr val="dk1">
-              <a:shade val="50000"/>
-            </a:schemeClr>
-          </a:lnRef>
-          <a:fillRef idx="1">
-            <a:schemeClr val="dk1"/>
-          </a:fillRef>
-          <a:effectRef idx="0">
-            <a:schemeClr val="dk1"/>
-          </a:effectRef>
-          <a:fontRef idx="minor">
-            <a:schemeClr val="lt1"/>
-          </a:fontRef>
-        </p:style>
-        <p:txBody>
-          <a:bodyPr rtlCol="0" anchor="ctr"/>
-          <a:lstStyle/>
-          <a:p>
-            <a:pPr algn="ctr"/>
-            <a:endParaRPr lang="en-US" sz="1400" dirty="0"/>
-          </a:p>
-        </p:txBody>
-      </p:sp>
-      <p:sp>
-        <p:nvSpPr>
-          <p:cNvPr id="2" name="Title 1">
-            <a:extLst>
-              <a:ext uri="{FF2B5EF4-FFF2-40B4-BE49-F238E27FC236}">
-                <a16:creationId xmlns:a16="http://schemas.microsoft.com/office/drawing/2014/main" id="{5AA86BCB-8D80-4C57-8FBF-587866BDC26F}"/>
-              </a:ext>
-            </a:extLst>
-          </p:cNvPr>
-          <p:cNvSpPr>
-            <a:spLocks noGrp="1"/>
-          </p:cNvSpPr>
-          <p:nvPr>
-            <p:ph type="title"/>
-          </p:nvPr>
-        </p:nvSpPr>
-        <p:spPr>
-          <a:xfrm>
-            <a:off x="838200" y="304730"/>
-            <a:ext cx="10515600" cy="698744"/>
-          </a:xfrm>
-        </p:spPr>
-        <p:txBody>
-          <a:bodyPr>
-            <a:normAutofit fontScale="90000"/>
-          </a:bodyPr>
-          <a:lstStyle/>
-          <a:p>
-            <a:pPr algn="ctr"/>
-            <a:r>
-              <a:rPr lang="en-US" dirty="0">
-                <a:solidFill>
-                  <a:schemeClr val="bg1"/>
-                </a:solidFill>
-              </a:rPr>
-              <a:t>#3) Release Type 		#4) Crime Type-Subtypes</a:t>
-            </a:r>
-          </a:p>
-        </p:txBody>
-      </p:sp>
-      <p:pic>
-        <p:nvPicPr>
-          <p:cNvPr id="14" name="Content Placeholder 13" descr="A screenshot of a cell phone&#10;&#10;Description automatically generated">
-            <a:extLst>
-              <a:ext uri="{FF2B5EF4-FFF2-40B4-BE49-F238E27FC236}">
-                <a16:creationId xmlns:a16="http://schemas.microsoft.com/office/drawing/2014/main" id="{341C4115-D390-46E4-8F71-6E1DB79A3BF3}"/>
-              </a:ext>
-            </a:extLst>
-          </p:cNvPr>
-          <p:cNvPicPr>
-            <a:picLocks noGrp="1" noChangeAspect="1"/>
-          </p:cNvPicPr>
-          <p:nvPr>
-            <p:ph sz="half" idx="1"/>
-          </p:nvPr>
-        </p:nvPicPr>
-        <p:blipFill rotWithShape="1">
-          <a:blip r:embed="rId2">
-            <a:extLst>
-              <a:ext uri="{28A0092B-C50C-407E-A947-70E740481C1C}">
-                <a14:useLocalDpi xmlns:a14="http://schemas.microsoft.com/office/drawing/2010/main" val="0"/>
-              </a:ext>
-            </a:extLst>
-          </a:blip>
-          <a:srcRect r="13924"/>
-          <a:stretch/>
-        </p:blipFill>
-        <p:spPr>
-          <a:xfrm>
-            <a:off x="12573" y="1226616"/>
-            <a:ext cx="6105849" cy="5395363"/>
-          </a:xfrm>
-        </p:spPr>
-      </p:pic>
-      <p:pic>
-        <p:nvPicPr>
-          <p:cNvPr id="16" name="Content Placeholder 15" descr="A screenshot of a cell phone&#10;&#10;Description automatically generated">
-            <a:extLst>
-              <a:ext uri="{FF2B5EF4-FFF2-40B4-BE49-F238E27FC236}">
-                <a16:creationId xmlns:a16="http://schemas.microsoft.com/office/drawing/2014/main" id="{2B83CA0E-B057-4A52-A9C1-A2178096F66E}"/>
-              </a:ext>
-            </a:extLst>
-          </p:cNvPr>
-          <p:cNvPicPr>
-            <a:picLocks noGrp="1" noChangeAspect="1"/>
-          </p:cNvPicPr>
-          <p:nvPr>
-            <p:ph sz="half" idx="2"/>
-          </p:nvPr>
-        </p:nvPicPr>
-        <p:blipFill rotWithShape="1">
-          <a:blip r:embed="rId3">
-            <a:extLst>
-              <a:ext uri="{28A0092B-C50C-407E-A947-70E740481C1C}">
-                <a14:useLocalDpi xmlns:a14="http://schemas.microsoft.com/office/drawing/2010/main" val="0"/>
-              </a:ext>
-            </a:extLst>
-          </a:blip>
-          <a:srcRect r="15073"/>
-          <a:stretch/>
-        </p:blipFill>
-        <p:spPr>
-          <a:xfrm>
-            <a:off x="6336120" y="1238249"/>
-            <a:ext cx="5770156" cy="5640909"/>
-          </a:xfrm>
-        </p:spPr>
-      </p:pic>
-      <p:pic>
-        <p:nvPicPr>
-          <p:cNvPr id="17" name="Content Placeholder 19" descr="A screenshot of a cell phone&#10;&#10;Description automatically generated">
-            <a:extLst>
-              <a:ext uri="{FF2B5EF4-FFF2-40B4-BE49-F238E27FC236}">
-                <a16:creationId xmlns:a16="http://schemas.microsoft.com/office/drawing/2014/main" id="{6B1B4479-E5C0-44F6-8EBB-7EE65CD69BE6}"/>
-              </a:ext>
-            </a:extLst>
-          </p:cNvPr>
-          <p:cNvPicPr>
-            <a:picLocks noChangeAspect="1"/>
-          </p:cNvPicPr>
-          <p:nvPr/>
-        </p:nvPicPr>
-        <p:blipFill rotWithShape="1">
-          <a:blip r:embed="rId4">
-            <a:extLst>
-              <a:ext uri="{28A0092B-C50C-407E-A947-70E740481C1C}">
-                <a14:useLocalDpi xmlns:a14="http://schemas.microsoft.com/office/drawing/2010/main" val="0"/>
-              </a:ext>
-            </a:extLst>
-          </a:blip>
-          <a:srcRect l="79106" b="85697"/>
-          <a:stretch/>
-        </p:blipFill>
-        <p:spPr>
-          <a:xfrm>
-            <a:off x="4836711" y="2216960"/>
-            <a:ext cx="1185084" cy="801482"/>
-          </a:xfrm>
-          <a:prstGeom prst="rect">
-            <a:avLst/>
-          </a:prstGeom>
-        </p:spPr>
-      </p:pic>
-    </p:spTree>
-    <p:extLst>
-      <p:ext uri="{BB962C8B-B14F-4D97-AF65-F5344CB8AC3E}">
-        <p14:creationId xmlns:p14="http://schemas.microsoft.com/office/powerpoint/2010/main" val="543213359"/>
-      </p:ext>
-    </p:extLst>
-  </p:cSld>
-  <p:clrMapOvr>
-    <a:masterClrMapping/>
-  </p:clrMapOvr>
-</p:sld>
-</file>
-
-<file path=ppt/slides/slide8.xml><?xml version="1.0" encoding="utf-8"?>
-<p:sld xmlns:a="http://schemas.openxmlformats.org/drawingml/2006/main" xmlns:r="http://schemas.openxmlformats.org/officeDocument/2006/relationships" xmlns:p="http://schemas.openxmlformats.org/presentationml/2006/main">
-  <p:cSld>
-    <p:bg>
-      <p:bgPr>
-        <a:solidFill>
-          <a:schemeClr val="bg1"/>
-        </a:solidFill>
-        <a:effectLst/>
-      </p:bgPr>
-    </p:bg>
-    <p:spTree>
-      <p:nvGrpSpPr>
-        <p:cNvPr id="1" name=""/>
-        <p:cNvGrpSpPr/>
-        <p:nvPr/>
-      </p:nvGrpSpPr>
-      <p:grpSpPr>
-        <a:xfrm>
-          <a:off x="0" y="0"/>
-          <a:ext cx="0" cy="0"/>
-          <a:chOff x="0" y="0"/>
-          <a:chExt cx="0" cy="0"/>
-        </a:xfrm>
-      </p:grpSpPr>
-      <p:sp>
-        <p:nvSpPr>
-          <p:cNvPr id="2" name="Title 1">
-            <a:extLst>
-              <a:ext uri="{FF2B5EF4-FFF2-40B4-BE49-F238E27FC236}">
-                <a16:creationId xmlns:a16="http://schemas.microsoft.com/office/drawing/2014/main" id="{10352341-E53D-4501-ACD1-CE6F881A0CD4}"/>
-              </a:ext>
-            </a:extLst>
-          </p:cNvPr>
-          <p:cNvSpPr>
-            <a:spLocks noGrp="1"/>
-          </p:cNvSpPr>
-          <p:nvPr>
-            <p:ph type="title"/>
-          </p:nvPr>
-        </p:nvSpPr>
-        <p:spPr>
-          <a:xfrm>
-            <a:off x="1571811" y="1573586"/>
-            <a:ext cx="9122584" cy="1325563"/>
-          </a:xfrm>
-        </p:spPr>
-        <p:txBody>
-          <a:bodyPr>
-            <a:normAutofit/>
-          </a:bodyPr>
-          <a:lstStyle/>
-          <a:p>
-            <a:r>
-              <a:rPr lang="en-US" dirty="0"/>
-              <a:t>Conclusions &amp; Recommendations</a:t>
-            </a:r>
-          </a:p>
-        </p:txBody>
-      </p:sp>
-      <p:sp>
-        <p:nvSpPr>
-          <p:cNvPr id="3" name="Content Placeholder 2">
-            <a:extLst>
-              <a:ext uri="{FF2B5EF4-FFF2-40B4-BE49-F238E27FC236}">
-                <a16:creationId xmlns:a16="http://schemas.microsoft.com/office/drawing/2014/main" id="{DE892EAF-AB86-4240-9A13-49A026CDBB55}"/>
-              </a:ext>
-            </a:extLst>
-          </p:cNvPr>
-          <p:cNvSpPr>
-            <a:spLocks noGrp="1"/>
-          </p:cNvSpPr>
-          <p:nvPr>
-            <p:ph idx="1"/>
-          </p:nvPr>
-        </p:nvSpPr>
-        <p:spPr>
-          <a:xfrm>
-            <a:off x="1571811" y="3060017"/>
-            <a:ext cx="6066118" cy="2438546"/>
-          </a:xfrm>
-        </p:spPr>
-        <p:txBody>
-          <a:bodyPr>
-            <a:normAutofit lnSpcReduction="10000"/>
-          </a:bodyPr>
-          <a:lstStyle/>
-          <a:p>
-            <a:r>
-              <a:rPr lang="en-IN" sz="2000" dirty="0"/>
-              <a:t>Using our model,</a:t>
-            </a:r>
-            <a:br>
-              <a:rPr lang="en-IN" sz="2000" dirty="0"/>
-            </a:br>
-            <a:r>
-              <a:rPr lang="en-IN" sz="2000" b="1" dirty="0"/>
-              <a:t>Iowa Department of corrections can predict which prisoners may become recidivist.</a:t>
-            </a:r>
-          </a:p>
-          <a:p>
-            <a:r>
-              <a:rPr lang="en-IN" sz="2000" dirty="0"/>
-              <a:t>Using this information, Iowa can </a:t>
-            </a:r>
-            <a:r>
-              <a:rPr lang="en-IN" sz="2000" b="1" dirty="0"/>
-              <a:t>implement pre-release educational programs</a:t>
-            </a:r>
-            <a:r>
-              <a:rPr lang="en-IN" sz="2000" dirty="0"/>
-              <a:t> to target at-risk prisoners.</a:t>
-            </a:r>
-          </a:p>
-          <a:p>
-            <a:r>
-              <a:rPr lang="en-IN" sz="2000" dirty="0"/>
-              <a:t>Following release, Iowa could also </a:t>
-            </a:r>
-            <a:r>
-              <a:rPr lang="en-IN" sz="2000" b="1" dirty="0"/>
-              <a:t>provide  post-release support and intervention </a:t>
-            </a:r>
-            <a:r>
-              <a:rPr lang="en-IN" sz="2000" dirty="0"/>
-              <a:t>to at-risk prisoners. </a:t>
-            </a:r>
-            <a:endParaRPr lang="en-US" sz="2000" dirty="0"/>
-          </a:p>
-        </p:txBody>
-      </p:sp>
-      <p:sp>
-        <p:nvSpPr>
-          <p:cNvPr id="17" name="Freeform 6">
-            <a:extLst>
-              <a:ext uri="{FF2B5EF4-FFF2-40B4-BE49-F238E27FC236}">
-                <a16:creationId xmlns:a16="http://schemas.microsoft.com/office/drawing/2014/main" id="{A9616D99-AEFB-4C95-84EF-5DEC698D92A7}"/>
-              </a:ext>
-              <a:ext uri="{C183D7F6-B498-43B3-948B-1728B52AA6E4}">
-                <adec:decorative xmlns:adec="http://schemas.microsoft.com/office/drawing/2017/decorative" val="1"/>
-              </a:ext>
-            </a:extLst>
-          </p:cNvPr>
-          <p:cNvSpPr>
-            <a:spLocks noGrp="1" noRot="1" noChangeAspect="1" noMove="1" noResize="1" noEditPoints="1" noAdjustHandles="1" noChangeArrowheads="1" noChangeShapeType="1" noTextEdit="1"/>
-          </p:cNvSpPr>
-          <p:nvPr>
-            <p:extLst>
-              <p:ext uri="{386F3935-93C4-4BCD-93E2-E3B085C9AB24}">
-                <p16:designElem xmlns:p16="http://schemas.microsoft.com/office/powerpoint/2015/main" val="1"/>
-              </p:ext>
-            </p:extLst>
-          </p:nvPr>
-        </p:nvSpPr>
-        <p:spPr bwMode="auto">
-          <a:xfrm flipH="1" flipV="1">
-            <a:off x="752858" y="744469"/>
-            <a:ext cx="3275668" cy="4408488"/>
-          </a:xfrm>
-          <a:custGeom>
-            <a:avLst/>
-            <a:gdLst/>
-            <a:ahLst/>
-            <a:cxnLst/>
-            <a:rect l="l" t="t" r="r" b="b"/>
-            <a:pathLst>
-              <a:path w="10002" h="10000">
-                <a:moveTo>
-                  <a:pt x="8763" y="0"/>
-                </a:moveTo>
-                <a:lnTo>
-                  <a:pt x="10002" y="0"/>
-                </a:lnTo>
-                <a:lnTo>
-                  <a:pt x="10002" y="10000"/>
-                </a:lnTo>
-                <a:lnTo>
-                  <a:pt x="2" y="10000"/>
-                </a:lnTo>
-                <a:cubicBezTo>
-                  <a:pt x="-2" y="9698"/>
-                  <a:pt x="4" y="9427"/>
-                  <a:pt x="0" y="9125"/>
-                </a:cubicBezTo>
-                <a:lnTo>
-                  <a:pt x="8763" y="9128"/>
-                </a:lnTo>
-                <a:lnTo>
-                  <a:pt x="8763" y="0"/>
-                </a:lnTo>
-                <a:close/>
-              </a:path>
-            </a:pathLst>
-          </a:custGeom>
-          <a:solidFill>
-            <a:srgbClr val="4C4C4C"/>
-          </a:solidFill>
-          <a:ln w="0">
-            <a:noFill/>
-            <a:prstDash val="solid"/>
-            <a:round/>
-            <a:headEnd/>
-            <a:tailEnd/>
-          </a:ln>
-        </p:spPr>
-      </p:sp>
-      <p:sp>
-        <p:nvSpPr>
-          <p:cNvPr id="19" name="Freeform 6">
-            <a:extLst>
-              <a:ext uri="{FF2B5EF4-FFF2-40B4-BE49-F238E27FC236}">
-                <a16:creationId xmlns:a16="http://schemas.microsoft.com/office/drawing/2014/main" id="{D0F97023-F626-4FC5-8C2D-753B5C7F4606}"/>
-              </a:ext>
-              <a:ext uri="{C183D7F6-B498-43B3-948B-1728B52AA6E4}">
-                <adec:decorative xmlns:adec="http://schemas.microsoft.com/office/drawing/2017/decorative" val="1"/>
-              </a:ext>
-            </a:extLst>
-          </p:cNvPr>
-          <p:cNvSpPr>
-            <a:spLocks noGrp="1" noRot="1" noChangeAspect="1" noMove="1" noResize="1" noEditPoints="1" noAdjustHandles="1" noChangeArrowheads="1" noChangeShapeType="1" noTextEdit="1"/>
-          </p:cNvSpPr>
-          <p:nvPr>
-            <p:extLst>
-              <p:ext uri="{386F3935-93C4-4BCD-93E2-E3B085C9AB24}">
-                <p16:designElem xmlns:p16="http://schemas.microsoft.com/office/powerpoint/2015/main" val="1"/>
-              </p:ext>
-            </p:extLst>
-          </p:nvPr>
-        </p:nvSpPr>
-        <p:spPr bwMode="auto">
-          <a:xfrm>
-            <a:off x="8151962" y="1685652"/>
-            <a:ext cx="3275013" cy="4408488"/>
-          </a:xfrm>
-          <a:custGeom>
-            <a:avLst/>
-            <a:gdLst/>
-            <a:ahLst/>
-            <a:cxnLst/>
-            <a:rect l="l" t="t" r="r" b="b"/>
-            <a:pathLst>
-              <a:path w="10000" h="10000">
-                <a:moveTo>
-                  <a:pt x="8761" y="0"/>
-                </a:moveTo>
-                <a:lnTo>
-                  <a:pt x="10000" y="0"/>
-                </a:lnTo>
-                <a:lnTo>
-                  <a:pt x="10000" y="10000"/>
-                </a:lnTo>
-                <a:lnTo>
-                  <a:pt x="0" y="10000"/>
-                </a:lnTo>
-                <a:lnTo>
-                  <a:pt x="0" y="9126"/>
-                </a:lnTo>
-                <a:lnTo>
-                  <a:pt x="8761" y="9127"/>
-                </a:lnTo>
-                <a:lnTo>
-                  <a:pt x="8761" y="0"/>
-                </a:lnTo>
-                <a:close/>
-              </a:path>
-            </a:pathLst>
-          </a:custGeom>
-          <a:solidFill>
-            <a:srgbClr val="4C4C4C"/>
-          </a:solidFill>
-          <a:ln w="0">
-            <a:noFill/>
-            <a:prstDash val="solid"/>
-            <a:round/>
-            <a:headEnd/>
-            <a:tailEnd/>
-          </a:ln>
-        </p:spPr>
-      </p:sp>
-      <p:pic>
-        <p:nvPicPr>
-          <p:cNvPr id="7" name="Graphic 6" descr="Checkmark">
-            <a:extLst>
-              <a:ext uri="{FF2B5EF4-FFF2-40B4-BE49-F238E27FC236}">
-                <a16:creationId xmlns:a16="http://schemas.microsoft.com/office/drawing/2014/main" id="{9D33B5D0-5BA6-4C7F-BE71-744A5DFBAF69}"/>
-              </a:ext>
-            </a:extLst>
-          </p:cNvPr>
-          <p:cNvPicPr>
-            <a:picLocks noChangeAspect="1"/>
-          </p:cNvPicPr>
-          <p:nvPr/>
-        </p:nvPicPr>
-        <p:blipFill>
-          <a:blip r:embed="rId2">
-            <a:extLst>
-              <a:ext uri="{28A0092B-C50C-407E-A947-70E740481C1C}">
-                <a14:useLocalDpi xmlns:a14="http://schemas.microsoft.com/office/drawing/2010/main" val="0"/>
-              </a:ext>
-              <a:ext uri="{96DAC541-7B7A-43D3-8B79-37D633B846F1}">
-                <asvg:svgBlip xmlns:asvg="http://schemas.microsoft.com/office/drawing/2016/SVG/main" r:embed="rId3"/>
-              </a:ext>
-            </a:extLst>
-          </a:blip>
-          <a:stretch>
-            <a:fillRect/>
-          </a:stretch>
-        </p:blipFill>
-        <p:spPr>
-          <a:xfrm>
-            <a:off x="8325899" y="3191551"/>
-            <a:ext cx="2194559" cy="2194559"/>
-          </a:xfrm>
-          <a:prstGeom prst="rect">
-            <a:avLst/>
-          </a:prstGeom>
-        </p:spPr>
-      </p:pic>
-    </p:spTree>
-    <p:extLst>
-      <p:ext uri="{BB962C8B-B14F-4D97-AF65-F5344CB8AC3E}">
-        <p14:creationId xmlns:p14="http://schemas.microsoft.com/office/powerpoint/2010/main" val="3633795809"/>
-      </p:ext>
-    </p:extLst>
-  </p:cSld>
-  <p:clrMapOvr>
-    <a:masterClrMapping/>
-  </p:clrMapOvr>
-</p:sld>
-</file>
-
-<file path=ppt/slides/slide9.xml><?xml version="1.0" encoding="utf-8"?>
+<file path=ppt/slides/slide4.xml><?xml version="1.0" encoding="utf-8"?>
 <p:sld xmlns:a="http://schemas.openxmlformats.org/drawingml/2006/main" xmlns:r="http://schemas.openxmlformats.org/officeDocument/2006/relationships" xmlns:p="http://schemas.openxmlformats.org/presentationml/2006/main">
   <p:cSld>
     <p:bg>
@@ -5926,10 +5323,10 @@
       </p:grpSpPr>
       <p:sp>
         <p:nvSpPr>
-          <p:cNvPr id="2" name="Title 1">
-            <a:extLst>
-              <a:ext uri="{FF2B5EF4-FFF2-40B4-BE49-F238E27FC236}">
-                <a16:creationId xmlns:a16="http://schemas.microsoft.com/office/drawing/2014/main" id="{4A26AD3D-A272-4B13-BE34-EEF81C082C49}"/>
+          <p:cNvPr id="6" name="Title 5">
+            <a:extLst>
+              <a:ext uri="{FF2B5EF4-FFF2-40B4-BE49-F238E27FC236}">
+                <a16:creationId xmlns:a16="http://schemas.microsoft.com/office/drawing/2014/main" id="{E40B5BFA-F5E8-4CC1-B268-0DAD20115406}"/>
               </a:ext>
             </a:extLst>
           </p:cNvPr>
@@ -5942,30 +5339,57 @@
         </p:nvSpPr>
         <p:spPr>
           <a:xfrm>
-            <a:off x="762001" y="803325"/>
-            <a:ext cx="5314536" cy="1325563"/>
+            <a:off x="131885" y="356948"/>
+            <a:ext cx="6618256" cy="1325563"/>
           </a:xfrm>
         </p:spPr>
         <p:txBody>
-          <a:bodyPr>
+          <a:bodyPr vert="horz" lIns="91440" tIns="45720" rIns="91440" bIns="45720" rtlCol="0" anchor="ctr">
             <a:normAutofit/>
           </a:bodyPr>
           <a:lstStyle/>
           <a:p>
             <a:r>
-              <a:rPr lang="en-IN" dirty="0"/>
-              <a:t>THANK YOU</a:t>
-            </a:r>
-            <a:endParaRPr lang="en-US" dirty="0"/>
-          </a:p>
-        </p:txBody>
-      </p:sp>
-      <p:sp>
-        <p:nvSpPr>
-          <p:cNvPr id="3" name="Content Placeholder 2">
-            <a:extLst>
-              <a:ext uri="{FF2B5EF4-FFF2-40B4-BE49-F238E27FC236}">
-                <a16:creationId xmlns:a16="http://schemas.microsoft.com/office/drawing/2014/main" id="{E7E228F6-B9EC-4ACD-B289-E7B7F2E4E32C}"/>
+              <a:rPr lang="en-US" u="sng" kern="1200" dirty="0">
+                <a:solidFill>
+                  <a:schemeClr val="tx1"/>
+                </a:solidFill>
+                <a:latin typeface="+mj-lt"/>
+                <a:ea typeface="+mj-ea"/>
+                <a:cs typeface="+mj-cs"/>
+              </a:rPr>
+              <a:t>Data Source: </a:t>
+            </a:r>
+            <a:br>
+              <a:rPr lang="en-US" kern="1200" dirty="0">
+                <a:solidFill>
+                  <a:schemeClr val="tx1"/>
+                </a:solidFill>
+                <a:latin typeface="+mj-lt"/>
+                <a:ea typeface="+mj-ea"/>
+                <a:cs typeface="+mj-cs"/>
+              </a:rPr>
+            </a:br>
+            <a:r>
+              <a:rPr lang="en-US" kern="1200" dirty="0">
+                <a:solidFill>
+                  <a:schemeClr val="tx1"/>
+                </a:solidFill>
+                <a:latin typeface="+mj-lt"/>
+                <a:ea typeface="+mj-ea"/>
+                <a:cs typeface="+mj-cs"/>
+              </a:rPr>
+              <a:t>Iowa Dept. of Corrections</a:t>
+            </a:r>
+          </a:p>
+        </p:txBody>
+      </p:sp>
+      <p:sp>
+        <p:nvSpPr>
+          <p:cNvPr id="7" name="Content Placeholder 6">
+            <a:extLst>
+              <a:ext uri="{FF2B5EF4-FFF2-40B4-BE49-F238E27FC236}">
+                <a16:creationId xmlns:a16="http://schemas.microsoft.com/office/drawing/2014/main" id="{F936B939-A8FA-44CC-9A2F-64AA70DEE3FB}"/>
               </a:ext>
             </a:extLst>
           </p:cNvPr>
@@ -5973,123 +5397,98 @@
             <a:spLocks noGrp="1"/>
           </p:cNvSpPr>
           <p:nvPr>
-            <p:ph idx="1"/>
+            <p:ph sz="half" idx="2"/>
           </p:nvPr>
         </p:nvSpPr>
         <p:spPr>
           <a:xfrm>
-            <a:off x="104775" y="2279017"/>
-            <a:ext cx="6478005" cy="4474207"/>
+            <a:off x="467324" y="1682511"/>
+            <a:ext cx="7023722" cy="5103771"/>
           </a:xfrm>
         </p:spPr>
         <p:txBody>
-          <a:bodyPr anchor="t">
-            <a:normAutofit/>
+          <a:bodyPr vert="horz" lIns="91440" tIns="45720" rIns="91440" bIns="45720" rtlCol="0" anchor="t">
+            <a:normAutofit fontScale="92500" lnSpcReduction="20000"/>
           </a:bodyPr>
           <a:lstStyle/>
           <a:p>
-            <a:r>
-              <a:rPr lang="en-IN" sz="2400" dirty="0"/>
-              <a:t>Michael </a:t>
-            </a:r>
-            <a:r>
-              <a:rPr lang="en-IN" sz="2400" dirty="0" err="1"/>
-              <a:t>Moravetz</a:t>
-            </a:r>
-            <a:r>
-              <a:rPr lang="en-IN" sz="2400" dirty="0"/>
-              <a:t> – </a:t>
-            </a:r>
-            <a:r>
-              <a:rPr lang="en-US" sz="2400" dirty="0"/>
-              <a:t> Collaborator</a:t>
-            </a:r>
-          </a:p>
-          <a:p>
-            <a:r>
-              <a:rPr lang="en-US" sz="2400" u="sng" dirty="0"/>
-              <a:t>Flatiron School – Data Science Bootcamp </a:t>
-            </a:r>
-          </a:p>
-          <a:p>
-            <a:pPr lvl="1"/>
-            <a:r>
-              <a:rPr lang="en-US" sz="2000" dirty="0"/>
-              <a:t>Brandon Lewis – Instructor </a:t>
-            </a:r>
-          </a:p>
-          <a:p>
-            <a:pPr lvl="1"/>
-            <a:r>
-              <a:rPr lang="en-US" sz="2000" dirty="0"/>
-              <a:t>Jeff Herman – Advisor</a:t>
-            </a:r>
-          </a:p>
-          <a:p>
-            <a:r>
-              <a:rPr lang="en-IN" sz="2400" u="sng" dirty="0"/>
-              <a:t>Python Packages:</a:t>
-            </a:r>
-          </a:p>
-          <a:p>
-            <a:pPr lvl="1"/>
-            <a:r>
-              <a:rPr lang="en-IN" sz="2000" dirty="0"/>
-              <a:t>Cookie-Cutter Python Package </a:t>
-            </a:r>
-          </a:p>
-          <a:p>
-            <a:pPr lvl="2"/>
-            <a:r>
-              <a:rPr lang="en-IN" dirty="0"/>
-              <a:t>for Enabling </a:t>
-            </a:r>
-            <a:r>
-              <a:rPr lang="en-IN" dirty="0" err="1"/>
-              <a:t>BroadSteel_DataScience</a:t>
-            </a:r>
-            <a:r>
-              <a:rPr lang="en-IN" dirty="0"/>
-              <a:t> </a:t>
-            </a:r>
-          </a:p>
-          <a:p>
-            <a:pPr lvl="2"/>
-            <a:r>
-              <a:rPr lang="en-US" dirty="0">
-                <a:hlinkClick r:id="rId2"/>
-              </a:rPr>
-              <a:t>https://cookiecutter-pypackage.readthedocs.io/en/latest/</a:t>
-            </a:r>
-            <a:endParaRPr lang="en-US" dirty="0"/>
-          </a:p>
-          <a:p>
-            <a:pPr lvl="1"/>
-            <a:r>
-              <a:rPr lang="en-US" sz="2000" dirty="0" err="1"/>
-              <a:t>CatBoost</a:t>
-            </a:r>
-            <a:r>
-              <a:rPr lang="en-US" sz="2000" dirty="0"/>
-              <a:t> Machine Learning Package</a:t>
-            </a:r>
-          </a:p>
-          <a:p>
-            <a:pPr lvl="2"/>
-            <a:r>
-              <a:rPr lang="en-US" dirty="0"/>
-              <a:t>Superior Modeling with categorical data.</a:t>
-            </a:r>
-          </a:p>
-          <a:p>
-            <a:pPr lvl="1"/>
-            <a:endParaRPr lang="en-IN" dirty="0"/>
-          </a:p>
-        </p:txBody>
-      </p:sp>
-      <p:sp>
-        <p:nvSpPr>
-          <p:cNvPr id="10" name="Freeform: Shape 9">
+            <a:pPr marL="0" indent="0">
+              <a:buNone/>
+            </a:pPr>
+            <a:br>
+              <a:rPr lang="en-US" sz="1100" u="sng" dirty="0"/>
+            </a:br>
+            <a:r>
+              <a:rPr lang="en-US" sz="4100" u="sng" dirty="0"/>
+              <a:t>Features Analyzed:</a:t>
+            </a:r>
+            <a:endParaRPr lang="en-US" sz="1800" u="sng" dirty="0"/>
+          </a:p>
+          <a:p>
+            <a:r>
+              <a:rPr lang="en-US" sz="2600" dirty="0"/>
+              <a:t>Convicting Offense Classification </a:t>
+            </a:r>
+          </a:p>
+          <a:p>
+            <a:r>
+              <a:rPr lang="en-US" sz="2600" dirty="0"/>
+              <a:t>Convicting Offense Type </a:t>
+            </a:r>
+          </a:p>
+          <a:p>
+            <a:r>
+              <a:rPr lang="en-US" sz="2600" dirty="0"/>
+              <a:t>Convicting Offense Subtype </a:t>
+            </a:r>
+          </a:p>
+          <a:p>
+            <a:r>
+              <a:rPr lang="en-US" sz="2600" dirty="0"/>
+              <a:t>Release Type </a:t>
+            </a:r>
+          </a:p>
+          <a:p>
+            <a:r>
+              <a:rPr lang="en-US" sz="2600" dirty="0"/>
+              <a:t>Main Supervising Judicial District </a:t>
+            </a:r>
+          </a:p>
+          <a:p>
+            <a:endParaRPr lang="en-US" sz="2600" dirty="0"/>
+          </a:p>
+          <a:p>
+            <a:r>
+              <a:rPr lang="en-US" sz="2600" dirty="0"/>
+              <a:t>Race - Ethnicity </a:t>
+            </a:r>
+          </a:p>
+          <a:p>
+            <a:r>
+              <a:rPr lang="en-US" sz="2600" dirty="0"/>
+              <a:t>Part of Target Population </a:t>
+            </a:r>
+          </a:p>
+          <a:p>
+            <a:endParaRPr lang="en-US" sz="2600" dirty="0"/>
+          </a:p>
+          <a:p>
+            <a:r>
+              <a:rPr lang="en-US" sz="2600" dirty="0"/>
+              <a:t>Fiscal Year Released </a:t>
+            </a:r>
+          </a:p>
+          <a:p>
+            <a:r>
+              <a:rPr lang="en-US" sz="2600" dirty="0"/>
+              <a:t>Recidivism Reporting Year</a:t>
+            </a:r>
+          </a:p>
+        </p:txBody>
+      </p:sp>
+      <p:sp>
+        <p:nvSpPr>
+          <p:cNvPr id="26" name="Freeform: Shape 25">
             <a:extLst>
               <a:ext uri="{FF2B5EF4-FFF2-40B4-BE49-F238E27FC236}">
                 <a16:creationId xmlns:a16="http://schemas.microsoft.com/office/drawing/2014/main" id="{CF62D2A7-8207-488C-9F46-316BA81A16C8}"/>
@@ -6256,7 +5655,7 @@
       </p:sp>
       <p:sp>
         <p:nvSpPr>
-          <p:cNvPr id="12" name="Freeform: Shape 11">
+          <p:cNvPr id="31" name="Freeform: Shape 27">
             <a:extLst>
               <a:ext uri="{FF2B5EF4-FFF2-40B4-BE49-F238E27FC236}">
                 <a16:creationId xmlns:a16="http://schemas.microsoft.com/office/drawing/2014/main" id="{52AC6D7F-F068-4E11-BB06-F601D89BB980}"/>
@@ -6421,37 +5820,37 @@
       </p:sp>
       <p:pic>
         <p:nvPicPr>
-          <p:cNvPr id="7" name="Graphic 6" descr="Star">
-            <a:extLst>
-              <a:ext uri="{FF2B5EF4-FFF2-40B4-BE49-F238E27FC236}">
-                <a16:creationId xmlns:a16="http://schemas.microsoft.com/office/drawing/2014/main" id="{78C8DEE5-A90A-49C8-B9DF-B8DC6137626A}"/>
+          <p:cNvPr id="5" name="Content Placeholder 4">
+            <a:extLst>
+              <a:ext uri="{FF2B5EF4-FFF2-40B4-BE49-F238E27FC236}">
+                <a16:creationId xmlns:a16="http://schemas.microsoft.com/office/drawing/2014/main" id="{5B4AE1B0-4A95-46EF-81F1-ABD1F4C96FEE}"/>
               </a:ext>
             </a:extLst>
           </p:cNvPr>
           <p:cNvPicPr>
-            <a:picLocks noChangeAspect="1"/>
+            <a:picLocks noGrp="1" noChangeAspect="1"/>
           </p:cNvPicPr>
-          <p:nvPr/>
+          <p:nvPr>
+            <p:ph sz="half" idx="1"/>
+          </p:nvPr>
         </p:nvPicPr>
-        <p:blipFill>
-          <a:blip r:embed="rId3">
+        <p:blipFill rotWithShape="1">
+          <a:blip r:embed="rId2">
             <a:extLst>
               <a:ext uri="{28A0092B-C50C-407E-A947-70E740481C1C}">
                 <a14:useLocalDpi xmlns:a14="http://schemas.microsoft.com/office/drawing/2010/main" val="0"/>
               </a:ext>
-              <a:ext uri="{96DAC541-7B7A-43D3-8B79-37D633B846F1}">
-                <asvg:svgBlip xmlns:asvg="http://schemas.microsoft.com/office/drawing/2016/SVG/main" r:embed="rId4"/>
-              </a:ext>
             </a:extLst>
           </a:blip>
+          <a:srcRect l="21904" r="10492" b="-2"/>
           <a:stretch>
             <a:fillRect/>
           </a:stretch>
         </p:blipFill>
         <p:spPr>
           <a:xfrm>
-            <a:off x="7884057" y="643002"/>
-            <a:ext cx="3796790" cy="3796790"/>
+            <a:off x="7491046" y="544867"/>
+            <a:ext cx="4544056" cy="3983171"/>
           </a:xfrm>
           <a:prstGeom prst="rect">
             <a:avLst/>
@@ -6461,12 +5860,2565 @@
     </p:spTree>
     <p:extLst>
       <p:ext uri="{BB962C8B-B14F-4D97-AF65-F5344CB8AC3E}">
-        <p14:creationId xmlns:p14="http://schemas.microsoft.com/office/powerpoint/2010/main" val="3850931023"/>
+        <p14:creationId xmlns:p14="http://schemas.microsoft.com/office/powerpoint/2010/main" val="1703616229"/>
       </p:ext>
     </p:extLst>
   </p:cSld>
   <p:clrMapOvr>
     <a:overrideClrMapping bg1="dk1" tx1="lt1" bg2="dk2" tx2="lt2" accent1="accent1" accent2="accent2" accent3="accent3" accent4="accent4" accent5="accent5" accent6="accent6" hlink="hlink" folHlink="folHlink"/>
+  </p:clrMapOvr>
+  <p:timing>
+    <p:tnLst>
+      <p:par>
+        <p:cTn id="1" dur="indefinite" restart="never" nodeType="tmRoot">
+          <p:childTnLst>
+            <p:seq concurrent="1" nextAc="seek">
+              <p:cTn id="2" dur="indefinite" nodeType="mainSeq">
+                <p:childTnLst>
+                  <p:par>
+                    <p:cTn id="3" fill="hold">
+                      <p:stCondLst>
+                        <p:cond delay="indefinite"/>
+                      </p:stCondLst>
+                      <p:childTnLst>
+                        <p:par>
+                          <p:cTn id="4" fill="hold">
+                            <p:stCondLst>
+                              <p:cond delay="0"/>
+                            </p:stCondLst>
+                            <p:childTnLst>
+                              <p:par>
+                                <p:cTn id="5" presetID="10" presetClass="entr" presetSubtype="0" fill="hold" nodeType="clickEffect">
+                                  <p:stCondLst>
+                                    <p:cond delay="0"/>
+                                  </p:stCondLst>
+                                  <p:childTnLst>
+                                    <p:set>
+                                      <p:cBhvr>
+                                        <p:cTn id="6" dur="1" fill="hold">
+                                          <p:stCondLst>
+                                            <p:cond delay="0"/>
+                                          </p:stCondLst>
+                                        </p:cTn>
+                                        <p:tgtEl>
+                                          <p:spTgt spid="7">
+                                            <p:txEl>
+                                              <p:pRg st="0" end="0"/>
+                                            </p:txEl>
+                                          </p:spTgt>
+                                        </p:tgtEl>
+                                        <p:attrNameLst>
+                                          <p:attrName>style.visibility</p:attrName>
+                                        </p:attrNameLst>
+                                      </p:cBhvr>
+                                      <p:to>
+                                        <p:strVal val="visible"/>
+                                      </p:to>
+                                    </p:set>
+                                    <p:animEffect transition="in" filter="fade">
+                                      <p:cBhvr>
+                                        <p:cTn id="7" dur="500"/>
+                                        <p:tgtEl>
+                                          <p:spTgt spid="7">
+                                            <p:txEl>
+                                              <p:pRg st="0" end="0"/>
+                                            </p:txEl>
+                                          </p:spTgt>
+                                        </p:tgtEl>
+                                      </p:cBhvr>
+                                    </p:animEffect>
+                                  </p:childTnLst>
+                                </p:cTn>
+                              </p:par>
+                            </p:childTnLst>
+                          </p:cTn>
+                        </p:par>
+                      </p:childTnLst>
+                    </p:cTn>
+                  </p:par>
+                  <p:par>
+                    <p:cTn id="8" fill="hold">
+                      <p:stCondLst>
+                        <p:cond delay="indefinite"/>
+                      </p:stCondLst>
+                      <p:childTnLst>
+                        <p:par>
+                          <p:cTn id="9" fill="hold">
+                            <p:stCondLst>
+                              <p:cond delay="0"/>
+                            </p:stCondLst>
+                            <p:childTnLst>
+                              <p:par>
+                                <p:cTn id="10" presetID="1" presetClass="entr" presetSubtype="0" fill="hold" nodeType="clickEffect">
+                                  <p:stCondLst>
+                                    <p:cond delay="0"/>
+                                  </p:stCondLst>
+                                  <p:childTnLst>
+                                    <p:set>
+                                      <p:cBhvr>
+                                        <p:cTn id="11" dur="1" fill="hold">
+                                          <p:stCondLst>
+                                            <p:cond delay="0"/>
+                                          </p:stCondLst>
+                                        </p:cTn>
+                                        <p:tgtEl>
+                                          <p:spTgt spid="7">
+                                            <p:txEl>
+                                              <p:pRg st="1" end="1"/>
+                                            </p:txEl>
+                                          </p:spTgt>
+                                        </p:tgtEl>
+                                        <p:attrNameLst>
+                                          <p:attrName>style.visibility</p:attrName>
+                                        </p:attrNameLst>
+                                      </p:cBhvr>
+                                      <p:to>
+                                        <p:strVal val="visible"/>
+                                      </p:to>
+                                    </p:set>
+                                  </p:childTnLst>
+                                </p:cTn>
+                              </p:par>
+                              <p:par>
+                                <p:cTn id="12" presetID="1" presetClass="entr" presetSubtype="0" fill="hold" nodeType="withEffect">
+                                  <p:stCondLst>
+                                    <p:cond delay="0"/>
+                                  </p:stCondLst>
+                                  <p:childTnLst>
+                                    <p:set>
+                                      <p:cBhvr>
+                                        <p:cTn id="13" dur="1" fill="hold">
+                                          <p:stCondLst>
+                                            <p:cond delay="0"/>
+                                          </p:stCondLst>
+                                        </p:cTn>
+                                        <p:tgtEl>
+                                          <p:spTgt spid="7">
+                                            <p:txEl>
+                                              <p:pRg st="2" end="2"/>
+                                            </p:txEl>
+                                          </p:spTgt>
+                                        </p:tgtEl>
+                                        <p:attrNameLst>
+                                          <p:attrName>style.visibility</p:attrName>
+                                        </p:attrNameLst>
+                                      </p:cBhvr>
+                                      <p:to>
+                                        <p:strVal val="visible"/>
+                                      </p:to>
+                                    </p:set>
+                                  </p:childTnLst>
+                                </p:cTn>
+                              </p:par>
+                              <p:par>
+                                <p:cTn id="14" presetID="1" presetClass="entr" presetSubtype="0" fill="hold" nodeType="withEffect">
+                                  <p:stCondLst>
+                                    <p:cond delay="0"/>
+                                  </p:stCondLst>
+                                  <p:childTnLst>
+                                    <p:set>
+                                      <p:cBhvr>
+                                        <p:cTn id="15" dur="1" fill="hold">
+                                          <p:stCondLst>
+                                            <p:cond delay="0"/>
+                                          </p:stCondLst>
+                                        </p:cTn>
+                                        <p:tgtEl>
+                                          <p:spTgt spid="7">
+                                            <p:txEl>
+                                              <p:pRg st="3" end="3"/>
+                                            </p:txEl>
+                                          </p:spTgt>
+                                        </p:tgtEl>
+                                        <p:attrNameLst>
+                                          <p:attrName>style.visibility</p:attrName>
+                                        </p:attrNameLst>
+                                      </p:cBhvr>
+                                      <p:to>
+                                        <p:strVal val="visible"/>
+                                      </p:to>
+                                    </p:set>
+                                  </p:childTnLst>
+                                </p:cTn>
+                              </p:par>
+                              <p:par>
+                                <p:cTn id="16" presetID="1" presetClass="entr" presetSubtype="0" fill="hold" nodeType="withEffect">
+                                  <p:stCondLst>
+                                    <p:cond delay="0"/>
+                                  </p:stCondLst>
+                                  <p:childTnLst>
+                                    <p:set>
+                                      <p:cBhvr>
+                                        <p:cTn id="17" dur="1" fill="hold">
+                                          <p:stCondLst>
+                                            <p:cond delay="0"/>
+                                          </p:stCondLst>
+                                        </p:cTn>
+                                        <p:tgtEl>
+                                          <p:spTgt spid="7">
+                                            <p:txEl>
+                                              <p:pRg st="4" end="4"/>
+                                            </p:txEl>
+                                          </p:spTgt>
+                                        </p:tgtEl>
+                                        <p:attrNameLst>
+                                          <p:attrName>style.visibility</p:attrName>
+                                        </p:attrNameLst>
+                                      </p:cBhvr>
+                                      <p:to>
+                                        <p:strVal val="visible"/>
+                                      </p:to>
+                                    </p:set>
+                                  </p:childTnLst>
+                                </p:cTn>
+                              </p:par>
+                              <p:par>
+                                <p:cTn id="18" presetID="1" presetClass="entr" presetSubtype="0" fill="hold" nodeType="withEffect">
+                                  <p:stCondLst>
+                                    <p:cond delay="0"/>
+                                  </p:stCondLst>
+                                  <p:childTnLst>
+                                    <p:set>
+                                      <p:cBhvr>
+                                        <p:cTn id="19" dur="1" fill="hold">
+                                          <p:stCondLst>
+                                            <p:cond delay="0"/>
+                                          </p:stCondLst>
+                                        </p:cTn>
+                                        <p:tgtEl>
+                                          <p:spTgt spid="7">
+                                            <p:txEl>
+                                              <p:pRg st="5" end="5"/>
+                                            </p:txEl>
+                                          </p:spTgt>
+                                        </p:tgtEl>
+                                        <p:attrNameLst>
+                                          <p:attrName>style.visibility</p:attrName>
+                                        </p:attrNameLst>
+                                      </p:cBhvr>
+                                      <p:to>
+                                        <p:strVal val="visible"/>
+                                      </p:to>
+                                    </p:set>
+                                  </p:childTnLst>
+                                </p:cTn>
+                              </p:par>
+                            </p:childTnLst>
+                          </p:cTn>
+                        </p:par>
+                      </p:childTnLst>
+                    </p:cTn>
+                  </p:par>
+                  <p:par>
+                    <p:cTn id="20" fill="hold">
+                      <p:stCondLst>
+                        <p:cond delay="indefinite"/>
+                      </p:stCondLst>
+                      <p:childTnLst>
+                        <p:par>
+                          <p:cTn id="21" fill="hold">
+                            <p:stCondLst>
+                              <p:cond delay="0"/>
+                            </p:stCondLst>
+                            <p:childTnLst>
+                              <p:par>
+                                <p:cTn id="22" presetID="1" presetClass="entr" presetSubtype="0" fill="hold" nodeType="clickEffect">
+                                  <p:stCondLst>
+                                    <p:cond delay="0"/>
+                                  </p:stCondLst>
+                                  <p:childTnLst>
+                                    <p:set>
+                                      <p:cBhvr>
+                                        <p:cTn id="23" dur="1" fill="hold">
+                                          <p:stCondLst>
+                                            <p:cond delay="0"/>
+                                          </p:stCondLst>
+                                        </p:cTn>
+                                        <p:tgtEl>
+                                          <p:spTgt spid="7">
+                                            <p:txEl>
+                                              <p:pRg st="7" end="7"/>
+                                            </p:txEl>
+                                          </p:spTgt>
+                                        </p:tgtEl>
+                                        <p:attrNameLst>
+                                          <p:attrName>style.visibility</p:attrName>
+                                        </p:attrNameLst>
+                                      </p:cBhvr>
+                                      <p:to>
+                                        <p:strVal val="visible"/>
+                                      </p:to>
+                                    </p:set>
+                                  </p:childTnLst>
+                                </p:cTn>
+                              </p:par>
+                              <p:par>
+                                <p:cTn id="24" presetID="1" presetClass="entr" presetSubtype="0" fill="hold" nodeType="withEffect">
+                                  <p:stCondLst>
+                                    <p:cond delay="0"/>
+                                  </p:stCondLst>
+                                  <p:childTnLst>
+                                    <p:set>
+                                      <p:cBhvr>
+                                        <p:cTn id="25" dur="1" fill="hold">
+                                          <p:stCondLst>
+                                            <p:cond delay="0"/>
+                                          </p:stCondLst>
+                                        </p:cTn>
+                                        <p:tgtEl>
+                                          <p:spTgt spid="7">
+                                            <p:txEl>
+                                              <p:pRg st="8" end="8"/>
+                                            </p:txEl>
+                                          </p:spTgt>
+                                        </p:tgtEl>
+                                        <p:attrNameLst>
+                                          <p:attrName>style.visibility</p:attrName>
+                                        </p:attrNameLst>
+                                      </p:cBhvr>
+                                      <p:to>
+                                        <p:strVal val="visible"/>
+                                      </p:to>
+                                    </p:set>
+                                  </p:childTnLst>
+                                </p:cTn>
+                              </p:par>
+                            </p:childTnLst>
+                          </p:cTn>
+                        </p:par>
+                      </p:childTnLst>
+                    </p:cTn>
+                  </p:par>
+                  <p:par>
+                    <p:cTn id="26" fill="hold">
+                      <p:stCondLst>
+                        <p:cond delay="indefinite"/>
+                      </p:stCondLst>
+                      <p:childTnLst>
+                        <p:par>
+                          <p:cTn id="27" fill="hold">
+                            <p:stCondLst>
+                              <p:cond delay="0"/>
+                            </p:stCondLst>
+                            <p:childTnLst>
+                              <p:par>
+                                <p:cTn id="28" presetID="1" presetClass="entr" presetSubtype="0" fill="hold" nodeType="clickEffect">
+                                  <p:stCondLst>
+                                    <p:cond delay="0"/>
+                                  </p:stCondLst>
+                                  <p:childTnLst>
+                                    <p:set>
+                                      <p:cBhvr>
+                                        <p:cTn id="29" dur="1" fill="hold">
+                                          <p:stCondLst>
+                                            <p:cond delay="0"/>
+                                          </p:stCondLst>
+                                        </p:cTn>
+                                        <p:tgtEl>
+                                          <p:spTgt spid="7">
+                                            <p:txEl>
+                                              <p:pRg st="10" end="10"/>
+                                            </p:txEl>
+                                          </p:spTgt>
+                                        </p:tgtEl>
+                                        <p:attrNameLst>
+                                          <p:attrName>style.visibility</p:attrName>
+                                        </p:attrNameLst>
+                                      </p:cBhvr>
+                                      <p:to>
+                                        <p:strVal val="visible"/>
+                                      </p:to>
+                                    </p:set>
+                                  </p:childTnLst>
+                                </p:cTn>
+                              </p:par>
+                              <p:par>
+                                <p:cTn id="30" presetID="1" presetClass="entr" presetSubtype="0" fill="hold" nodeType="withEffect">
+                                  <p:stCondLst>
+                                    <p:cond delay="0"/>
+                                  </p:stCondLst>
+                                  <p:childTnLst>
+                                    <p:set>
+                                      <p:cBhvr>
+                                        <p:cTn id="31" dur="1" fill="hold">
+                                          <p:stCondLst>
+                                            <p:cond delay="0"/>
+                                          </p:stCondLst>
+                                        </p:cTn>
+                                        <p:tgtEl>
+                                          <p:spTgt spid="7">
+                                            <p:txEl>
+                                              <p:pRg st="11" end="11"/>
+                                            </p:txEl>
+                                          </p:spTgt>
+                                        </p:tgtEl>
+                                        <p:attrNameLst>
+                                          <p:attrName>style.visibility</p:attrName>
+                                        </p:attrNameLst>
+                                      </p:cBhvr>
+                                      <p:to>
+                                        <p:strVal val="visible"/>
+                                      </p:to>
+                                    </p:set>
+                                  </p:childTnLst>
+                                </p:cTn>
+                              </p:par>
+                            </p:childTnLst>
+                          </p:cTn>
+                        </p:par>
+                      </p:childTnLst>
+                    </p:cTn>
+                  </p:par>
+                </p:childTnLst>
+              </p:cTn>
+              <p:prevCondLst>
+                <p:cond evt="onPrev" delay="0">
+                  <p:tgtEl>
+                    <p:sldTgt/>
+                  </p:tgtEl>
+                </p:cond>
+              </p:prevCondLst>
+              <p:nextCondLst>
+                <p:cond evt="onNext" delay="0">
+                  <p:tgtEl>
+                    <p:sldTgt/>
+                  </p:tgtEl>
+                </p:cond>
+              </p:nextCondLst>
+            </p:seq>
+          </p:childTnLst>
+        </p:cTn>
+      </p:par>
+    </p:tnLst>
+  </p:timing>
+</p:sld>
+</file>
+
+<file path=ppt/slides/slide5.xml><?xml version="1.0" encoding="utf-8"?>
+<p:sld xmlns:a="http://schemas.openxmlformats.org/drawingml/2006/main" xmlns:r="http://schemas.openxmlformats.org/officeDocument/2006/relationships" xmlns:p="http://schemas.openxmlformats.org/presentationml/2006/main">
+  <p:cSld>
+    <p:bg>
+      <p:bgPr>
+        <a:solidFill>
+          <a:schemeClr val="bg1"/>
+        </a:solidFill>
+        <a:effectLst/>
+      </p:bgPr>
+    </p:bg>
+    <p:spTree>
+      <p:nvGrpSpPr>
+        <p:cNvPr id="1" name=""/>
+        <p:cNvGrpSpPr/>
+        <p:nvPr/>
+      </p:nvGrpSpPr>
+      <p:grpSpPr>
+        <a:xfrm>
+          <a:off x="0" y="0"/>
+          <a:ext cx="0" cy="0"/>
+          <a:chOff x="0" y="0"/>
+          <a:chExt cx="0" cy="0"/>
+        </a:xfrm>
+      </p:grpSpPr>
+      <p:sp>
+        <p:nvSpPr>
+          <p:cNvPr id="11" name="Rectangle 10">
+            <a:extLst>
+              <a:ext uri="{FF2B5EF4-FFF2-40B4-BE49-F238E27FC236}">
+                <a16:creationId xmlns:a16="http://schemas.microsoft.com/office/drawing/2014/main" id="{867D4867-5BA7-4462-B2F6-A23F4A622AA7}"/>
+              </a:ext>
+              <a:ext uri="{C183D7F6-B498-43B3-948B-1728B52AA6E4}">
+                <adec:decorative xmlns:adec="http://schemas.microsoft.com/office/drawing/2017/decorative" val="1"/>
+              </a:ext>
+            </a:extLst>
+          </p:cNvPr>
+          <p:cNvSpPr>
+            <a:spLocks noGrp="1" noRot="1" noChangeAspect="1" noMove="1" noResize="1" noEditPoints="1" noAdjustHandles="1" noChangeArrowheads="1" noChangeShapeType="1" noTextEdit="1"/>
+          </p:cNvSpPr>
+          <p:nvPr>
+            <p:extLst>
+              <p:ext uri="{386F3935-93C4-4BCD-93E2-E3B085C9AB24}">
+                <p16:designElem xmlns:p16="http://schemas.microsoft.com/office/powerpoint/2015/main" val="1"/>
+              </p:ext>
+            </p:extLst>
+          </p:nvPr>
+        </p:nvSpPr>
+        <p:spPr>
+          <a:xfrm>
+            <a:off x="0" y="0"/>
+            <a:ext cx="4654296" cy="6858000"/>
+          </a:xfrm>
+          <a:prstGeom prst="rect">
+            <a:avLst/>
+          </a:prstGeom>
+          <a:solidFill>
+            <a:schemeClr val="tx1">
+              <a:lumMod val="75000"/>
+              <a:lumOff val="25000"/>
+            </a:schemeClr>
+          </a:solidFill>
+          <a:ln>
+            <a:noFill/>
+          </a:ln>
+        </p:spPr>
+        <p:style>
+          <a:lnRef idx="0">
+            <a:scrgbClr r="0" g="0" b="0"/>
+          </a:lnRef>
+          <a:fillRef idx="0">
+            <a:scrgbClr r="0" g="0" b="0"/>
+          </a:fillRef>
+          <a:effectRef idx="0">
+            <a:scrgbClr r="0" g="0" b="0"/>
+          </a:effectRef>
+          <a:fontRef idx="minor">
+            <a:schemeClr val="lt1"/>
+          </a:fontRef>
+        </p:style>
+        <p:txBody>
+          <a:bodyPr rtlCol="0" anchor="ctr"/>
+          <a:lstStyle/>
+          <a:p>
+            <a:pPr algn="ctr"/>
+            <a:endParaRPr lang="en-US"/>
+          </a:p>
+        </p:txBody>
+      </p:sp>
+      <p:sp>
+        <p:nvSpPr>
+          <p:cNvPr id="2" name="Title 1">
+            <a:extLst>
+              <a:ext uri="{FF2B5EF4-FFF2-40B4-BE49-F238E27FC236}">
+                <a16:creationId xmlns:a16="http://schemas.microsoft.com/office/drawing/2014/main" id="{4CFDBC83-6CE0-4B30-8654-3764C2C9DBDF}"/>
+              </a:ext>
+            </a:extLst>
+          </p:cNvPr>
+          <p:cNvSpPr>
+            <a:spLocks noGrp="1"/>
+          </p:cNvSpPr>
+          <p:nvPr>
+            <p:ph type="title"/>
+          </p:nvPr>
+        </p:nvSpPr>
+        <p:spPr>
+          <a:xfrm>
+            <a:off x="89002" y="242502"/>
+            <a:ext cx="4386283" cy="1597315"/>
+          </a:xfrm>
+          <a:noFill/>
+          <a:ln w="19050">
+            <a:solidFill>
+              <a:schemeClr val="bg1"/>
+            </a:solidFill>
+          </a:ln>
+        </p:spPr>
+        <p:txBody>
+          <a:bodyPr vert="horz" wrap="square" lIns="91440" tIns="45720" rIns="91440" bIns="45720" rtlCol="0" anchor="ctr">
+            <a:normAutofit/>
+          </a:bodyPr>
+          <a:lstStyle/>
+          <a:p>
+            <a:pPr algn="ctr"/>
+            <a:r>
+              <a:rPr lang="en-US" sz="3200" b="1" kern="1200" dirty="0">
+                <a:solidFill>
+                  <a:schemeClr val="bg1"/>
+                </a:solidFill>
+              </a:rPr>
+              <a:t>OUR MODEL FOR PREDICTING IOWA’S</a:t>
+            </a:r>
+            <a:br>
+              <a:rPr lang="en-US" sz="3200" b="1" kern="1200" dirty="0">
+                <a:solidFill>
+                  <a:schemeClr val="bg1"/>
+                </a:solidFill>
+              </a:rPr>
+            </a:br>
+            <a:r>
+              <a:rPr lang="en-US" sz="3200" b="1" kern="1200" dirty="0">
+                <a:solidFill>
+                  <a:schemeClr val="bg1"/>
+                </a:solidFill>
+              </a:rPr>
+              <a:t>PRISONER- RECIDIVISM</a:t>
+            </a:r>
+          </a:p>
+        </p:txBody>
+      </p:sp>
+      <p:sp>
+        <p:nvSpPr>
+          <p:cNvPr id="18" name="Arrow: Down 17">
+            <a:extLst>
+              <a:ext uri="{FF2B5EF4-FFF2-40B4-BE49-F238E27FC236}">
+                <a16:creationId xmlns:a16="http://schemas.microsoft.com/office/drawing/2014/main" id="{26D388E1-F9D8-4B3C-94AF-42FCCB451F5C}"/>
+              </a:ext>
+            </a:extLst>
+          </p:cNvPr>
+          <p:cNvSpPr/>
+          <p:nvPr/>
+        </p:nvSpPr>
+        <p:spPr>
+          <a:xfrm>
+            <a:off x="6422659" y="1760953"/>
+            <a:ext cx="3105152" cy="4418428"/>
+          </a:xfrm>
+          <a:prstGeom prst="downArrow">
+            <a:avLst>
+              <a:gd name="adj1" fmla="val 50000"/>
+              <a:gd name="adj2" fmla="val 47427"/>
+            </a:avLst>
+          </a:prstGeom>
+        </p:spPr>
+        <p:style>
+          <a:lnRef idx="2">
+            <a:schemeClr val="accent1">
+              <a:shade val="50000"/>
+            </a:schemeClr>
+          </a:lnRef>
+          <a:fillRef idx="1">
+            <a:schemeClr val="accent1"/>
+          </a:fillRef>
+          <a:effectRef idx="0">
+            <a:schemeClr val="accent1"/>
+          </a:effectRef>
+          <a:fontRef idx="minor">
+            <a:schemeClr val="lt1"/>
+          </a:fontRef>
+        </p:style>
+        <p:txBody>
+          <a:bodyPr rtlCol="0" anchor="ctr"/>
+          <a:lstStyle/>
+          <a:p>
+            <a:pPr algn="ctr"/>
+            <a:endParaRPr lang="en-US" sz="1200"/>
+          </a:p>
+        </p:txBody>
+      </p:sp>
+      <p:sp>
+        <p:nvSpPr>
+          <p:cNvPr id="4" name="Content Placeholder 3">
+            <a:extLst>
+              <a:ext uri="{FF2B5EF4-FFF2-40B4-BE49-F238E27FC236}">
+                <a16:creationId xmlns:a16="http://schemas.microsoft.com/office/drawing/2014/main" id="{04CC3BF9-8B70-4A40-99D2-806B625D03CB}"/>
+              </a:ext>
+            </a:extLst>
+          </p:cNvPr>
+          <p:cNvSpPr>
+            <a:spLocks noGrp="1"/>
+          </p:cNvSpPr>
+          <p:nvPr>
+            <p:ph sz="half" idx="2"/>
+          </p:nvPr>
+        </p:nvSpPr>
+        <p:spPr>
+          <a:xfrm>
+            <a:off x="89002" y="2029226"/>
+            <a:ext cx="4482998" cy="4200124"/>
+          </a:xfrm>
+        </p:spPr>
+        <p:txBody>
+          <a:bodyPr vert="horz" lIns="91440" tIns="45720" rIns="91440" bIns="45720" rtlCol="0">
+            <a:normAutofit/>
+          </a:bodyPr>
+          <a:lstStyle/>
+          <a:p>
+            <a:r>
+              <a:rPr lang="en-US" dirty="0">
+                <a:solidFill>
+                  <a:schemeClr val="bg1"/>
+                </a:solidFill>
+              </a:rPr>
+              <a:t>Used Next-Generation Algorithms</a:t>
+            </a:r>
+          </a:p>
+          <a:p>
+            <a:pPr lvl="1"/>
+            <a:r>
+              <a:rPr lang="en-US" dirty="0">
+                <a:solidFill>
+                  <a:schemeClr val="bg1"/>
+                </a:solidFill>
+              </a:rPr>
+              <a:t>Tree-based classification to find critical points in prisoner data. </a:t>
+            </a:r>
+          </a:p>
+          <a:p>
+            <a:r>
+              <a:rPr lang="en-US" sz="2400" u="sng" dirty="0">
+                <a:solidFill>
+                  <a:schemeClr val="bg1"/>
+                </a:solidFill>
+              </a:rPr>
+              <a:t>Our Model Performance:</a:t>
+            </a:r>
+          </a:p>
+          <a:p>
+            <a:pPr lvl="1"/>
+            <a:r>
+              <a:rPr lang="en-US" sz="2000" dirty="0">
+                <a:solidFill>
+                  <a:schemeClr val="bg1"/>
+                </a:solidFill>
+              </a:rPr>
+              <a:t>70% Accuracy</a:t>
+            </a:r>
+          </a:p>
+          <a:p>
+            <a:pPr lvl="1"/>
+            <a:r>
+              <a:rPr lang="en-US" sz="2000" dirty="0">
+                <a:solidFill>
+                  <a:schemeClr val="bg1"/>
+                </a:solidFill>
+              </a:rPr>
+              <a:t>72% Precision</a:t>
+            </a:r>
+          </a:p>
+          <a:p>
+            <a:pPr lvl="1"/>
+            <a:r>
+              <a:rPr lang="en-US" sz="2000" dirty="0">
+                <a:solidFill>
+                  <a:schemeClr val="bg1"/>
+                </a:solidFill>
+              </a:rPr>
+              <a:t>0.79 AUC (random chance=0.50)</a:t>
+            </a:r>
+          </a:p>
+          <a:p>
+            <a:pPr lvl="1"/>
+            <a:endParaRPr lang="en-US" sz="2000" dirty="0">
+              <a:solidFill>
+                <a:schemeClr val="bg1"/>
+              </a:solidFill>
+            </a:endParaRPr>
+          </a:p>
+          <a:p>
+            <a:pPr lvl="1"/>
+            <a:endParaRPr lang="en-US" sz="2000" dirty="0">
+              <a:solidFill>
+                <a:schemeClr val="bg1"/>
+              </a:solidFill>
+            </a:endParaRPr>
+          </a:p>
+        </p:txBody>
+      </p:sp>
+      <p:pic>
+        <p:nvPicPr>
+          <p:cNvPr id="10" name="Picture 9">
+            <a:extLst>
+              <a:ext uri="{FF2B5EF4-FFF2-40B4-BE49-F238E27FC236}">
+                <a16:creationId xmlns:a16="http://schemas.microsoft.com/office/drawing/2014/main" id="{BAE05407-C97F-4150-B305-FD00C0777FA4}"/>
+              </a:ext>
+            </a:extLst>
+          </p:cNvPr>
+          <p:cNvPicPr>
+            <a:picLocks noChangeAspect="1"/>
+          </p:cNvPicPr>
+          <p:nvPr/>
+        </p:nvPicPr>
+        <p:blipFill>
+          <a:blip r:embed="rId2">
+            <a:alphaModFix amt="85000"/>
+          </a:blip>
+          <a:stretch>
+            <a:fillRect/>
+          </a:stretch>
+        </p:blipFill>
+        <p:spPr>
+          <a:xfrm>
+            <a:off x="5423436" y="2029226"/>
+            <a:ext cx="5218369" cy="2582722"/>
+          </a:xfrm>
+          <a:prstGeom prst="rect">
+            <a:avLst/>
+          </a:prstGeom>
+        </p:spPr>
+      </p:pic>
+      <p:pic>
+        <p:nvPicPr>
+          <p:cNvPr id="17" name="Picture 16">
+            <a:extLst>
+              <a:ext uri="{FF2B5EF4-FFF2-40B4-BE49-F238E27FC236}">
+                <a16:creationId xmlns:a16="http://schemas.microsoft.com/office/drawing/2014/main" id="{F77EBF7A-D5C4-4C77-8BF7-03116A53DEE5}"/>
+              </a:ext>
+            </a:extLst>
+          </p:cNvPr>
+          <p:cNvPicPr>
+            <a:picLocks noChangeAspect="1"/>
+          </p:cNvPicPr>
+          <p:nvPr/>
+        </p:nvPicPr>
+        <p:blipFill>
+          <a:blip r:embed="rId3"/>
+          <a:stretch>
+            <a:fillRect/>
+          </a:stretch>
+        </p:blipFill>
+        <p:spPr>
+          <a:xfrm>
+            <a:off x="6422659" y="242502"/>
+            <a:ext cx="2990379" cy="1682089"/>
+          </a:xfrm>
+          <a:prstGeom prst="rect">
+            <a:avLst/>
+          </a:prstGeom>
+        </p:spPr>
+      </p:pic>
+      <p:grpSp>
+        <p:nvGrpSpPr>
+          <p:cNvPr id="21" name="Group 20">
+            <a:extLst>
+              <a:ext uri="{FF2B5EF4-FFF2-40B4-BE49-F238E27FC236}">
+                <a16:creationId xmlns:a16="http://schemas.microsoft.com/office/drawing/2014/main" id="{7955815C-C8F8-46F3-957E-A9F70A537E6F}"/>
+              </a:ext>
+            </a:extLst>
+          </p:cNvPr>
+          <p:cNvGrpSpPr/>
+          <p:nvPr/>
+        </p:nvGrpSpPr>
+        <p:grpSpPr>
+          <a:xfrm>
+            <a:off x="6202249" y="6272439"/>
+            <a:ext cx="4358694" cy="523220"/>
+            <a:chOff x="6202249" y="6272439"/>
+            <a:chExt cx="4358694" cy="523220"/>
+          </a:xfrm>
+        </p:grpSpPr>
+        <p:sp>
+          <p:nvSpPr>
+            <p:cNvPr id="19" name="TextBox 18">
+              <a:extLst>
+                <a:ext uri="{FF2B5EF4-FFF2-40B4-BE49-F238E27FC236}">
+                  <a16:creationId xmlns:a16="http://schemas.microsoft.com/office/drawing/2014/main" id="{F11186CF-5286-4F0A-A0C2-F4E516D33F1B}"/>
+                </a:ext>
+              </a:extLst>
+            </p:cNvPr>
+            <p:cNvSpPr txBox="1"/>
+            <p:nvPr/>
+          </p:nvSpPr>
+          <p:spPr>
+            <a:xfrm>
+              <a:off x="6202249" y="6272439"/>
+              <a:ext cx="1772986" cy="523220"/>
+            </a:xfrm>
+            <a:prstGeom prst="rect">
+              <a:avLst/>
+            </a:prstGeom>
+            <a:noFill/>
+          </p:spPr>
+          <p:txBody>
+            <a:bodyPr wrap="none" rtlCol="0">
+              <a:spAutoFit/>
+            </a:bodyPr>
+            <a:lstStyle/>
+            <a:p>
+              <a:r>
+                <a:rPr lang="en-US" sz="2800" dirty="0"/>
+                <a:t>RECIDIVIST</a:t>
+              </a:r>
+            </a:p>
+          </p:txBody>
+        </p:sp>
+        <p:sp>
+          <p:nvSpPr>
+            <p:cNvPr id="20" name="TextBox 19">
+              <a:extLst>
+                <a:ext uri="{FF2B5EF4-FFF2-40B4-BE49-F238E27FC236}">
+                  <a16:creationId xmlns:a16="http://schemas.microsoft.com/office/drawing/2014/main" id="{C16F80CC-D865-4FA9-A485-6B320F83A36A}"/>
+                </a:ext>
+              </a:extLst>
+            </p:cNvPr>
+            <p:cNvSpPr txBox="1"/>
+            <p:nvPr/>
+          </p:nvSpPr>
+          <p:spPr>
+            <a:xfrm>
+              <a:off x="7975235" y="6272439"/>
+              <a:ext cx="2585708" cy="523220"/>
+            </a:xfrm>
+            <a:prstGeom prst="rect">
+              <a:avLst/>
+            </a:prstGeom>
+            <a:noFill/>
+          </p:spPr>
+          <p:txBody>
+            <a:bodyPr wrap="none" rtlCol="0">
+              <a:spAutoFit/>
+            </a:bodyPr>
+            <a:lstStyle/>
+            <a:p>
+              <a:r>
+                <a:rPr lang="en-US" sz="2800" dirty="0"/>
+                <a:t>NON-RECIDIVIST</a:t>
+              </a:r>
+            </a:p>
+          </p:txBody>
+        </p:sp>
+      </p:grpSp>
+    </p:spTree>
+    <p:extLst>
+      <p:ext uri="{BB962C8B-B14F-4D97-AF65-F5344CB8AC3E}">
+        <p14:creationId xmlns:p14="http://schemas.microsoft.com/office/powerpoint/2010/main" val="1428866386"/>
+      </p:ext>
+    </p:extLst>
+  </p:cSld>
+  <p:clrMapOvr>
+    <a:masterClrMapping/>
+  </p:clrMapOvr>
+  <p:timing>
+    <p:tnLst>
+      <p:par>
+        <p:cTn id="1" dur="indefinite" restart="never" nodeType="tmRoot">
+          <p:childTnLst>
+            <p:seq concurrent="1" nextAc="seek">
+              <p:cTn id="2" dur="indefinite" nodeType="mainSeq">
+                <p:childTnLst>
+                  <p:par>
+                    <p:cTn id="3" fill="hold">
+                      <p:stCondLst>
+                        <p:cond delay="indefinite"/>
+                      </p:stCondLst>
+                      <p:childTnLst>
+                        <p:par>
+                          <p:cTn id="4" fill="hold">
+                            <p:stCondLst>
+                              <p:cond delay="0"/>
+                            </p:stCondLst>
+                            <p:childTnLst>
+                              <p:par>
+                                <p:cTn id="5" presetID="1" presetClass="entr" presetSubtype="0" fill="hold" nodeType="clickEffect">
+                                  <p:stCondLst>
+                                    <p:cond delay="0"/>
+                                  </p:stCondLst>
+                                  <p:childTnLst>
+                                    <p:set>
+                                      <p:cBhvr>
+                                        <p:cTn id="6" dur="1" fill="hold">
+                                          <p:stCondLst>
+                                            <p:cond delay="0"/>
+                                          </p:stCondLst>
+                                        </p:cTn>
+                                        <p:tgtEl>
+                                          <p:spTgt spid="4">
+                                            <p:txEl>
+                                              <p:pRg st="0" end="0"/>
+                                            </p:txEl>
+                                          </p:spTgt>
+                                        </p:tgtEl>
+                                        <p:attrNameLst>
+                                          <p:attrName>style.visibility</p:attrName>
+                                        </p:attrNameLst>
+                                      </p:cBhvr>
+                                      <p:to>
+                                        <p:strVal val="visible"/>
+                                      </p:to>
+                                    </p:set>
+                                  </p:childTnLst>
+                                </p:cTn>
+                              </p:par>
+                              <p:par>
+                                <p:cTn id="7" presetID="1" presetClass="entr" presetSubtype="0" fill="hold" nodeType="withEffect">
+                                  <p:stCondLst>
+                                    <p:cond delay="0"/>
+                                  </p:stCondLst>
+                                  <p:childTnLst>
+                                    <p:set>
+                                      <p:cBhvr>
+                                        <p:cTn id="8" dur="1" fill="hold">
+                                          <p:stCondLst>
+                                            <p:cond delay="0"/>
+                                          </p:stCondLst>
+                                        </p:cTn>
+                                        <p:tgtEl>
+                                          <p:spTgt spid="10"/>
+                                        </p:tgtEl>
+                                        <p:attrNameLst>
+                                          <p:attrName>style.visibility</p:attrName>
+                                        </p:attrNameLst>
+                                      </p:cBhvr>
+                                      <p:to>
+                                        <p:strVal val="visible"/>
+                                      </p:to>
+                                    </p:set>
+                                  </p:childTnLst>
+                                </p:cTn>
+                              </p:par>
+                              <p:par>
+                                <p:cTn id="9" presetID="1" presetClass="entr" presetSubtype="0" fill="hold" nodeType="withEffect">
+                                  <p:stCondLst>
+                                    <p:cond delay="0"/>
+                                  </p:stCondLst>
+                                  <p:childTnLst>
+                                    <p:set>
+                                      <p:cBhvr>
+                                        <p:cTn id="10" dur="1" fill="hold">
+                                          <p:stCondLst>
+                                            <p:cond delay="0"/>
+                                          </p:stCondLst>
+                                        </p:cTn>
+                                        <p:tgtEl>
+                                          <p:spTgt spid="4">
+                                            <p:txEl>
+                                              <p:pRg st="1" end="1"/>
+                                            </p:txEl>
+                                          </p:spTgt>
+                                        </p:tgtEl>
+                                        <p:attrNameLst>
+                                          <p:attrName>style.visibility</p:attrName>
+                                        </p:attrNameLst>
+                                      </p:cBhvr>
+                                      <p:to>
+                                        <p:strVal val="visible"/>
+                                      </p:to>
+                                    </p:set>
+                                  </p:childTnLst>
+                                </p:cTn>
+                              </p:par>
+                            </p:childTnLst>
+                          </p:cTn>
+                        </p:par>
+                        <p:par>
+                          <p:cTn id="11" fill="hold">
+                            <p:stCondLst>
+                              <p:cond delay="0"/>
+                            </p:stCondLst>
+                            <p:childTnLst>
+                              <p:par>
+                                <p:cTn id="12" presetID="22" presetClass="entr" presetSubtype="1" fill="hold" grpId="0" nodeType="afterEffect">
+                                  <p:stCondLst>
+                                    <p:cond delay="0"/>
+                                  </p:stCondLst>
+                                  <p:childTnLst>
+                                    <p:set>
+                                      <p:cBhvr>
+                                        <p:cTn id="13" dur="1" fill="hold">
+                                          <p:stCondLst>
+                                            <p:cond delay="0"/>
+                                          </p:stCondLst>
+                                        </p:cTn>
+                                        <p:tgtEl>
+                                          <p:spTgt spid="18"/>
+                                        </p:tgtEl>
+                                        <p:attrNameLst>
+                                          <p:attrName>style.visibility</p:attrName>
+                                        </p:attrNameLst>
+                                      </p:cBhvr>
+                                      <p:to>
+                                        <p:strVal val="visible"/>
+                                      </p:to>
+                                    </p:set>
+                                    <p:animEffect transition="in" filter="wipe(up)">
+                                      <p:cBhvr>
+                                        <p:cTn id="14" dur="500"/>
+                                        <p:tgtEl>
+                                          <p:spTgt spid="18"/>
+                                        </p:tgtEl>
+                                      </p:cBhvr>
+                                    </p:animEffect>
+                                  </p:childTnLst>
+                                </p:cTn>
+                              </p:par>
+                            </p:childTnLst>
+                          </p:cTn>
+                        </p:par>
+                        <p:par>
+                          <p:cTn id="15" fill="hold">
+                            <p:stCondLst>
+                              <p:cond delay="500"/>
+                            </p:stCondLst>
+                            <p:childTnLst>
+                              <p:par>
+                                <p:cTn id="16" presetID="1" presetClass="entr" presetSubtype="0" fill="hold" nodeType="afterEffect">
+                                  <p:stCondLst>
+                                    <p:cond delay="0"/>
+                                  </p:stCondLst>
+                                  <p:childTnLst>
+                                    <p:set>
+                                      <p:cBhvr>
+                                        <p:cTn id="17" dur="1" fill="hold">
+                                          <p:stCondLst>
+                                            <p:cond delay="0"/>
+                                          </p:stCondLst>
+                                        </p:cTn>
+                                        <p:tgtEl>
+                                          <p:spTgt spid="21"/>
+                                        </p:tgtEl>
+                                        <p:attrNameLst>
+                                          <p:attrName>style.visibility</p:attrName>
+                                        </p:attrNameLst>
+                                      </p:cBhvr>
+                                      <p:to>
+                                        <p:strVal val="visible"/>
+                                      </p:to>
+                                    </p:set>
+                                  </p:childTnLst>
+                                </p:cTn>
+                              </p:par>
+                            </p:childTnLst>
+                          </p:cTn>
+                        </p:par>
+                      </p:childTnLst>
+                    </p:cTn>
+                  </p:par>
+                  <p:par>
+                    <p:cTn id="18" fill="hold">
+                      <p:stCondLst>
+                        <p:cond delay="indefinite"/>
+                      </p:stCondLst>
+                      <p:childTnLst>
+                        <p:par>
+                          <p:cTn id="19" fill="hold">
+                            <p:stCondLst>
+                              <p:cond delay="0"/>
+                            </p:stCondLst>
+                            <p:childTnLst>
+                              <p:par>
+                                <p:cTn id="20" presetID="1" presetClass="entr" presetSubtype="0" fill="hold" nodeType="clickEffect">
+                                  <p:stCondLst>
+                                    <p:cond delay="0"/>
+                                  </p:stCondLst>
+                                  <p:childTnLst>
+                                    <p:set>
+                                      <p:cBhvr>
+                                        <p:cTn id="21" dur="1" fill="hold">
+                                          <p:stCondLst>
+                                            <p:cond delay="0"/>
+                                          </p:stCondLst>
+                                        </p:cTn>
+                                        <p:tgtEl>
+                                          <p:spTgt spid="4">
+                                            <p:txEl>
+                                              <p:pRg st="2" end="2"/>
+                                            </p:txEl>
+                                          </p:spTgt>
+                                        </p:tgtEl>
+                                        <p:attrNameLst>
+                                          <p:attrName>style.visibility</p:attrName>
+                                        </p:attrNameLst>
+                                      </p:cBhvr>
+                                      <p:to>
+                                        <p:strVal val="visible"/>
+                                      </p:to>
+                                    </p:set>
+                                  </p:childTnLst>
+                                </p:cTn>
+                              </p:par>
+                              <p:par>
+                                <p:cTn id="22" presetID="1" presetClass="entr" presetSubtype="0" fill="hold" nodeType="withEffect">
+                                  <p:stCondLst>
+                                    <p:cond delay="0"/>
+                                  </p:stCondLst>
+                                  <p:childTnLst>
+                                    <p:set>
+                                      <p:cBhvr>
+                                        <p:cTn id="23" dur="1" fill="hold">
+                                          <p:stCondLst>
+                                            <p:cond delay="0"/>
+                                          </p:stCondLst>
+                                        </p:cTn>
+                                        <p:tgtEl>
+                                          <p:spTgt spid="4">
+                                            <p:txEl>
+                                              <p:pRg st="3" end="3"/>
+                                            </p:txEl>
+                                          </p:spTgt>
+                                        </p:tgtEl>
+                                        <p:attrNameLst>
+                                          <p:attrName>style.visibility</p:attrName>
+                                        </p:attrNameLst>
+                                      </p:cBhvr>
+                                      <p:to>
+                                        <p:strVal val="visible"/>
+                                      </p:to>
+                                    </p:set>
+                                  </p:childTnLst>
+                                </p:cTn>
+                              </p:par>
+                              <p:par>
+                                <p:cTn id="24" presetID="1" presetClass="entr" presetSubtype="0" fill="hold" nodeType="withEffect">
+                                  <p:stCondLst>
+                                    <p:cond delay="0"/>
+                                  </p:stCondLst>
+                                  <p:childTnLst>
+                                    <p:set>
+                                      <p:cBhvr>
+                                        <p:cTn id="25" dur="1" fill="hold">
+                                          <p:stCondLst>
+                                            <p:cond delay="0"/>
+                                          </p:stCondLst>
+                                        </p:cTn>
+                                        <p:tgtEl>
+                                          <p:spTgt spid="4">
+                                            <p:txEl>
+                                              <p:pRg st="4" end="4"/>
+                                            </p:txEl>
+                                          </p:spTgt>
+                                        </p:tgtEl>
+                                        <p:attrNameLst>
+                                          <p:attrName>style.visibility</p:attrName>
+                                        </p:attrNameLst>
+                                      </p:cBhvr>
+                                      <p:to>
+                                        <p:strVal val="visible"/>
+                                      </p:to>
+                                    </p:set>
+                                  </p:childTnLst>
+                                </p:cTn>
+                              </p:par>
+                              <p:par>
+                                <p:cTn id="26" presetID="1" presetClass="entr" presetSubtype="0" fill="hold" nodeType="withEffect">
+                                  <p:stCondLst>
+                                    <p:cond delay="0"/>
+                                  </p:stCondLst>
+                                  <p:childTnLst>
+                                    <p:set>
+                                      <p:cBhvr>
+                                        <p:cTn id="27" dur="1" fill="hold">
+                                          <p:stCondLst>
+                                            <p:cond delay="0"/>
+                                          </p:stCondLst>
+                                        </p:cTn>
+                                        <p:tgtEl>
+                                          <p:spTgt spid="4">
+                                            <p:txEl>
+                                              <p:pRg st="5" end="5"/>
+                                            </p:txEl>
+                                          </p:spTgt>
+                                        </p:tgtEl>
+                                        <p:attrNameLst>
+                                          <p:attrName>style.visibility</p:attrName>
+                                        </p:attrNameLst>
+                                      </p:cBhvr>
+                                      <p:to>
+                                        <p:strVal val="visible"/>
+                                      </p:to>
+                                    </p:set>
+                                  </p:childTnLst>
+                                </p:cTn>
+                              </p:par>
+                            </p:childTnLst>
+                          </p:cTn>
+                        </p:par>
+                      </p:childTnLst>
+                    </p:cTn>
+                  </p:par>
+                </p:childTnLst>
+              </p:cTn>
+              <p:prevCondLst>
+                <p:cond evt="onPrev" delay="0">
+                  <p:tgtEl>
+                    <p:sldTgt/>
+                  </p:tgtEl>
+                </p:cond>
+              </p:prevCondLst>
+              <p:nextCondLst>
+                <p:cond evt="onNext" delay="0">
+                  <p:tgtEl>
+                    <p:sldTgt/>
+                  </p:tgtEl>
+                </p:cond>
+              </p:nextCondLst>
+            </p:seq>
+          </p:childTnLst>
+        </p:cTn>
+      </p:par>
+    </p:tnLst>
+    <p:bldLst>
+      <p:bldP spid="18" grpId="0" animBg="1"/>
+    </p:bldLst>
+  </p:timing>
+</p:sld>
+</file>
+
+<file path=ppt/slides/slide6.xml><?xml version="1.0" encoding="utf-8"?>
+<p:sld xmlns:a="http://schemas.openxmlformats.org/drawingml/2006/main" xmlns:r="http://schemas.openxmlformats.org/officeDocument/2006/relationships" xmlns:p="http://schemas.openxmlformats.org/presentationml/2006/main">
+  <p:cSld>
+    <p:spTree>
+      <p:nvGrpSpPr>
+        <p:cNvPr id="1" name=""/>
+        <p:cNvGrpSpPr/>
+        <p:nvPr/>
+      </p:nvGrpSpPr>
+      <p:grpSpPr>
+        <a:xfrm>
+          <a:off x="0" y="0"/>
+          <a:ext cx="0" cy="0"/>
+          <a:chOff x="0" y="0"/>
+          <a:chExt cx="0" cy="0"/>
+        </a:xfrm>
+      </p:grpSpPr>
+      <p:sp>
+        <p:nvSpPr>
+          <p:cNvPr id="12" name="Rectangle 11">
+            <a:extLst>
+              <a:ext uri="{FF2B5EF4-FFF2-40B4-BE49-F238E27FC236}">
+                <a16:creationId xmlns:a16="http://schemas.microsoft.com/office/drawing/2014/main" id="{7438C053-8F02-4CE9-994D-F233D6D745BF}"/>
+              </a:ext>
+            </a:extLst>
+          </p:cNvPr>
+          <p:cNvSpPr/>
+          <p:nvPr/>
+        </p:nvSpPr>
+        <p:spPr>
+          <a:xfrm>
+            <a:off x="304800" y="230188"/>
+            <a:ext cx="11582400" cy="1073045"/>
+          </a:xfrm>
+          <a:prstGeom prst="rect">
+            <a:avLst/>
+          </a:prstGeom>
+          <a:solidFill>
+            <a:schemeClr val="tx1">
+              <a:lumMod val="75000"/>
+              <a:lumOff val="25000"/>
+            </a:schemeClr>
+          </a:solidFill>
+          <a:ln w="63500" cmpd="thinThick">
+            <a:solidFill>
+              <a:schemeClr val="tx1">
+                <a:lumMod val="75000"/>
+                <a:lumOff val="25000"/>
+              </a:schemeClr>
+            </a:solidFill>
+          </a:ln>
+        </p:spPr>
+        <p:style>
+          <a:lnRef idx="2">
+            <a:schemeClr val="dk1">
+              <a:shade val="50000"/>
+            </a:schemeClr>
+          </a:lnRef>
+          <a:fillRef idx="1">
+            <a:schemeClr val="dk1"/>
+          </a:fillRef>
+          <a:effectRef idx="0">
+            <a:schemeClr val="dk1"/>
+          </a:effectRef>
+          <a:fontRef idx="minor">
+            <a:schemeClr val="lt1"/>
+          </a:fontRef>
+        </p:style>
+        <p:txBody>
+          <a:bodyPr rtlCol="0" anchor="ctr"/>
+          <a:lstStyle/>
+          <a:p>
+            <a:pPr algn="ctr"/>
+            <a:endParaRPr lang="en-US" sz="1400"/>
+          </a:p>
+        </p:txBody>
+      </p:sp>
+      <p:sp>
+        <p:nvSpPr>
+          <p:cNvPr id="2" name="Title 1">
+            <a:extLst>
+              <a:ext uri="{FF2B5EF4-FFF2-40B4-BE49-F238E27FC236}">
+                <a16:creationId xmlns:a16="http://schemas.microsoft.com/office/drawing/2014/main" id="{6D68BEC9-51A3-41D0-B106-455D50898E30}"/>
+              </a:ext>
+            </a:extLst>
+          </p:cNvPr>
+          <p:cNvSpPr>
+            <a:spLocks noGrp="1"/>
+          </p:cNvSpPr>
+          <p:nvPr>
+            <p:ph type="title"/>
+          </p:nvPr>
+        </p:nvSpPr>
+        <p:spPr>
+          <a:xfrm>
+            <a:off x="838200" y="270118"/>
+            <a:ext cx="10515600" cy="821837"/>
+          </a:xfrm>
+        </p:spPr>
+        <p:txBody>
+          <a:bodyPr/>
+          <a:lstStyle/>
+          <a:p>
+            <a:pPr algn="ctr"/>
+            <a:r>
+              <a:rPr lang="en-US" dirty="0">
+                <a:solidFill>
+                  <a:schemeClr val="bg1"/>
+                </a:solidFill>
+              </a:rPr>
+              <a:t>Classification Model Performance</a:t>
+            </a:r>
+          </a:p>
+        </p:txBody>
+      </p:sp>
+      <p:pic>
+        <p:nvPicPr>
+          <p:cNvPr id="21" name="Content Placeholder 5" descr="A screenshot of a cell phone&#10;&#10;Description automatically generated">
+            <a:extLst>
+              <a:ext uri="{FF2B5EF4-FFF2-40B4-BE49-F238E27FC236}">
+                <a16:creationId xmlns:a16="http://schemas.microsoft.com/office/drawing/2014/main" id="{37A1243E-E46A-4531-8FD2-5AD40E9600BB}"/>
+              </a:ext>
+            </a:extLst>
+          </p:cNvPr>
+          <p:cNvPicPr>
+            <a:picLocks noGrp="1" noChangeAspect="1"/>
+          </p:cNvPicPr>
+          <p:nvPr>
+            <p:ph sz="half" idx="1"/>
+          </p:nvPr>
+        </p:nvPicPr>
+        <p:blipFill>
+          <a:blip r:embed="rId2">
+            <a:extLst>
+              <a:ext uri="{28A0092B-C50C-407E-A947-70E740481C1C}">
+                <a14:useLocalDpi xmlns:a14="http://schemas.microsoft.com/office/drawing/2010/main" val="0"/>
+              </a:ext>
+            </a:extLst>
+          </a:blip>
+          <a:stretch>
+            <a:fillRect/>
+          </a:stretch>
+        </p:blipFill>
+        <p:spPr>
+          <a:xfrm>
+            <a:off x="357763" y="1617733"/>
+            <a:ext cx="5500751" cy="4888585"/>
+          </a:xfrm>
+        </p:spPr>
+      </p:pic>
+      <p:pic>
+        <p:nvPicPr>
+          <p:cNvPr id="8" name="Content Placeholder 7" descr="A close up of a map&#10;&#10;Description automatically generated">
+            <a:extLst>
+              <a:ext uri="{FF2B5EF4-FFF2-40B4-BE49-F238E27FC236}">
+                <a16:creationId xmlns:a16="http://schemas.microsoft.com/office/drawing/2014/main" id="{5B5DE6F4-ECBC-40F7-8CE7-0036284CE8F5}"/>
+              </a:ext>
+            </a:extLst>
+          </p:cNvPr>
+          <p:cNvPicPr>
+            <a:picLocks noGrp="1" noChangeAspect="1"/>
+          </p:cNvPicPr>
+          <p:nvPr>
+            <p:ph sz="half" idx="2"/>
+          </p:nvPr>
+        </p:nvPicPr>
+        <p:blipFill>
+          <a:blip r:embed="rId3">
+            <a:extLst>
+              <a:ext uri="{28A0092B-C50C-407E-A947-70E740481C1C}">
+                <a14:useLocalDpi xmlns:a14="http://schemas.microsoft.com/office/drawing/2010/main" val="0"/>
+              </a:ext>
+            </a:extLst>
+          </a:blip>
+          <a:stretch>
+            <a:fillRect/>
+          </a:stretch>
+        </p:blipFill>
+        <p:spPr>
+          <a:xfrm>
+            <a:off x="6333487" y="1847117"/>
+            <a:ext cx="5658488" cy="4105019"/>
+          </a:xfrm>
+        </p:spPr>
+      </p:pic>
+      <p:sp>
+        <p:nvSpPr>
+          <p:cNvPr id="9" name="Rectangle 8">
+            <a:extLst>
+              <a:ext uri="{FF2B5EF4-FFF2-40B4-BE49-F238E27FC236}">
+                <a16:creationId xmlns:a16="http://schemas.microsoft.com/office/drawing/2014/main" id="{86A7E74D-84DF-49D0-A36B-6A9C5AAB1153}"/>
+              </a:ext>
+            </a:extLst>
+          </p:cNvPr>
+          <p:cNvSpPr/>
+          <p:nvPr/>
+        </p:nvSpPr>
+        <p:spPr>
+          <a:xfrm>
+            <a:off x="701041" y="3736782"/>
+            <a:ext cx="4375784" cy="1844867"/>
+          </a:xfrm>
+          <a:prstGeom prst="rect">
+            <a:avLst/>
+          </a:prstGeom>
+          <a:noFill/>
+          <a:ln w="38100">
+            <a:solidFill>
+              <a:schemeClr val="accent6">
+                <a:lumMod val="75000"/>
+              </a:schemeClr>
+            </a:solidFill>
+          </a:ln>
+        </p:spPr>
+        <p:style>
+          <a:lnRef idx="2">
+            <a:schemeClr val="accent1">
+              <a:shade val="50000"/>
+            </a:schemeClr>
+          </a:lnRef>
+          <a:fillRef idx="1">
+            <a:schemeClr val="accent1"/>
+          </a:fillRef>
+          <a:effectRef idx="0">
+            <a:schemeClr val="accent1"/>
+          </a:effectRef>
+          <a:fontRef idx="minor">
+            <a:schemeClr val="lt1"/>
+          </a:fontRef>
+        </p:style>
+        <p:txBody>
+          <a:bodyPr rtlCol="0" anchor="ctr"/>
+          <a:lstStyle/>
+          <a:p>
+            <a:pPr algn="ctr"/>
+            <a:endParaRPr lang="en-US"/>
+          </a:p>
+        </p:txBody>
+      </p:sp>
+      <p:sp>
+        <p:nvSpPr>
+          <p:cNvPr id="22" name="Rectangle 21">
+            <a:extLst>
+              <a:ext uri="{FF2B5EF4-FFF2-40B4-BE49-F238E27FC236}">
+                <a16:creationId xmlns:a16="http://schemas.microsoft.com/office/drawing/2014/main" id="{894F1DCE-6E11-4383-80CE-A794776FE6E8}"/>
+              </a:ext>
+            </a:extLst>
+          </p:cNvPr>
+          <p:cNvSpPr/>
+          <p:nvPr/>
+        </p:nvSpPr>
+        <p:spPr>
+          <a:xfrm>
+            <a:off x="9983665" y="5107597"/>
+            <a:ext cx="1769656" cy="354797"/>
+          </a:xfrm>
+          <a:prstGeom prst="rect">
+            <a:avLst/>
+          </a:prstGeom>
+          <a:noFill/>
+          <a:ln w="38100">
+            <a:solidFill>
+              <a:schemeClr val="accent6">
+                <a:lumMod val="75000"/>
+              </a:schemeClr>
+            </a:solidFill>
+          </a:ln>
+        </p:spPr>
+        <p:style>
+          <a:lnRef idx="2">
+            <a:schemeClr val="accent1">
+              <a:shade val="50000"/>
+            </a:schemeClr>
+          </a:lnRef>
+          <a:fillRef idx="1">
+            <a:schemeClr val="accent1"/>
+          </a:fillRef>
+          <a:effectRef idx="0">
+            <a:schemeClr val="accent1"/>
+          </a:effectRef>
+          <a:fontRef idx="minor">
+            <a:schemeClr val="lt1"/>
+          </a:fontRef>
+        </p:style>
+        <p:txBody>
+          <a:bodyPr rtlCol="0" anchor="ctr"/>
+          <a:lstStyle/>
+          <a:p>
+            <a:pPr algn="ctr"/>
+            <a:endParaRPr lang="en-US"/>
+          </a:p>
+        </p:txBody>
+      </p:sp>
+      <p:cxnSp>
+        <p:nvCxnSpPr>
+          <p:cNvPr id="20" name="Straight Connector 19">
+            <a:extLst>
+              <a:ext uri="{FF2B5EF4-FFF2-40B4-BE49-F238E27FC236}">
+                <a16:creationId xmlns:a16="http://schemas.microsoft.com/office/drawing/2014/main" id="{5A0F4DFE-F999-41EC-B87C-D8D98A35F7C8}"/>
+              </a:ext>
+            </a:extLst>
+          </p:cNvPr>
+          <p:cNvCxnSpPr>
+            <a:cxnSpLocks/>
+          </p:cNvCxnSpPr>
+          <p:nvPr/>
+        </p:nvCxnSpPr>
+        <p:spPr>
+          <a:xfrm flipH="1">
+            <a:off x="3283745" y="1025280"/>
+            <a:ext cx="5624511" cy="0"/>
+          </a:xfrm>
+          <a:prstGeom prst="line">
+            <a:avLst/>
+          </a:prstGeom>
+        </p:spPr>
+        <p:style>
+          <a:lnRef idx="1">
+            <a:schemeClr val="accent1"/>
+          </a:lnRef>
+          <a:fillRef idx="0">
+            <a:schemeClr val="accent1"/>
+          </a:fillRef>
+          <a:effectRef idx="0">
+            <a:schemeClr val="accent1"/>
+          </a:effectRef>
+          <a:fontRef idx="minor">
+            <a:schemeClr val="tx1"/>
+          </a:fontRef>
+        </p:style>
+      </p:cxnSp>
+    </p:spTree>
+    <p:extLst>
+      <p:ext uri="{BB962C8B-B14F-4D97-AF65-F5344CB8AC3E}">
+        <p14:creationId xmlns:p14="http://schemas.microsoft.com/office/powerpoint/2010/main" val="879329863"/>
+      </p:ext>
+    </p:extLst>
+  </p:cSld>
+  <p:clrMapOvr>
+    <a:masterClrMapping/>
+  </p:clrMapOvr>
+  <p:timing>
+    <p:tnLst>
+      <p:par>
+        <p:cTn id="1" dur="indefinite" restart="never" nodeType="tmRoot">
+          <p:childTnLst>
+            <p:seq concurrent="1" nextAc="seek">
+              <p:cTn id="2" dur="indefinite" nodeType="mainSeq">
+                <p:childTnLst>
+                  <p:par>
+                    <p:cTn id="3" fill="hold">
+                      <p:stCondLst>
+                        <p:cond delay="indefinite"/>
+                      </p:stCondLst>
+                      <p:childTnLst>
+                        <p:par>
+                          <p:cTn id="4" fill="hold">
+                            <p:stCondLst>
+                              <p:cond delay="0"/>
+                            </p:stCondLst>
+                            <p:childTnLst>
+                              <p:par>
+                                <p:cTn id="5" presetID="1" presetClass="entr" presetSubtype="0" fill="hold" grpId="0" nodeType="clickEffect">
+                                  <p:stCondLst>
+                                    <p:cond delay="0"/>
+                                  </p:stCondLst>
+                                  <p:childTnLst>
+                                    <p:set>
+                                      <p:cBhvr>
+                                        <p:cTn id="6" dur="1" fill="hold">
+                                          <p:stCondLst>
+                                            <p:cond delay="0"/>
+                                          </p:stCondLst>
+                                        </p:cTn>
+                                        <p:tgtEl>
+                                          <p:spTgt spid="9"/>
+                                        </p:tgtEl>
+                                        <p:attrNameLst>
+                                          <p:attrName>style.visibility</p:attrName>
+                                        </p:attrNameLst>
+                                      </p:cBhvr>
+                                      <p:to>
+                                        <p:strVal val="visible"/>
+                                      </p:to>
+                                    </p:set>
+                                  </p:childTnLst>
+                                </p:cTn>
+                              </p:par>
+                            </p:childTnLst>
+                          </p:cTn>
+                        </p:par>
+                      </p:childTnLst>
+                    </p:cTn>
+                  </p:par>
+                  <p:par>
+                    <p:cTn id="7" fill="hold">
+                      <p:stCondLst>
+                        <p:cond delay="indefinite"/>
+                      </p:stCondLst>
+                      <p:childTnLst>
+                        <p:par>
+                          <p:cTn id="8" fill="hold">
+                            <p:stCondLst>
+                              <p:cond delay="0"/>
+                            </p:stCondLst>
+                            <p:childTnLst>
+                              <p:par>
+                                <p:cTn id="9" presetID="1" presetClass="entr" presetSubtype="0" fill="hold" grpId="0" nodeType="clickEffect">
+                                  <p:stCondLst>
+                                    <p:cond delay="0"/>
+                                  </p:stCondLst>
+                                  <p:childTnLst>
+                                    <p:set>
+                                      <p:cBhvr>
+                                        <p:cTn id="10" dur="1" fill="hold">
+                                          <p:stCondLst>
+                                            <p:cond delay="0"/>
+                                          </p:stCondLst>
+                                        </p:cTn>
+                                        <p:tgtEl>
+                                          <p:spTgt spid="22"/>
+                                        </p:tgtEl>
+                                        <p:attrNameLst>
+                                          <p:attrName>style.visibility</p:attrName>
+                                        </p:attrNameLst>
+                                      </p:cBhvr>
+                                      <p:to>
+                                        <p:strVal val="visible"/>
+                                      </p:to>
+                                    </p:set>
+                                  </p:childTnLst>
+                                </p:cTn>
+                              </p:par>
+                            </p:childTnLst>
+                          </p:cTn>
+                        </p:par>
+                      </p:childTnLst>
+                    </p:cTn>
+                  </p:par>
+                </p:childTnLst>
+              </p:cTn>
+              <p:prevCondLst>
+                <p:cond evt="onPrev" delay="0">
+                  <p:tgtEl>
+                    <p:sldTgt/>
+                  </p:tgtEl>
+                </p:cond>
+              </p:prevCondLst>
+              <p:nextCondLst>
+                <p:cond evt="onNext" delay="0">
+                  <p:tgtEl>
+                    <p:sldTgt/>
+                  </p:tgtEl>
+                </p:cond>
+              </p:nextCondLst>
+            </p:seq>
+          </p:childTnLst>
+        </p:cTn>
+      </p:par>
+    </p:tnLst>
+    <p:bldLst>
+      <p:bldP spid="9" grpId="0" animBg="1"/>
+      <p:bldP spid="22" grpId="0" animBg="1"/>
+    </p:bldLst>
+  </p:timing>
+</p:sld>
+</file>
+
+<file path=ppt/slides/slide7.xml><?xml version="1.0" encoding="utf-8"?>
+<p:sld xmlns:a="http://schemas.openxmlformats.org/drawingml/2006/main" xmlns:r="http://schemas.openxmlformats.org/officeDocument/2006/relationships" xmlns:p="http://schemas.openxmlformats.org/presentationml/2006/main">
+  <p:cSld>
+    <p:bg>
+      <p:bgPr>
+        <a:solidFill>
+          <a:schemeClr val="bg1"/>
+        </a:solidFill>
+        <a:effectLst/>
+      </p:bgPr>
+    </p:bg>
+    <p:spTree>
+      <p:nvGrpSpPr>
+        <p:cNvPr id="1" name=""/>
+        <p:cNvGrpSpPr/>
+        <p:nvPr/>
+      </p:nvGrpSpPr>
+      <p:grpSpPr>
+        <a:xfrm>
+          <a:off x="0" y="0"/>
+          <a:ext cx="0" cy="0"/>
+          <a:chOff x="0" y="0"/>
+          <a:chExt cx="0" cy="0"/>
+        </a:xfrm>
+      </p:grpSpPr>
+      <p:sp>
+        <p:nvSpPr>
+          <p:cNvPr id="11" name="Rectangle 10">
+            <a:extLst>
+              <a:ext uri="{FF2B5EF4-FFF2-40B4-BE49-F238E27FC236}">
+                <a16:creationId xmlns:a16="http://schemas.microsoft.com/office/drawing/2014/main" id="{867D4867-5BA7-4462-B2F6-A23F4A622AA7}"/>
+              </a:ext>
+              <a:ext uri="{C183D7F6-B498-43B3-948B-1728B52AA6E4}">
+                <adec:decorative xmlns:adec="http://schemas.microsoft.com/office/drawing/2017/decorative" val="1"/>
+              </a:ext>
+            </a:extLst>
+          </p:cNvPr>
+          <p:cNvSpPr>
+            <a:spLocks noGrp="1" noRot="1" noChangeAspect="1" noMove="1" noResize="1" noEditPoints="1" noAdjustHandles="1" noChangeArrowheads="1" noChangeShapeType="1" noTextEdit="1"/>
+          </p:cNvSpPr>
+          <p:nvPr>
+            <p:extLst>
+              <p:ext uri="{386F3935-93C4-4BCD-93E2-E3B085C9AB24}">
+                <p16:designElem xmlns:p16="http://schemas.microsoft.com/office/powerpoint/2015/main" val="1"/>
+              </p:ext>
+            </p:extLst>
+          </p:nvPr>
+        </p:nvSpPr>
+        <p:spPr>
+          <a:xfrm>
+            <a:off x="0" y="0"/>
+            <a:ext cx="4654296" cy="6858000"/>
+          </a:xfrm>
+          <a:prstGeom prst="rect">
+            <a:avLst/>
+          </a:prstGeom>
+          <a:solidFill>
+            <a:schemeClr val="tx1">
+              <a:lumMod val="75000"/>
+              <a:lumOff val="25000"/>
+            </a:schemeClr>
+          </a:solidFill>
+          <a:ln>
+            <a:noFill/>
+          </a:ln>
+        </p:spPr>
+        <p:style>
+          <a:lnRef idx="0">
+            <a:scrgbClr r="0" g="0" b="0"/>
+          </a:lnRef>
+          <a:fillRef idx="0">
+            <a:scrgbClr r="0" g="0" b="0"/>
+          </a:fillRef>
+          <a:effectRef idx="0">
+            <a:scrgbClr r="0" g="0" b="0"/>
+          </a:effectRef>
+          <a:fontRef idx="minor">
+            <a:schemeClr val="lt1"/>
+          </a:fontRef>
+        </p:style>
+        <p:txBody>
+          <a:bodyPr rtlCol="0" anchor="ctr"/>
+          <a:lstStyle/>
+          <a:p>
+            <a:pPr algn="ctr"/>
+            <a:endParaRPr lang="en-US"/>
+          </a:p>
+        </p:txBody>
+      </p:sp>
+      <p:sp>
+        <p:nvSpPr>
+          <p:cNvPr id="2" name="Title 1">
+            <a:extLst>
+              <a:ext uri="{FF2B5EF4-FFF2-40B4-BE49-F238E27FC236}">
+                <a16:creationId xmlns:a16="http://schemas.microsoft.com/office/drawing/2014/main" id="{4CFDBC83-6CE0-4B30-8654-3764C2C9DBDF}"/>
+              </a:ext>
+            </a:extLst>
+          </p:cNvPr>
+          <p:cNvSpPr>
+            <a:spLocks noGrp="1"/>
+          </p:cNvSpPr>
+          <p:nvPr>
+            <p:ph type="title"/>
+          </p:nvPr>
+        </p:nvSpPr>
+        <p:spPr>
+          <a:xfrm>
+            <a:off x="643467" y="643467"/>
+            <a:ext cx="3363974" cy="1597315"/>
+          </a:xfrm>
+          <a:noFill/>
+          <a:ln w="19050">
+            <a:solidFill>
+              <a:schemeClr val="bg1"/>
+            </a:solidFill>
+          </a:ln>
+        </p:spPr>
+        <p:txBody>
+          <a:bodyPr vert="horz" wrap="square" lIns="91440" tIns="45720" rIns="91440" bIns="45720" rtlCol="0" anchor="ctr">
+            <a:normAutofit/>
+          </a:bodyPr>
+          <a:lstStyle/>
+          <a:p>
+            <a:pPr algn="ctr"/>
+            <a:r>
+              <a:rPr lang="en-US" sz="2800" kern="1200" dirty="0">
+                <a:solidFill>
+                  <a:schemeClr val="bg1"/>
+                </a:solidFill>
+                <a:latin typeface="+mj-lt"/>
+                <a:ea typeface="+mj-ea"/>
+                <a:cs typeface="+mj-cs"/>
+              </a:rPr>
+              <a:t>Important Features</a:t>
+            </a:r>
+            <a:br>
+              <a:rPr lang="en-US" sz="2800" kern="1200" dirty="0">
+                <a:solidFill>
+                  <a:schemeClr val="bg1"/>
+                </a:solidFill>
+                <a:latin typeface="+mj-lt"/>
+                <a:ea typeface="+mj-ea"/>
+                <a:cs typeface="+mj-cs"/>
+              </a:rPr>
+            </a:br>
+            <a:r>
+              <a:rPr lang="en-US" sz="2800" kern="1200" dirty="0">
+                <a:solidFill>
+                  <a:schemeClr val="bg1"/>
+                </a:solidFill>
+                <a:latin typeface="+mj-lt"/>
+                <a:ea typeface="+mj-ea"/>
+                <a:cs typeface="+mj-cs"/>
+              </a:rPr>
+              <a:t>in Predicting Recidivism</a:t>
+            </a:r>
+          </a:p>
+        </p:txBody>
+      </p:sp>
+      <p:sp>
+        <p:nvSpPr>
+          <p:cNvPr id="4" name="Content Placeholder 3">
+            <a:extLst>
+              <a:ext uri="{FF2B5EF4-FFF2-40B4-BE49-F238E27FC236}">
+                <a16:creationId xmlns:a16="http://schemas.microsoft.com/office/drawing/2014/main" id="{04CC3BF9-8B70-4A40-99D2-806B625D03CB}"/>
+              </a:ext>
+            </a:extLst>
+          </p:cNvPr>
+          <p:cNvSpPr>
+            <a:spLocks noGrp="1"/>
+          </p:cNvSpPr>
+          <p:nvPr>
+            <p:ph sz="half" idx="2"/>
+          </p:nvPr>
+        </p:nvSpPr>
+        <p:spPr>
+          <a:xfrm>
+            <a:off x="643468" y="2638044"/>
+            <a:ext cx="4010828" cy="3415622"/>
+          </a:xfrm>
+        </p:spPr>
+        <p:txBody>
+          <a:bodyPr vert="horz" lIns="91440" tIns="45720" rIns="91440" bIns="45720" rtlCol="0">
+            <a:normAutofit/>
+          </a:bodyPr>
+          <a:lstStyle/>
+          <a:p>
+            <a:pPr marL="457200" indent="-457200">
+              <a:buFont typeface="+mj-lt"/>
+              <a:buAutoNum type="arabicPeriod"/>
+            </a:pPr>
+            <a:r>
+              <a:rPr lang="en-US" sz="2000" dirty="0">
+                <a:solidFill>
+                  <a:schemeClr val="bg1"/>
+                </a:solidFill>
+              </a:rPr>
+              <a:t>Age-At-Release </a:t>
+            </a:r>
+          </a:p>
+          <a:p>
+            <a:pPr marL="457200" indent="-457200">
+              <a:buFont typeface="+mj-lt"/>
+              <a:buAutoNum type="arabicPeriod"/>
+            </a:pPr>
+            <a:r>
+              <a:rPr lang="en-US" sz="2000" dirty="0">
+                <a:solidFill>
+                  <a:schemeClr val="bg1"/>
+                </a:solidFill>
+              </a:rPr>
+              <a:t>Supervising Judicial District </a:t>
+            </a:r>
+          </a:p>
+          <a:p>
+            <a:pPr marL="457200" indent="-457200">
+              <a:buFont typeface="+mj-lt"/>
+              <a:buAutoNum type="arabicPeriod"/>
+            </a:pPr>
+            <a:r>
+              <a:rPr lang="en-US" sz="2000" dirty="0">
+                <a:solidFill>
+                  <a:schemeClr val="bg1"/>
+                </a:solidFill>
+              </a:rPr>
+              <a:t> Type of Release</a:t>
+            </a:r>
+          </a:p>
+          <a:p>
+            <a:pPr marL="457200" indent="-457200">
+              <a:buFont typeface="+mj-lt"/>
+              <a:buAutoNum type="arabicPeriod"/>
+            </a:pPr>
+            <a:r>
+              <a:rPr lang="en-US" sz="2000" dirty="0">
+                <a:solidFill>
+                  <a:schemeClr val="bg1"/>
+                </a:solidFill>
+              </a:rPr>
+              <a:t>Crime Subtypes</a:t>
+            </a:r>
+          </a:p>
+        </p:txBody>
+      </p:sp>
+      <p:pic>
+        <p:nvPicPr>
+          <p:cNvPr id="6" name="Content Placeholder 5" descr="A screenshot of a cell phone&#10;&#10;Description automatically generated">
+            <a:extLst>
+              <a:ext uri="{FF2B5EF4-FFF2-40B4-BE49-F238E27FC236}">
+                <a16:creationId xmlns:a16="http://schemas.microsoft.com/office/drawing/2014/main" id="{244D33CB-DAD1-4815-A7A9-B24FAEFA9967}"/>
+              </a:ext>
+            </a:extLst>
+          </p:cNvPr>
+          <p:cNvPicPr>
+            <a:picLocks noGrp="1" noChangeAspect="1"/>
+          </p:cNvPicPr>
+          <p:nvPr>
+            <p:ph sz="half" idx="1"/>
+          </p:nvPr>
+        </p:nvPicPr>
+        <p:blipFill>
+          <a:blip r:embed="rId2">
+            <a:extLst>
+              <a:ext uri="{28A0092B-C50C-407E-A947-70E740481C1C}">
+                <a14:useLocalDpi xmlns:a14="http://schemas.microsoft.com/office/drawing/2010/main" val="0"/>
+              </a:ext>
+            </a:extLst>
+          </a:blip>
+          <a:stretch>
+            <a:fillRect/>
+          </a:stretch>
+        </p:blipFill>
+        <p:spPr>
+          <a:xfrm>
+            <a:off x="5297763" y="1120259"/>
+            <a:ext cx="6902736" cy="4365981"/>
+          </a:xfrm>
+          <a:prstGeom prst="rect">
+            <a:avLst/>
+          </a:prstGeom>
+        </p:spPr>
+      </p:pic>
+      <p:sp>
+        <p:nvSpPr>
+          <p:cNvPr id="7" name="TextBox 6">
+            <a:extLst>
+              <a:ext uri="{FF2B5EF4-FFF2-40B4-BE49-F238E27FC236}">
+                <a16:creationId xmlns:a16="http://schemas.microsoft.com/office/drawing/2014/main" id="{4EFC16D5-9417-43FE-8C09-14696204C46E}"/>
+              </a:ext>
+            </a:extLst>
+          </p:cNvPr>
+          <p:cNvSpPr txBox="1"/>
+          <p:nvPr/>
+        </p:nvSpPr>
+        <p:spPr>
+          <a:xfrm>
+            <a:off x="8156098" y="5368409"/>
+            <a:ext cx="2040815" cy="369332"/>
+          </a:xfrm>
+          <a:prstGeom prst="rect">
+            <a:avLst/>
+          </a:prstGeom>
+          <a:noFill/>
+        </p:spPr>
+        <p:txBody>
+          <a:bodyPr wrap="none" rtlCol="0">
+            <a:spAutoFit/>
+          </a:bodyPr>
+          <a:lstStyle/>
+          <a:p>
+            <a:r>
+              <a:rPr lang="en-US" dirty="0"/>
+              <a:t>Feature Importance</a:t>
+            </a:r>
+          </a:p>
+        </p:txBody>
+      </p:sp>
+      <p:sp>
+        <p:nvSpPr>
+          <p:cNvPr id="9" name="TextBox 8">
+            <a:extLst>
+              <a:ext uri="{FF2B5EF4-FFF2-40B4-BE49-F238E27FC236}">
+                <a16:creationId xmlns:a16="http://schemas.microsoft.com/office/drawing/2014/main" id="{65B69289-A3DA-4FA0-A28F-EDC42D4A7005}"/>
+              </a:ext>
+            </a:extLst>
+          </p:cNvPr>
+          <p:cNvSpPr txBox="1"/>
+          <p:nvPr/>
+        </p:nvSpPr>
+        <p:spPr>
+          <a:xfrm rot="16200000">
+            <a:off x="4355775" y="2939374"/>
+            <a:ext cx="1514645" cy="369332"/>
+          </a:xfrm>
+          <a:prstGeom prst="rect">
+            <a:avLst/>
+          </a:prstGeom>
+          <a:noFill/>
+        </p:spPr>
+        <p:txBody>
+          <a:bodyPr wrap="none" rtlCol="0">
+            <a:spAutoFit/>
+          </a:bodyPr>
+          <a:lstStyle/>
+          <a:p>
+            <a:r>
+              <a:rPr lang="en-US" dirty="0"/>
+              <a:t>Feature Name</a:t>
+            </a:r>
+          </a:p>
+        </p:txBody>
+      </p:sp>
+    </p:spTree>
+    <p:extLst>
+      <p:ext uri="{BB962C8B-B14F-4D97-AF65-F5344CB8AC3E}">
+        <p14:creationId xmlns:p14="http://schemas.microsoft.com/office/powerpoint/2010/main" val="2202832989"/>
+      </p:ext>
+    </p:extLst>
+  </p:cSld>
+  <p:clrMapOvr>
+    <a:masterClrMapping/>
+  </p:clrMapOvr>
+</p:sld>
+</file>
+
+<file path=ppt/slides/slide8.xml><?xml version="1.0" encoding="utf-8"?>
+<p:sld xmlns:a="http://schemas.openxmlformats.org/drawingml/2006/main" xmlns:r="http://schemas.openxmlformats.org/officeDocument/2006/relationships" xmlns:p="http://schemas.openxmlformats.org/presentationml/2006/main">
+  <p:cSld>
+    <p:spTree>
+      <p:nvGrpSpPr>
+        <p:cNvPr id="1" name=""/>
+        <p:cNvGrpSpPr/>
+        <p:nvPr/>
+      </p:nvGrpSpPr>
+      <p:grpSpPr>
+        <a:xfrm>
+          <a:off x="0" y="0"/>
+          <a:ext cx="0" cy="0"/>
+          <a:chOff x="0" y="0"/>
+          <a:chExt cx="0" cy="0"/>
+        </a:xfrm>
+      </p:grpSpPr>
+      <p:sp>
+        <p:nvSpPr>
+          <p:cNvPr id="27" name="Rectangle 26">
+            <a:extLst>
+              <a:ext uri="{FF2B5EF4-FFF2-40B4-BE49-F238E27FC236}">
+                <a16:creationId xmlns:a16="http://schemas.microsoft.com/office/drawing/2014/main" id="{59969067-2717-4833-829D-EF331732704F}"/>
+              </a:ext>
+            </a:extLst>
+          </p:cNvPr>
+          <p:cNvSpPr/>
+          <p:nvPr/>
+        </p:nvSpPr>
+        <p:spPr>
+          <a:xfrm>
+            <a:off x="304800" y="117580"/>
+            <a:ext cx="11582400" cy="1073045"/>
+          </a:xfrm>
+          <a:prstGeom prst="rect">
+            <a:avLst/>
+          </a:prstGeom>
+          <a:solidFill>
+            <a:schemeClr val="tx1">
+              <a:lumMod val="75000"/>
+              <a:lumOff val="25000"/>
+            </a:schemeClr>
+          </a:solidFill>
+          <a:ln w="63500" cmpd="thinThick">
+            <a:solidFill>
+              <a:schemeClr val="tx1">
+                <a:lumMod val="75000"/>
+                <a:lumOff val="25000"/>
+              </a:schemeClr>
+            </a:solidFill>
+          </a:ln>
+        </p:spPr>
+        <p:style>
+          <a:lnRef idx="2">
+            <a:schemeClr val="dk1">
+              <a:shade val="50000"/>
+            </a:schemeClr>
+          </a:lnRef>
+          <a:fillRef idx="1">
+            <a:schemeClr val="dk1"/>
+          </a:fillRef>
+          <a:effectRef idx="0">
+            <a:schemeClr val="dk1"/>
+          </a:effectRef>
+          <a:fontRef idx="minor">
+            <a:schemeClr val="lt1"/>
+          </a:fontRef>
+        </p:style>
+        <p:txBody>
+          <a:bodyPr rtlCol="0" anchor="ctr"/>
+          <a:lstStyle/>
+          <a:p>
+            <a:pPr algn="ctr"/>
+            <a:endParaRPr lang="en-US" sz="1400"/>
+          </a:p>
+        </p:txBody>
+      </p:sp>
+      <p:sp>
+        <p:nvSpPr>
+          <p:cNvPr id="16" name="Title 15">
+            <a:extLst>
+              <a:ext uri="{FF2B5EF4-FFF2-40B4-BE49-F238E27FC236}">
+                <a16:creationId xmlns:a16="http://schemas.microsoft.com/office/drawing/2014/main" id="{BC43B110-D6A9-43B6-905D-DB403774E2FC}"/>
+              </a:ext>
+            </a:extLst>
+          </p:cNvPr>
+          <p:cNvSpPr>
+            <a:spLocks noGrp="1"/>
+          </p:cNvSpPr>
+          <p:nvPr>
+            <p:ph type="title"/>
+          </p:nvPr>
+        </p:nvSpPr>
+        <p:spPr>
+          <a:xfrm>
+            <a:off x="304800" y="117580"/>
+            <a:ext cx="11582400" cy="990251"/>
+          </a:xfrm>
+        </p:spPr>
+        <p:txBody>
+          <a:bodyPr/>
+          <a:lstStyle/>
+          <a:p>
+            <a:pPr algn="ctr"/>
+            <a:r>
+              <a:rPr lang="en-US" dirty="0">
+                <a:solidFill>
+                  <a:schemeClr val="bg1"/>
+                </a:solidFill>
+              </a:rPr>
+              <a:t>#1) Age at Release 		#2) Judicial District</a:t>
+            </a:r>
+          </a:p>
+        </p:txBody>
+      </p:sp>
+      <p:pic>
+        <p:nvPicPr>
+          <p:cNvPr id="22" name="Content Placeholder 21" descr="A screenshot of a cell phone&#10;&#10;Description automatically generated">
+            <a:extLst>
+              <a:ext uri="{FF2B5EF4-FFF2-40B4-BE49-F238E27FC236}">
+                <a16:creationId xmlns:a16="http://schemas.microsoft.com/office/drawing/2014/main" id="{7DBC0DB9-5EB1-46C5-95CD-FF027F355148}"/>
+              </a:ext>
+            </a:extLst>
+          </p:cNvPr>
+          <p:cNvPicPr>
+            <a:picLocks noGrp="1" noChangeAspect="1"/>
+          </p:cNvPicPr>
+          <p:nvPr>
+            <p:ph sz="half" idx="2"/>
+          </p:nvPr>
+        </p:nvPicPr>
+        <p:blipFill rotWithShape="1">
+          <a:blip r:embed="rId2">
+            <a:extLst>
+              <a:ext uri="{28A0092B-C50C-407E-A947-70E740481C1C}">
+                <a14:useLocalDpi xmlns:a14="http://schemas.microsoft.com/office/drawing/2010/main" val="0"/>
+              </a:ext>
+            </a:extLst>
+          </a:blip>
+          <a:srcRect r="14290"/>
+          <a:stretch/>
+        </p:blipFill>
+        <p:spPr>
+          <a:xfrm>
+            <a:off x="5582175" y="1690688"/>
+            <a:ext cx="5962126" cy="4843052"/>
+          </a:xfrm>
+        </p:spPr>
+      </p:pic>
+      <p:pic>
+        <p:nvPicPr>
+          <p:cNvPr id="23" name="Content Placeholder 19" descr="A screenshot of a cell phone&#10;&#10;Description automatically generated">
+            <a:extLst>
+              <a:ext uri="{FF2B5EF4-FFF2-40B4-BE49-F238E27FC236}">
+                <a16:creationId xmlns:a16="http://schemas.microsoft.com/office/drawing/2014/main" id="{26CE598A-DC61-4334-9F99-48A3F1F4E68F}"/>
+              </a:ext>
+            </a:extLst>
+          </p:cNvPr>
+          <p:cNvPicPr>
+            <a:picLocks noChangeAspect="1"/>
+          </p:cNvPicPr>
+          <p:nvPr/>
+        </p:nvPicPr>
+        <p:blipFill rotWithShape="1">
+          <a:blip r:embed="rId3">
+            <a:extLst>
+              <a:ext uri="{28A0092B-C50C-407E-A947-70E740481C1C}">
+                <a14:useLocalDpi xmlns:a14="http://schemas.microsoft.com/office/drawing/2010/main" val="0"/>
+              </a:ext>
+            </a:extLst>
+          </a:blip>
+          <a:srcRect l="79106" b="85697"/>
+          <a:stretch/>
+        </p:blipFill>
+        <p:spPr>
+          <a:xfrm>
+            <a:off x="5391562" y="1289947"/>
+            <a:ext cx="1185084" cy="801482"/>
+          </a:xfrm>
+          <a:prstGeom prst="rect">
+            <a:avLst/>
+          </a:prstGeom>
+        </p:spPr>
+      </p:pic>
+      <p:pic>
+        <p:nvPicPr>
+          <p:cNvPr id="26" name="Picture 25">
+            <a:extLst>
+              <a:ext uri="{FF2B5EF4-FFF2-40B4-BE49-F238E27FC236}">
+                <a16:creationId xmlns:a16="http://schemas.microsoft.com/office/drawing/2014/main" id="{ABE89E76-ABE7-472E-8F69-FB69EC379FCA}"/>
+              </a:ext>
+            </a:extLst>
+          </p:cNvPr>
+          <p:cNvPicPr>
+            <a:picLocks noChangeAspect="1"/>
+          </p:cNvPicPr>
+          <p:nvPr/>
+        </p:nvPicPr>
+        <p:blipFill>
+          <a:blip r:embed="rId4"/>
+          <a:stretch>
+            <a:fillRect/>
+          </a:stretch>
+        </p:blipFill>
+        <p:spPr>
+          <a:xfrm>
+            <a:off x="770893" y="1771650"/>
+            <a:ext cx="4375500" cy="4762090"/>
+          </a:xfrm>
+          <a:prstGeom prst="rect">
+            <a:avLst/>
+          </a:prstGeom>
+        </p:spPr>
+      </p:pic>
+    </p:spTree>
+    <p:extLst>
+      <p:ext uri="{BB962C8B-B14F-4D97-AF65-F5344CB8AC3E}">
+        <p14:creationId xmlns:p14="http://schemas.microsoft.com/office/powerpoint/2010/main" val="2657209460"/>
+      </p:ext>
+    </p:extLst>
+  </p:cSld>
+  <p:clrMapOvr>
+    <a:masterClrMapping/>
+  </p:clrMapOvr>
+</p:sld>
+</file>
+
+<file path=ppt/slides/slide9.xml><?xml version="1.0" encoding="utf-8"?>
+<p:sld xmlns:a="http://schemas.openxmlformats.org/drawingml/2006/main" xmlns:r="http://schemas.openxmlformats.org/officeDocument/2006/relationships" xmlns:p="http://schemas.openxmlformats.org/presentationml/2006/main">
+  <p:cSld>
+    <p:spTree>
+      <p:nvGrpSpPr>
+        <p:cNvPr id="1" name=""/>
+        <p:cNvGrpSpPr/>
+        <p:nvPr/>
+      </p:nvGrpSpPr>
+      <p:grpSpPr>
+        <a:xfrm>
+          <a:off x="0" y="0"/>
+          <a:ext cx="0" cy="0"/>
+          <a:chOff x="0" y="0"/>
+          <a:chExt cx="0" cy="0"/>
+        </a:xfrm>
+      </p:grpSpPr>
+      <p:sp>
+        <p:nvSpPr>
+          <p:cNvPr id="21" name="Rectangle 20">
+            <a:extLst>
+              <a:ext uri="{FF2B5EF4-FFF2-40B4-BE49-F238E27FC236}">
+                <a16:creationId xmlns:a16="http://schemas.microsoft.com/office/drawing/2014/main" id="{A908F8A5-3734-4943-AF82-E7688B33910F}"/>
+              </a:ext>
+            </a:extLst>
+          </p:cNvPr>
+          <p:cNvSpPr/>
+          <p:nvPr/>
+        </p:nvSpPr>
+        <p:spPr>
+          <a:xfrm>
+            <a:off x="304800" y="117580"/>
+            <a:ext cx="11582400" cy="1073045"/>
+          </a:xfrm>
+          <a:prstGeom prst="rect">
+            <a:avLst/>
+          </a:prstGeom>
+          <a:solidFill>
+            <a:schemeClr val="tx1">
+              <a:lumMod val="75000"/>
+              <a:lumOff val="25000"/>
+            </a:schemeClr>
+          </a:solidFill>
+          <a:ln w="63500" cmpd="thinThick">
+            <a:solidFill>
+              <a:schemeClr val="tx1">
+                <a:lumMod val="75000"/>
+                <a:lumOff val="25000"/>
+              </a:schemeClr>
+            </a:solidFill>
+          </a:ln>
+        </p:spPr>
+        <p:style>
+          <a:lnRef idx="2">
+            <a:schemeClr val="dk1">
+              <a:shade val="50000"/>
+            </a:schemeClr>
+          </a:lnRef>
+          <a:fillRef idx="1">
+            <a:schemeClr val="dk1"/>
+          </a:fillRef>
+          <a:effectRef idx="0">
+            <a:schemeClr val="dk1"/>
+          </a:effectRef>
+          <a:fontRef idx="minor">
+            <a:schemeClr val="lt1"/>
+          </a:fontRef>
+        </p:style>
+        <p:txBody>
+          <a:bodyPr rtlCol="0" anchor="ctr"/>
+          <a:lstStyle/>
+          <a:p>
+            <a:pPr algn="ctr"/>
+            <a:endParaRPr lang="en-US" sz="1400" dirty="0"/>
+          </a:p>
+        </p:txBody>
+      </p:sp>
+      <p:sp>
+        <p:nvSpPr>
+          <p:cNvPr id="2" name="Title 1">
+            <a:extLst>
+              <a:ext uri="{FF2B5EF4-FFF2-40B4-BE49-F238E27FC236}">
+                <a16:creationId xmlns:a16="http://schemas.microsoft.com/office/drawing/2014/main" id="{5AA86BCB-8D80-4C57-8FBF-587866BDC26F}"/>
+              </a:ext>
+            </a:extLst>
+          </p:cNvPr>
+          <p:cNvSpPr>
+            <a:spLocks noGrp="1"/>
+          </p:cNvSpPr>
+          <p:nvPr>
+            <p:ph type="title"/>
+          </p:nvPr>
+        </p:nvSpPr>
+        <p:spPr>
+          <a:xfrm>
+            <a:off x="838200" y="304730"/>
+            <a:ext cx="10515600" cy="698744"/>
+          </a:xfrm>
+        </p:spPr>
+        <p:txBody>
+          <a:bodyPr>
+            <a:normAutofit fontScale="90000"/>
+          </a:bodyPr>
+          <a:lstStyle/>
+          <a:p>
+            <a:pPr algn="ctr"/>
+            <a:r>
+              <a:rPr lang="en-US" dirty="0">
+                <a:solidFill>
+                  <a:schemeClr val="bg1"/>
+                </a:solidFill>
+              </a:rPr>
+              <a:t>#3) Release Type 		#4) Crime Type-Subtypes</a:t>
+            </a:r>
+          </a:p>
+        </p:txBody>
+      </p:sp>
+      <p:pic>
+        <p:nvPicPr>
+          <p:cNvPr id="14" name="Content Placeholder 13" descr="A screenshot of a cell phone&#10;&#10;Description automatically generated">
+            <a:extLst>
+              <a:ext uri="{FF2B5EF4-FFF2-40B4-BE49-F238E27FC236}">
+                <a16:creationId xmlns:a16="http://schemas.microsoft.com/office/drawing/2014/main" id="{341C4115-D390-46E4-8F71-6E1DB79A3BF3}"/>
+              </a:ext>
+            </a:extLst>
+          </p:cNvPr>
+          <p:cNvPicPr>
+            <a:picLocks noGrp="1" noChangeAspect="1"/>
+          </p:cNvPicPr>
+          <p:nvPr>
+            <p:ph sz="half" idx="1"/>
+          </p:nvPr>
+        </p:nvPicPr>
+        <p:blipFill rotWithShape="1">
+          <a:blip r:embed="rId2">
+            <a:extLst>
+              <a:ext uri="{28A0092B-C50C-407E-A947-70E740481C1C}">
+                <a14:useLocalDpi xmlns:a14="http://schemas.microsoft.com/office/drawing/2010/main" val="0"/>
+              </a:ext>
+            </a:extLst>
+          </a:blip>
+          <a:srcRect r="13924"/>
+          <a:stretch/>
+        </p:blipFill>
+        <p:spPr>
+          <a:xfrm>
+            <a:off x="12573" y="1226616"/>
+            <a:ext cx="6105849" cy="5395363"/>
+          </a:xfrm>
+        </p:spPr>
+      </p:pic>
+      <p:pic>
+        <p:nvPicPr>
+          <p:cNvPr id="16" name="Content Placeholder 15" descr="A screenshot of a cell phone&#10;&#10;Description automatically generated">
+            <a:extLst>
+              <a:ext uri="{FF2B5EF4-FFF2-40B4-BE49-F238E27FC236}">
+                <a16:creationId xmlns:a16="http://schemas.microsoft.com/office/drawing/2014/main" id="{2B83CA0E-B057-4A52-A9C1-A2178096F66E}"/>
+              </a:ext>
+            </a:extLst>
+          </p:cNvPr>
+          <p:cNvPicPr>
+            <a:picLocks noGrp="1" noChangeAspect="1"/>
+          </p:cNvPicPr>
+          <p:nvPr>
+            <p:ph sz="half" idx="2"/>
+          </p:nvPr>
+        </p:nvPicPr>
+        <p:blipFill rotWithShape="1">
+          <a:blip r:embed="rId3">
+            <a:extLst>
+              <a:ext uri="{28A0092B-C50C-407E-A947-70E740481C1C}">
+                <a14:useLocalDpi xmlns:a14="http://schemas.microsoft.com/office/drawing/2010/main" val="0"/>
+              </a:ext>
+            </a:extLst>
+          </a:blip>
+          <a:srcRect r="15073"/>
+          <a:stretch/>
+        </p:blipFill>
+        <p:spPr>
+          <a:xfrm>
+            <a:off x="6336120" y="1238249"/>
+            <a:ext cx="5770156" cy="5640909"/>
+          </a:xfrm>
+        </p:spPr>
+      </p:pic>
+      <p:pic>
+        <p:nvPicPr>
+          <p:cNvPr id="17" name="Content Placeholder 19" descr="A screenshot of a cell phone&#10;&#10;Description automatically generated">
+            <a:extLst>
+              <a:ext uri="{FF2B5EF4-FFF2-40B4-BE49-F238E27FC236}">
+                <a16:creationId xmlns:a16="http://schemas.microsoft.com/office/drawing/2014/main" id="{6B1B4479-E5C0-44F6-8EBB-7EE65CD69BE6}"/>
+              </a:ext>
+            </a:extLst>
+          </p:cNvPr>
+          <p:cNvPicPr>
+            <a:picLocks noChangeAspect="1"/>
+          </p:cNvPicPr>
+          <p:nvPr/>
+        </p:nvPicPr>
+        <p:blipFill rotWithShape="1">
+          <a:blip r:embed="rId4">
+            <a:extLst>
+              <a:ext uri="{28A0092B-C50C-407E-A947-70E740481C1C}">
+                <a14:useLocalDpi xmlns:a14="http://schemas.microsoft.com/office/drawing/2010/main" val="0"/>
+              </a:ext>
+            </a:extLst>
+          </a:blip>
+          <a:srcRect l="79106" b="85697"/>
+          <a:stretch/>
+        </p:blipFill>
+        <p:spPr>
+          <a:xfrm>
+            <a:off x="4836711" y="2216960"/>
+            <a:ext cx="1185084" cy="801482"/>
+          </a:xfrm>
+          <a:prstGeom prst="rect">
+            <a:avLst/>
+          </a:prstGeom>
+        </p:spPr>
+      </p:pic>
+    </p:spTree>
+    <p:extLst>
+      <p:ext uri="{BB962C8B-B14F-4D97-AF65-F5344CB8AC3E}">
+        <p14:creationId xmlns:p14="http://schemas.microsoft.com/office/powerpoint/2010/main" val="543213359"/>
+      </p:ext>
+    </p:extLst>
+  </p:cSld>
+  <p:clrMapOvr>
+    <a:masterClrMapping/>
   </p:clrMapOvr>
 </p:sld>
 </file>

--- a/Predicting Recidivism in Released Prisoner in Iowa_v2.pptx
+++ b/Predicting Recidivism in Released Prisoner in Iowa_v2.pptx
@@ -281,7 +281,7 @@
           <a:p>
             <a:fld id="{9F368D5F-B914-41C5-B897-CC7F5F914261}" type="datetimeFigureOut">
               <a:rPr lang="en-US" smtClean="0"/>
-              <a:t>5/23/2019</a:t>
+              <a:t>1/20/20</a:t>
             </a:fld>
             <a:endParaRPr lang="en-US"/>
           </a:p>
@@ -479,7 +479,7 @@
           <a:p>
             <a:fld id="{9F368D5F-B914-41C5-B897-CC7F5F914261}" type="datetimeFigureOut">
               <a:rPr lang="en-US" smtClean="0"/>
-              <a:t>5/23/2019</a:t>
+              <a:t>1/20/20</a:t>
             </a:fld>
             <a:endParaRPr lang="en-US"/>
           </a:p>
@@ -687,7 +687,7 @@
           <a:p>
             <a:fld id="{9F368D5F-B914-41C5-B897-CC7F5F914261}" type="datetimeFigureOut">
               <a:rPr lang="en-US" smtClean="0"/>
-              <a:t>5/23/2019</a:t>
+              <a:t>1/20/20</a:t>
             </a:fld>
             <a:endParaRPr lang="en-US"/>
           </a:p>
@@ -885,7 +885,7 @@
           <a:p>
             <a:fld id="{9F368D5F-B914-41C5-B897-CC7F5F914261}" type="datetimeFigureOut">
               <a:rPr lang="en-US" smtClean="0"/>
-              <a:t>5/23/2019</a:t>
+              <a:t>1/20/20</a:t>
             </a:fld>
             <a:endParaRPr lang="en-US"/>
           </a:p>
@@ -1160,7 +1160,7 @@
           <a:p>
             <a:fld id="{9F368D5F-B914-41C5-B897-CC7F5F914261}" type="datetimeFigureOut">
               <a:rPr lang="en-US" smtClean="0"/>
-              <a:t>5/23/2019</a:t>
+              <a:t>1/20/20</a:t>
             </a:fld>
             <a:endParaRPr lang="en-US"/>
           </a:p>
@@ -1425,7 +1425,7 @@
           <a:p>
             <a:fld id="{9F368D5F-B914-41C5-B897-CC7F5F914261}" type="datetimeFigureOut">
               <a:rPr lang="en-US" smtClean="0"/>
-              <a:t>5/23/2019</a:t>
+              <a:t>1/20/20</a:t>
             </a:fld>
             <a:endParaRPr lang="en-US"/>
           </a:p>
@@ -1837,7 +1837,7 @@
           <a:p>
             <a:fld id="{9F368D5F-B914-41C5-B897-CC7F5F914261}" type="datetimeFigureOut">
               <a:rPr lang="en-US" smtClean="0"/>
-              <a:t>5/23/2019</a:t>
+              <a:t>1/20/20</a:t>
             </a:fld>
             <a:endParaRPr lang="en-US"/>
           </a:p>
@@ -1978,7 +1978,7 @@
           <a:p>
             <a:fld id="{9F368D5F-B914-41C5-B897-CC7F5F914261}" type="datetimeFigureOut">
               <a:rPr lang="en-US" smtClean="0"/>
-              <a:t>5/23/2019</a:t>
+              <a:t>1/20/20</a:t>
             </a:fld>
             <a:endParaRPr lang="en-US"/>
           </a:p>
@@ -2091,7 +2091,7 @@
           <a:p>
             <a:fld id="{9F368D5F-B914-41C5-B897-CC7F5F914261}" type="datetimeFigureOut">
               <a:rPr lang="en-US" smtClean="0"/>
-              <a:t>5/23/2019</a:t>
+              <a:t>1/20/20</a:t>
             </a:fld>
             <a:endParaRPr lang="en-US"/>
           </a:p>
@@ -2402,7 +2402,7 @@
           <a:p>
             <a:fld id="{9F368D5F-B914-41C5-B897-CC7F5F914261}" type="datetimeFigureOut">
               <a:rPr lang="en-US" smtClean="0"/>
-              <a:t>5/23/2019</a:t>
+              <a:t>1/20/20</a:t>
             </a:fld>
             <a:endParaRPr lang="en-US"/>
           </a:p>
@@ -2690,7 +2690,7 @@
           <a:p>
             <a:fld id="{9F368D5F-B914-41C5-B897-CC7F5F914261}" type="datetimeFigureOut">
               <a:rPr lang="en-US" smtClean="0"/>
-              <a:t>5/23/2019</a:t>
+              <a:t>1/20/20</a:t>
             </a:fld>
             <a:endParaRPr lang="en-US"/>
           </a:p>
@@ -2931,7 +2931,7 @@
           <a:p>
             <a:fld id="{9F368D5F-B914-41C5-B897-CC7F5F914261}" type="datetimeFigureOut">
               <a:rPr lang="en-US" smtClean="0"/>
-              <a:t>5/23/2019</a:t>
+              <a:t>1/20/20</a:t>
             </a:fld>
             <a:endParaRPr lang="en-US"/>
           </a:p>
@@ -3397,7 +3397,7 @@
             </a:br>
             <a:r>
               <a:rPr lang="en-US" dirty="0"/>
-              <a:t>Iowa’s Prisoners Will Return to Crime?</a:t>
+              <a:t>Iowa’s Prisoners Will Return to Crime</a:t>
             </a:r>
           </a:p>
         </p:txBody>
